--- a/slides/801 - Decorator.pptx
+++ b/slides/801 - Decorator.pptx
@@ -206,7 +206,7 @@
           <a:noFill/>
           <a:extLst>
             <a:ext uri="{909E8E84-426E-40dd-AFC4-6F175D3DCCD1}">
-              <a14:hiddenFill xmlns:a14="http://schemas.microsoft.com/office/drawing/2010/main" xmlns="">
+              <a14:hiddenFill xmlns="" xmlns:a14="http://schemas.microsoft.com/office/drawing/2010/main">
                 <a:solidFill>
                   <a:srgbClr val="FFFFFF"/>
                 </a:solidFill>
@@ -265,7 +265,7 @@
             </a:ln>
             <a:extLst>
               <a:ext uri="{91240B29-F687-4f45-9708-019B960494DF}">
-                <a14:hiddenLine xmlns:a14="http://schemas.microsoft.com/office/drawing/2010/main" xmlns="" w="9525">
+                <a14:hiddenLine xmlns="" xmlns:a14="http://schemas.microsoft.com/office/drawing/2010/main" w="9525">
                   <a:solidFill>
                     <a:srgbClr val="000000"/>
                   </a:solidFill>
@@ -355,7 +355,7 @@
             </a:ln>
             <a:extLst>
               <a:ext uri="{91240B29-F687-4f45-9708-019B960494DF}">
-                <a14:hiddenLine xmlns:a14="http://schemas.microsoft.com/office/drawing/2010/main" xmlns="" w="9525">
+                <a14:hiddenLine xmlns="" xmlns:a14="http://schemas.microsoft.com/office/drawing/2010/main" w="9525">
                   <a:solidFill>
                     <a:srgbClr val="000000"/>
                   </a:solidFill>
@@ -445,7 +445,7 @@
             </a:ln>
             <a:extLst>
               <a:ext uri="{91240B29-F687-4f45-9708-019B960494DF}">
-                <a14:hiddenLine xmlns:a14="http://schemas.microsoft.com/office/drawing/2010/main" xmlns="" w="9525">
+                <a14:hiddenLine xmlns="" xmlns:a14="http://schemas.microsoft.com/office/drawing/2010/main" w="9525">
                   <a:solidFill>
                     <a:srgbClr val="000000"/>
                   </a:solidFill>
@@ -479,7 +479,7 @@
             </a:ln>
             <a:extLst>
               <a:ext uri="{91240B29-F687-4f45-9708-019B960494DF}">
-                <a14:hiddenLine xmlns:a14="http://schemas.microsoft.com/office/drawing/2010/main" xmlns="" w="9525">
+                <a14:hiddenLine xmlns="" xmlns:a14="http://schemas.microsoft.com/office/drawing/2010/main" w="9525">
                   <a:solidFill>
                     <a:srgbClr val="000000"/>
                   </a:solidFill>
@@ -569,7 +569,7 @@
             </a:ln>
             <a:extLst>
               <a:ext uri="{91240B29-F687-4f45-9708-019B960494DF}">
-                <a14:hiddenLine xmlns:a14="http://schemas.microsoft.com/office/drawing/2010/main" xmlns="" w="9525">
+                <a14:hiddenLine xmlns="" xmlns:a14="http://schemas.microsoft.com/office/drawing/2010/main" w="9525">
                   <a:solidFill>
                     <a:srgbClr val="000000"/>
                   </a:solidFill>
@@ -631,7 +631,7 @@
             </a:ln>
             <a:extLst>
               <a:ext uri="{91240B29-F687-4f45-9708-019B960494DF}">
-                <a14:hiddenLine xmlns:a14="http://schemas.microsoft.com/office/drawing/2010/main" xmlns="" w="9525">
+                <a14:hiddenLine xmlns="" xmlns:a14="http://schemas.microsoft.com/office/drawing/2010/main" w="9525">
                   <a:solidFill>
                     <a:srgbClr val="000000"/>
                   </a:solidFill>
@@ -693,7 +693,7 @@
             </a:ln>
             <a:extLst>
               <a:ext uri="{91240B29-F687-4f45-9708-019B960494DF}">
-                <a14:hiddenLine xmlns:a14="http://schemas.microsoft.com/office/drawing/2010/main" xmlns="" w="9525">
+                <a14:hiddenLine xmlns="" xmlns:a14="http://schemas.microsoft.com/office/drawing/2010/main" w="9525">
                   <a:solidFill>
                     <a:srgbClr val="000000"/>
                   </a:solidFill>
@@ -783,7 +783,7 @@
             </a:ln>
             <a:extLst>
               <a:ext uri="{91240B29-F687-4f45-9708-019B960494DF}">
-                <a14:hiddenLine xmlns:a14="http://schemas.microsoft.com/office/drawing/2010/main" xmlns="" w="9525">
+                <a14:hiddenLine xmlns="" xmlns:a14="http://schemas.microsoft.com/office/drawing/2010/main" w="9525">
                   <a:solidFill>
                     <a:srgbClr val="000000"/>
                   </a:solidFill>
@@ -845,7 +845,7 @@
             </a:ln>
             <a:extLst>
               <a:ext uri="{91240B29-F687-4f45-9708-019B960494DF}">
-                <a14:hiddenLine xmlns:a14="http://schemas.microsoft.com/office/drawing/2010/main" xmlns="" w="9525">
+                <a14:hiddenLine xmlns="" xmlns:a14="http://schemas.microsoft.com/office/drawing/2010/main" w="9525">
                   <a:solidFill>
                     <a:srgbClr val="000000"/>
                   </a:solidFill>
@@ -907,7 +907,7 @@
             </a:ln>
             <a:extLst>
               <a:ext uri="{91240B29-F687-4f45-9708-019B960494DF}">
-                <a14:hiddenLine xmlns:a14="http://schemas.microsoft.com/office/drawing/2010/main" xmlns="" w="9525">
+                <a14:hiddenLine xmlns="" xmlns:a14="http://schemas.microsoft.com/office/drawing/2010/main" w="9525">
                   <a:solidFill>
                     <a:srgbClr val="000000"/>
                   </a:solidFill>
@@ -997,7 +997,7 @@
             </a:ln>
             <a:extLst>
               <a:ext uri="{91240B29-F687-4f45-9708-019B960494DF}">
-                <a14:hiddenLine xmlns:a14="http://schemas.microsoft.com/office/drawing/2010/main" xmlns="" w="9525">
+                <a14:hiddenLine xmlns="" xmlns:a14="http://schemas.microsoft.com/office/drawing/2010/main" w="9525">
                   <a:solidFill>
                     <a:srgbClr val="000000"/>
                   </a:solidFill>
@@ -1087,7 +1087,7 @@
             </a:ln>
             <a:extLst>
               <a:ext uri="{91240B29-F687-4f45-9708-019B960494DF}">
-                <a14:hiddenLine xmlns:a14="http://schemas.microsoft.com/office/drawing/2010/main" xmlns="" w="9525">
+                <a14:hiddenLine xmlns="" xmlns:a14="http://schemas.microsoft.com/office/drawing/2010/main" w="9525">
                   <a:solidFill>
                     <a:srgbClr val="000000"/>
                   </a:solidFill>
@@ -1149,7 +1149,7 @@
             </a:ln>
             <a:extLst>
               <a:ext uri="{91240B29-F687-4f45-9708-019B960494DF}">
-                <a14:hiddenLine xmlns:a14="http://schemas.microsoft.com/office/drawing/2010/main" xmlns="" w="9525">
+                <a14:hiddenLine xmlns="" xmlns:a14="http://schemas.microsoft.com/office/drawing/2010/main" w="9525">
                   <a:solidFill>
                     <a:srgbClr val="000000"/>
                   </a:solidFill>
@@ -1259,7 +1259,7 @@
             </a:ln>
             <a:extLst>
               <a:ext uri="{91240B29-F687-4f45-9708-019B960494DF}">
-                <a14:hiddenLine xmlns:a14="http://schemas.microsoft.com/office/drawing/2010/main" xmlns="" w="9525">
+                <a14:hiddenLine xmlns="" xmlns:a14="http://schemas.microsoft.com/office/drawing/2010/main" w="9525">
                   <a:solidFill>
                     <a:srgbClr val="000000"/>
                   </a:solidFill>
@@ -1321,7 +1321,7 @@
             </a:ln>
             <a:extLst>
               <a:ext uri="{91240B29-F687-4f45-9708-019B960494DF}">
-                <a14:hiddenLine xmlns:a14="http://schemas.microsoft.com/office/drawing/2010/main" xmlns="" w="9525">
+                <a14:hiddenLine xmlns="" xmlns:a14="http://schemas.microsoft.com/office/drawing/2010/main" w="9525">
                   <a:solidFill>
                     <a:srgbClr val="000000"/>
                   </a:solidFill>
@@ -1411,7 +1411,7 @@
             </a:ln>
             <a:extLst>
               <a:ext uri="{91240B29-F687-4f45-9708-019B960494DF}">
-                <a14:hiddenLine xmlns:a14="http://schemas.microsoft.com/office/drawing/2010/main" xmlns="" w="9525">
+                <a14:hiddenLine xmlns="" xmlns:a14="http://schemas.microsoft.com/office/drawing/2010/main" w="9525">
                   <a:solidFill>
                     <a:srgbClr val="000000"/>
                   </a:solidFill>
@@ -1501,7 +1501,7 @@
             </a:ln>
             <a:extLst>
               <a:ext uri="{91240B29-F687-4f45-9708-019B960494DF}">
-                <a14:hiddenLine xmlns:a14="http://schemas.microsoft.com/office/drawing/2010/main" xmlns="" w="9525">
+                <a14:hiddenLine xmlns="" xmlns:a14="http://schemas.microsoft.com/office/drawing/2010/main" w="9525">
                   <a:solidFill>
                     <a:srgbClr val="000000"/>
                   </a:solidFill>
@@ -1563,7 +1563,7 @@
             </a:ln>
             <a:extLst>
               <a:ext uri="{91240B29-F687-4f45-9708-019B960494DF}">
-                <a14:hiddenLine xmlns:a14="http://schemas.microsoft.com/office/drawing/2010/main" xmlns="" w="9525">
+                <a14:hiddenLine xmlns="" xmlns:a14="http://schemas.microsoft.com/office/drawing/2010/main" w="9525">
                   <a:solidFill>
                     <a:srgbClr val="000000"/>
                   </a:solidFill>
@@ -1653,7 +1653,7 @@
             </a:ln>
             <a:extLst>
               <a:ext uri="{91240B29-F687-4f45-9708-019B960494DF}">
-                <a14:hiddenLine xmlns:a14="http://schemas.microsoft.com/office/drawing/2010/main" xmlns="" w="9525">
+                <a14:hiddenLine xmlns="" xmlns:a14="http://schemas.microsoft.com/office/drawing/2010/main" w="9525">
                   <a:solidFill>
                     <a:srgbClr val="000000"/>
                   </a:solidFill>
@@ -1743,7 +1743,7 @@
             </a:ln>
             <a:extLst>
               <a:ext uri="{91240B29-F687-4f45-9708-019B960494DF}">
-                <a14:hiddenLine xmlns:a14="http://schemas.microsoft.com/office/drawing/2010/main" xmlns="" w="9525">
+                <a14:hiddenLine xmlns="" xmlns:a14="http://schemas.microsoft.com/office/drawing/2010/main" w="9525">
                   <a:solidFill>
                     <a:srgbClr val="000000"/>
                   </a:solidFill>
@@ -1799,7 +1799,7 @@
             </a:ln>
             <a:extLst>
               <a:ext uri="{91240B29-F687-4f45-9708-019B960494DF}">
-                <a14:hiddenLine xmlns:a14="http://schemas.microsoft.com/office/drawing/2010/main" xmlns="" w="9525">
+                <a14:hiddenLine xmlns="" xmlns:a14="http://schemas.microsoft.com/office/drawing/2010/main" w="9525">
                   <a:solidFill>
                     <a:srgbClr val="000000"/>
                   </a:solidFill>
@@ -1889,7 +1889,7 @@
             </a:ln>
             <a:extLst>
               <a:ext uri="{91240B29-F687-4f45-9708-019B960494DF}">
-                <a14:hiddenLine xmlns:a14="http://schemas.microsoft.com/office/drawing/2010/main" xmlns="" w="9525">
+                <a14:hiddenLine xmlns="" xmlns:a14="http://schemas.microsoft.com/office/drawing/2010/main" w="9525">
                   <a:solidFill>
                     <a:srgbClr val="000000"/>
                   </a:solidFill>
@@ -1945,7 +1945,7 @@
             </a:ln>
             <a:extLst>
               <a:ext uri="{91240B29-F687-4f45-9708-019B960494DF}">
-                <a14:hiddenLine xmlns:a14="http://schemas.microsoft.com/office/drawing/2010/main" xmlns="" w="9525">
+                <a14:hiddenLine xmlns="" xmlns:a14="http://schemas.microsoft.com/office/drawing/2010/main" w="9525">
                   <a:solidFill>
                     <a:srgbClr val="000000"/>
                   </a:solidFill>
@@ -2035,7 +2035,7 @@
             </a:ln>
             <a:extLst>
               <a:ext uri="{91240B29-F687-4f45-9708-019B960494DF}">
-                <a14:hiddenLine xmlns:a14="http://schemas.microsoft.com/office/drawing/2010/main" xmlns="" w="9525">
+                <a14:hiddenLine xmlns="" xmlns:a14="http://schemas.microsoft.com/office/drawing/2010/main" w="9525">
                   <a:solidFill>
                     <a:srgbClr val="000000"/>
                   </a:solidFill>
@@ -2103,7 +2103,7 @@
             </a:ln>
             <a:extLst>
               <a:ext uri="{91240B29-F687-4f45-9708-019B960494DF}">
-                <a14:hiddenLine xmlns:a14="http://schemas.microsoft.com/office/drawing/2010/main" xmlns="" w="9525">
+                <a14:hiddenLine xmlns="" xmlns:a14="http://schemas.microsoft.com/office/drawing/2010/main" w="9525">
                   <a:solidFill>
                     <a:srgbClr val="000000"/>
                   </a:solidFill>
@@ -2193,7 +2193,7 @@
             </a:ln>
             <a:extLst>
               <a:ext uri="{91240B29-F687-4f45-9708-019B960494DF}">
-                <a14:hiddenLine xmlns:a14="http://schemas.microsoft.com/office/drawing/2010/main" xmlns="" w="9525">
+                <a14:hiddenLine xmlns="" xmlns:a14="http://schemas.microsoft.com/office/drawing/2010/main" w="9525">
                   <a:solidFill>
                     <a:srgbClr val="000000"/>
                   </a:solidFill>
@@ -2261,7 +2261,7 @@
             </a:ln>
             <a:extLst>
               <a:ext uri="{91240B29-F687-4f45-9708-019B960494DF}">
-                <a14:hiddenLine xmlns:a14="http://schemas.microsoft.com/office/drawing/2010/main" xmlns="" w="9525">
+                <a14:hiddenLine xmlns="" xmlns:a14="http://schemas.microsoft.com/office/drawing/2010/main" w="9525">
                   <a:solidFill>
                     <a:srgbClr val="000000"/>
                   </a:solidFill>
@@ -2351,7 +2351,7 @@
             </a:ln>
             <a:extLst>
               <a:ext uri="{91240B29-F687-4f45-9708-019B960494DF}">
-                <a14:hiddenLine xmlns:a14="http://schemas.microsoft.com/office/drawing/2010/main" xmlns="" w="9525">
+                <a14:hiddenLine xmlns="" xmlns:a14="http://schemas.microsoft.com/office/drawing/2010/main" w="9525">
                   <a:solidFill>
                     <a:srgbClr val="000000"/>
                   </a:solidFill>
@@ -2385,7 +2385,7 @@
             </a:ln>
             <a:extLst>
               <a:ext uri="{91240B29-F687-4f45-9708-019B960494DF}">
-                <a14:hiddenLine xmlns:a14="http://schemas.microsoft.com/office/drawing/2010/main" xmlns="" w="9525">
+                <a14:hiddenLine xmlns="" xmlns:a14="http://schemas.microsoft.com/office/drawing/2010/main" w="9525">
                   <a:solidFill>
                     <a:srgbClr val="000000"/>
                   </a:solidFill>
@@ -2475,7 +2475,7 @@
             </a:ln>
             <a:extLst>
               <a:ext uri="{91240B29-F687-4f45-9708-019B960494DF}">
-                <a14:hiddenLine xmlns:a14="http://schemas.microsoft.com/office/drawing/2010/main" xmlns="" w="9525">
+                <a14:hiddenLine xmlns="" xmlns:a14="http://schemas.microsoft.com/office/drawing/2010/main" w="9525">
                   <a:solidFill>
                     <a:srgbClr val="000000"/>
                   </a:solidFill>
@@ -2537,7 +2537,7 @@
             </a:ln>
             <a:extLst>
               <a:ext uri="{91240B29-F687-4f45-9708-019B960494DF}">
-                <a14:hiddenLine xmlns:a14="http://schemas.microsoft.com/office/drawing/2010/main" xmlns="" w="9525">
+                <a14:hiddenLine xmlns="" xmlns:a14="http://schemas.microsoft.com/office/drawing/2010/main" w="9525">
                   <a:solidFill>
                     <a:srgbClr val="000000"/>
                   </a:solidFill>
@@ -2599,7 +2599,7 @@
             </a:ln>
             <a:extLst>
               <a:ext uri="{91240B29-F687-4f45-9708-019B960494DF}">
-                <a14:hiddenLine xmlns:a14="http://schemas.microsoft.com/office/drawing/2010/main" xmlns="" w="9525">
+                <a14:hiddenLine xmlns="" xmlns:a14="http://schemas.microsoft.com/office/drawing/2010/main" w="9525">
                   <a:solidFill>
                     <a:srgbClr val="000000"/>
                   </a:solidFill>
@@ -2689,7 +2689,7 @@
             </a:ln>
             <a:extLst>
               <a:ext uri="{91240B29-F687-4f45-9708-019B960494DF}">
-                <a14:hiddenLine xmlns:a14="http://schemas.microsoft.com/office/drawing/2010/main" xmlns="" w="9525">
+                <a14:hiddenLine xmlns="" xmlns:a14="http://schemas.microsoft.com/office/drawing/2010/main" w="9525">
                   <a:solidFill>
                     <a:srgbClr val="000000"/>
                   </a:solidFill>
@@ -2757,7 +2757,7 @@
             </a:ln>
             <a:extLst>
               <a:ext uri="{91240B29-F687-4f45-9708-019B960494DF}">
-                <a14:hiddenLine xmlns:a14="http://schemas.microsoft.com/office/drawing/2010/main" xmlns="" w="9525">
+                <a14:hiddenLine xmlns="" xmlns:a14="http://schemas.microsoft.com/office/drawing/2010/main" w="9525">
                   <a:solidFill>
                     <a:srgbClr val="000000"/>
                   </a:solidFill>
@@ -2819,7 +2819,7 @@
             </a:ln>
             <a:extLst>
               <a:ext uri="{91240B29-F687-4f45-9708-019B960494DF}">
-                <a14:hiddenLine xmlns:a14="http://schemas.microsoft.com/office/drawing/2010/main" xmlns="" w="9525">
+                <a14:hiddenLine xmlns="" xmlns:a14="http://schemas.microsoft.com/office/drawing/2010/main" w="9525">
                   <a:solidFill>
                     <a:srgbClr val="000000"/>
                   </a:solidFill>
@@ -2909,7 +2909,7 @@
             </a:ln>
             <a:extLst>
               <a:ext uri="{91240B29-F687-4f45-9708-019B960494DF}">
-                <a14:hiddenLine xmlns:a14="http://schemas.microsoft.com/office/drawing/2010/main" xmlns="" w="9525">
+                <a14:hiddenLine xmlns="" xmlns:a14="http://schemas.microsoft.com/office/drawing/2010/main" w="9525">
                   <a:solidFill>
                     <a:srgbClr val="000000"/>
                   </a:solidFill>
@@ -2971,7 +2971,7 @@
             </a:ln>
             <a:extLst>
               <a:ext uri="{91240B29-F687-4f45-9708-019B960494DF}">
-                <a14:hiddenLine xmlns:a14="http://schemas.microsoft.com/office/drawing/2010/main" xmlns="" w="9525">
+                <a14:hiddenLine xmlns="" xmlns:a14="http://schemas.microsoft.com/office/drawing/2010/main" w="9525">
                   <a:solidFill>
                     <a:srgbClr val="000000"/>
                   </a:solidFill>
@@ -3061,7 +3061,7 @@
             </a:ln>
             <a:extLst>
               <a:ext uri="{91240B29-F687-4f45-9708-019B960494DF}">
-                <a14:hiddenLine xmlns:a14="http://schemas.microsoft.com/office/drawing/2010/main" xmlns="" w="9525">
+                <a14:hiddenLine xmlns="" xmlns:a14="http://schemas.microsoft.com/office/drawing/2010/main" w="9525">
                   <a:solidFill>
                     <a:srgbClr val="000000"/>
                   </a:solidFill>
@@ -3123,7 +3123,7 @@
             </a:ln>
             <a:extLst>
               <a:ext uri="{91240B29-F687-4f45-9708-019B960494DF}">
-                <a14:hiddenLine xmlns:a14="http://schemas.microsoft.com/office/drawing/2010/main" xmlns="" w="9525">
+                <a14:hiddenLine xmlns="" xmlns:a14="http://schemas.microsoft.com/office/drawing/2010/main" w="9525">
                   <a:solidFill>
                     <a:srgbClr val="000000"/>
                   </a:solidFill>
@@ -3213,7 +3213,7 @@
             </a:ln>
             <a:extLst>
               <a:ext uri="{91240B29-F687-4f45-9708-019B960494DF}">
-                <a14:hiddenLine xmlns:a14="http://schemas.microsoft.com/office/drawing/2010/main" xmlns="" w="9525">
+                <a14:hiddenLine xmlns="" xmlns:a14="http://schemas.microsoft.com/office/drawing/2010/main" w="9525">
                   <a:solidFill>
                     <a:srgbClr val="000000"/>
                   </a:solidFill>
@@ -3247,7 +3247,7 @@
             </a:ln>
             <a:extLst>
               <a:ext uri="{91240B29-F687-4f45-9708-019B960494DF}">
-                <a14:hiddenLine xmlns:a14="http://schemas.microsoft.com/office/drawing/2010/main" xmlns="" w="9525">
+                <a14:hiddenLine xmlns="" xmlns:a14="http://schemas.microsoft.com/office/drawing/2010/main" w="9525">
                   <a:solidFill>
                     <a:srgbClr val="000000"/>
                   </a:solidFill>
@@ -3312,7 +3312,7 @@
             </a:ln>
             <a:extLst>
               <a:ext uri="{91240B29-F687-4f45-9708-019B960494DF}">
-                <a14:hiddenLine xmlns:a14="http://schemas.microsoft.com/office/drawing/2010/main" xmlns="" w="9525">
+                <a14:hiddenLine xmlns="" xmlns:a14="http://schemas.microsoft.com/office/drawing/2010/main" w="9525">
                   <a:solidFill>
                     <a:srgbClr val="000000"/>
                   </a:solidFill>
@@ -3402,7 +3402,7 @@
             </a:ln>
             <a:extLst>
               <a:ext uri="{91240B29-F687-4f45-9708-019B960494DF}">
-                <a14:hiddenLine xmlns:a14="http://schemas.microsoft.com/office/drawing/2010/main" xmlns="" w="9525">
+                <a14:hiddenLine xmlns="" xmlns:a14="http://schemas.microsoft.com/office/drawing/2010/main" w="9525">
                   <a:solidFill>
                     <a:srgbClr val="000000"/>
                   </a:solidFill>
@@ -3464,7 +3464,7 @@
             </a:ln>
             <a:extLst>
               <a:ext uri="{91240B29-F687-4f45-9708-019B960494DF}">
-                <a14:hiddenLine xmlns:a14="http://schemas.microsoft.com/office/drawing/2010/main" xmlns="" w="9525">
+                <a14:hiddenLine xmlns="" xmlns:a14="http://schemas.microsoft.com/office/drawing/2010/main" w="9525">
                   <a:solidFill>
                     <a:srgbClr val="000000"/>
                   </a:solidFill>
@@ -3554,7 +3554,7 @@
             </a:ln>
             <a:extLst>
               <a:ext uri="{91240B29-F687-4f45-9708-019B960494DF}">
-                <a14:hiddenLine xmlns:a14="http://schemas.microsoft.com/office/drawing/2010/main" xmlns="" w="9525">
+                <a14:hiddenLine xmlns="" xmlns:a14="http://schemas.microsoft.com/office/drawing/2010/main" w="9525">
                   <a:solidFill>
                     <a:srgbClr val="000000"/>
                   </a:solidFill>
@@ -3644,7 +3644,7 @@
             </a:ln>
             <a:extLst>
               <a:ext uri="{91240B29-F687-4f45-9708-019B960494DF}">
-                <a14:hiddenLine xmlns:a14="http://schemas.microsoft.com/office/drawing/2010/main" xmlns="" w="9525">
+                <a14:hiddenLine xmlns="" xmlns:a14="http://schemas.microsoft.com/office/drawing/2010/main" w="9525">
                   <a:solidFill>
                     <a:srgbClr val="000000"/>
                   </a:solidFill>
@@ -3709,7 +3709,7 @@
             </a:ln>
             <a:extLst>
               <a:ext uri="{91240B29-F687-4f45-9708-019B960494DF}">
-                <a14:hiddenLine xmlns:a14="http://schemas.microsoft.com/office/drawing/2010/main" xmlns="" w="9525">
+                <a14:hiddenLine xmlns="" xmlns:a14="http://schemas.microsoft.com/office/drawing/2010/main" w="9525">
                   <a:solidFill>
                     <a:srgbClr val="000000"/>
                   </a:solidFill>
@@ -3771,7 +3771,7 @@
             </a:ln>
             <a:extLst>
               <a:ext uri="{91240B29-F687-4f45-9708-019B960494DF}">
-                <a14:hiddenLine xmlns:a14="http://schemas.microsoft.com/office/drawing/2010/main" xmlns="" w="9525">
+                <a14:hiddenLine xmlns="" xmlns:a14="http://schemas.microsoft.com/office/drawing/2010/main" w="9525">
                   <a:solidFill>
                     <a:srgbClr val="000000"/>
                   </a:solidFill>
@@ -3861,7 +3861,7 @@
             </a:ln>
             <a:extLst>
               <a:ext uri="{91240B29-F687-4f45-9708-019B960494DF}">
-                <a14:hiddenLine xmlns:a14="http://schemas.microsoft.com/office/drawing/2010/main" xmlns="" w="9525">
+                <a14:hiddenLine xmlns="" xmlns:a14="http://schemas.microsoft.com/office/drawing/2010/main" w="9525">
                   <a:solidFill>
                     <a:srgbClr val="000000"/>
                   </a:solidFill>
@@ -3951,7 +3951,7 @@
             </a:ln>
             <a:extLst>
               <a:ext uri="{91240B29-F687-4f45-9708-019B960494DF}">
-                <a14:hiddenLine xmlns:a14="http://schemas.microsoft.com/office/drawing/2010/main" xmlns="" w="9525">
+                <a14:hiddenLine xmlns="" xmlns:a14="http://schemas.microsoft.com/office/drawing/2010/main" w="9525">
                   <a:solidFill>
                     <a:srgbClr val="000000"/>
                   </a:solidFill>
@@ -4013,7 +4013,7 @@
             </a:ln>
             <a:extLst>
               <a:ext uri="{91240B29-F687-4f45-9708-019B960494DF}">
-                <a14:hiddenLine xmlns:a14="http://schemas.microsoft.com/office/drawing/2010/main" xmlns="" w="9525">
+                <a14:hiddenLine xmlns="" xmlns:a14="http://schemas.microsoft.com/office/drawing/2010/main" w="9525">
                   <a:solidFill>
                     <a:srgbClr val="000000"/>
                   </a:solidFill>
@@ -4133,7 +4133,7 @@
             </a:ln>
             <a:extLst>
               <a:ext uri="{91240B29-F687-4f45-9708-019B960494DF}">
-                <a14:hiddenLine xmlns:a14="http://schemas.microsoft.com/office/drawing/2010/main" xmlns="" w="9525">
+                <a14:hiddenLine xmlns="" xmlns:a14="http://schemas.microsoft.com/office/drawing/2010/main" w="9525">
                   <a:solidFill>
                     <a:srgbClr val="000000"/>
                   </a:solidFill>
@@ -4201,7 +4201,7 @@
             </a:ln>
             <a:extLst>
               <a:ext uri="{91240B29-F687-4f45-9708-019B960494DF}">
-                <a14:hiddenLine xmlns:a14="http://schemas.microsoft.com/office/drawing/2010/main" xmlns="" w="9525">
+                <a14:hiddenLine xmlns="" xmlns:a14="http://schemas.microsoft.com/office/drawing/2010/main" w="9525">
                   <a:solidFill>
                     <a:srgbClr val="000000"/>
                   </a:solidFill>
@@ -4291,7 +4291,7 @@
             </a:ln>
             <a:extLst>
               <a:ext uri="{91240B29-F687-4f45-9708-019B960494DF}">
-                <a14:hiddenLine xmlns:a14="http://schemas.microsoft.com/office/drawing/2010/main" xmlns="" w="9525">
+                <a14:hiddenLine xmlns="" xmlns:a14="http://schemas.microsoft.com/office/drawing/2010/main" w="9525">
                   <a:solidFill>
                     <a:srgbClr val="000000"/>
                   </a:solidFill>
@@ -4432,7 +4432,7 @@
             <a:fld id="{B61BEF0D-F0BB-DE4B-95CE-6DB70DBA9567}" type="datetimeFigureOut">
               <a:rPr lang="en-US" smtClean="0"/>
               <a:pPr/>
-              <a:t>10/17/19</a:t>
+              <a:t>10/21/19</a:t>
             </a:fld>
             <a:endParaRPr lang="en-US" dirty="0"/>
           </a:p>
@@ -4701,7 +4701,7 @@
             <a:fld id="{B61BEF0D-F0BB-DE4B-95CE-6DB70DBA9567}" type="datetimeFigureOut">
               <a:rPr lang="en-US" smtClean="0"/>
               <a:pPr/>
-              <a:t>10/17/19</a:t>
+              <a:t>10/21/19</a:t>
             </a:fld>
             <a:endParaRPr lang="en-US" dirty="0"/>
           </a:p>
@@ -4899,7 +4899,7 @@
             <a:fld id="{B61BEF0D-F0BB-DE4B-95CE-6DB70DBA9567}" type="datetimeFigureOut">
               <a:rPr lang="en-US" smtClean="0"/>
               <a:pPr/>
-              <a:t>10/17/19</a:t>
+              <a:t>10/21/19</a:t>
             </a:fld>
             <a:endParaRPr lang="en-US" dirty="0"/>
           </a:p>
@@ -5164,7 +5164,7 @@
             <a:fld id="{B61BEF0D-F0BB-DE4B-95CE-6DB70DBA9567}" type="datetimeFigureOut">
               <a:rPr lang="en-US" smtClean="0"/>
               <a:pPr/>
-              <a:t>10/17/19</a:t>
+              <a:t>10/21/19</a:t>
             </a:fld>
             <a:endParaRPr lang="en-US" dirty="0"/>
           </a:p>
@@ -5600,7 +5600,7 @@
             <a:fld id="{B61BEF0D-F0BB-DE4B-95CE-6DB70DBA9567}" type="datetimeFigureOut">
               <a:rPr lang="en-US" smtClean="0"/>
               <a:pPr/>
-              <a:t>10/17/19</a:t>
+              <a:t>10/21/19</a:t>
             </a:fld>
             <a:endParaRPr lang="en-US" dirty="0"/>
           </a:p>
@@ -6148,7 +6148,7 @@
             <a:fld id="{B61BEF0D-F0BB-DE4B-95CE-6DB70DBA9567}" type="datetimeFigureOut">
               <a:rPr lang="en-US" smtClean="0"/>
               <a:pPr/>
-              <a:t>10/17/19</a:t>
+              <a:t>10/21/19</a:t>
             </a:fld>
             <a:endParaRPr lang="en-US" dirty="0"/>
           </a:p>
@@ -6870,7 +6870,7 @@
             <a:fld id="{B61BEF0D-F0BB-DE4B-95CE-6DB70DBA9567}" type="datetimeFigureOut">
               <a:rPr lang="en-US" smtClean="0"/>
               <a:pPr/>
-              <a:t>10/17/19</a:t>
+              <a:t>10/21/19</a:t>
             </a:fld>
             <a:endParaRPr lang="en-US" dirty="0"/>
           </a:p>
@@ -7042,7 +7042,7 @@
             <a:fld id="{B61BEF0D-F0BB-DE4B-95CE-6DB70DBA9567}" type="datetimeFigureOut">
               <a:rPr lang="en-US" smtClean="0"/>
               <a:pPr/>
-              <a:t>10/17/19</a:t>
+              <a:t>10/21/19</a:t>
             </a:fld>
             <a:endParaRPr lang="en-US" dirty="0"/>
           </a:p>
@@ -7224,7 +7224,7 @@
             <a:fld id="{B61BEF0D-F0BB-DE4B-95CE-6DB70DBA9567}" type="datetimeFigureOut">
               <a:rPr lang="en-US" smtClean="0"/>
               <a:pPr/>
-              <a:t>10/17/19</a:t>
+              <a:t>10/21/19</a:t>
             </a:fld>
             <a:endParaRPr lang="en-US" dirty="0"/>
           </a:p>
@@ -7413,7 +7413,7 @@
             <a:fld id="{B61BEF0D-F0BB-DE4B-95CE-6DB70DBA9567}" type="datetimeFigureOut">
               <a:rPr lang="en-US" smtClean="0"/>
               <a:pPr/>
-              <a:t>10/17/19</a:t>
+              <a:t>10/21/19</a:t>
             </a:fld>
             <a:endParaRPr lang="en-US" dirty="0"/>
           </a:p>
@@ -7665,7 +7665,7 @@
             <a:fld id="{B61BEF0D-F0BB-DE4B-95CE-6DB70DBA9567}" type="datetimeFigureOut">
               <a:rPr lang="en-US" smtClean="0"/>
               <a:pPr/>
-              <a:t>10/17/19</a:t>
+              <a:t>10/21/19</a:t>
             </a:fld>
             <a:endParaRPr lang="en-US" dirty="0"/>
           </a:p>
@@ -7899,7 +7899,7 @@
             <a:fld id="{B61BEF0D-F0BB-DE4B-95CE-6DB70DBA9567}" type="datetimeFigureOut">
               <a:rPr lang="en-US" smtClean="0"/>
               <a:pPr/>
-              <a:t>10/17/19</a:t>
+              <a:t>10/21/19</a:t>
             </a:fld>
             <a:endParaRPr lang="en-US" dirty="0"/>
           </a:p>
@@ -8286,7 +8286,7 @@
             <a:fld id="{B61BEF0D-F0BB-DE4B-95CE-6DB70DBA9567}" type="datetimeFigureOut">
               <a:rPr lang="en-US" smtClean="0"/>
               <a:pPr/>
-              <a:t>10/17/19</a:t>
+              <a:t>10/21/19</a:t>
             </a:fld>
             <a:endParaRPr lang="en-US" dirty="0"/>
           </a:p>
@@ -8406,7 +8406,7 @@
             <a:fld id="{B61BEF0D-F0BB-DE4B-95CE-6DB70DBA9567}" type="datetimeFigureOut">
               <a:rPr lang="en-US" smtClean="0"/>
               <a:pPr/>
-              <a:t>10/17/19</a:t>
+              <a:t>10/21/19</a:t>
             </a:fld>
             <a:endParaRPr lang="en-US" dirty="0"/>
           </a:p>
@@ -8503,7 +8503,7 @@
             <a:fld id="{B61BEF0D-F0BB-DE4B-95CE-6DB70DBA9567}" type="datetimeFigureOut">
               <a:rPr lang="en-US" smtClean="0"/>
               <a:pPr/>
-              <a:t>10/17/19</a:t>
+              <a:t>10/21/19</a:t>
             </a:fld>
             <a:endParaRPr lang="en-US" dirty="0"/>
           </a:p>
@@ -8754,7 +8754,7 @@
             <a:fld id="{B61BEF0D-F0BB-DE4B-95CE-6DB70DBA9567}" type="datetimeFigureOut">
               <a:rPr lang="en-US" smtClean="0"/>
               <a:pPr/>
-              <a:t>10/17/19</a:t>
+              <a:t>10/21/19</a:t>
             </a:fld>
             <a:endParaRPr lang="en-US" dirty="0"/>
           </a:p>
@@ -9041,7 +9041,7 @@
             <a:fld id="{B61BEF0D-F0BB-DE4B-95CE-6DB70DBA9567}" type="datetimeFigureOut">
               <a:rPr lang="en-US" smtClean="0"/>
               <a:pPr/>
-              <a:t>10/17/19</a:t>
+              <a:t>10/21/19</a:t>
             </a:fld>
             <a:endParaRPr lang="en-US" dirty="0"/>
           </a:p>
@@ -9165,7 +9165,7 @@
           <a:noFill/>
           <a:extLst>
             <a:ext uri="{909E8E84-426E-40dd-AFC4-6F175D3DCCD1}">
-              <a14:hiddenFill xmlns:a14="http://schemas.microsoft.com/office/drawing/2010/main" xmlns="">
+              <a14:hiddenFill xmlns="" xmlns:a14="http://schemas.microsoft.com/office/drawing/2010/main">
                 <a:solidFill>
                   <a:srgbClr val="FFFFFF"/>
                 </a:solidFill>
@@ -9239,7 +9239,7 @@
               </a:ln>
               <a:extLst>
                 <a:ext uri="{91240B29-F687-4f45-9708-019B960494DF}">
-                  <a14:hiddenLine xmlns:a14="http://schemas.microsoft.com/office/drawing/2010/main" xmlns="" w="9525">
+                  <a14:hiddenLine xmlns="" xmlns:a14="http://schemas.microsoft.com/office/drawing/2010/main" w="9525">
                     <a:solidFill>
                       <a:srgbClr val="000000"/>
                     </a:solidFill>
@@ -9329,7 +9329,7 @@
               </a:ln>
               <a:extLst>
                 <a:ext uri="{91240B29-F687-4f45-9708-019B960494DF}">
-                  <a14:hiddenLine xmlns:a14="http://schemas.microsoft.com/office/drawing/2010/main" xmlns="" w="9525">
+                  <a14:hiddenLine xmlns="" xmlns:a14="http://schemas.microsoft.com/office/drawing/2010/main" w="9525">
                     <a:solidFill>
                       <a:srgbClr val="000000"/>
                     </a:solidFill>
@@ -9419,7 +9419,7 @@
               </a:ln>
               <a:extLst>
                 <a:ext uri="{91240B29-F687-4f45-9708-019B960494DF}">
-                  <a14:hiddenLine xmlns:a14="http://schemas.microsoft.com/office/drawing/2010/main" xmlns="" w="9525">
+                  <a14:hiddenLine xmlns="" xmlns:a14="http://schemas.microsoft.com/office/drawing/2010/main" w="9525">
                     <a:solidFill>
                       <a:srgbClr val="000000"/>
                     </a:solidFill>
@@ -9481,7 +9481,7 @@
               </a:ln>
               <a:extLst>
                 <a:ext uri="{91240B29-F687-4f45-9708-019B960494DF}">
-                  <a14:hiddenLine xmlns:a14="http://schemas.microsoft.com/office/drawing/2010/main" xmlns="" w="9525">
+                  <a14:hiddenLine xmlns="" xmlns:a14="http://schemas.microsoft.com/office/drawing/2010/main" w="9525">
                     <a:solidFill>
                       <a:srgbClr val="000000"/>
                     </a:solidFill>
@@ -9571,7 +9571,7 @@
               </a:ln>
               <a:extLst>
                 <a:ext uri="{91240B29-F687-4f45-9708-019B960494DF}">
-                  <a14:hiddenLine xmlns:a14="http://schemas.microsoft.com/office/drawing/2010/main" xmlns="" w="9525">
+                  <a14:hiddenLine xmlns="" xmlns:a14="http://schemas.microsoft.com/office/drawing/2010/main" w="9525">
                     <a:solidFill>
                       <a:srgbClr val="000000"/>
                     </a:solidFill>
@@ -9633,7 +9633,7 @@
               </a:ln>
               <a:extLst>
                 <a:ext uri="{91240B29-F687-4f45-9708-019B960494DF}">
-                  <a14:hiddenLine xmlns:a14="http://schemas.microsoft.com/office/drawing/2010/main" xmlns="" w="9525">
+                  <a14:hiddenLine xmlns="" xmlns:a14="http://schemas.microsoft.com/office/drawing/2010/main" w="9525">
                     <a:solidFill>
                       <a:srgbClr val="000000"/>
                     </a:solidFill>
@@ -9695,7 +9695,7 @@
               </a:ln>
               <a:extLst>
                 <a:ext uri="{91240B29-F687-4f45-9708-019B960494DF}">
-                  <a14:hiddenLine xmlns:a14="http://schemas.microsoft.com/office/drawing/2010/main" xmlns="" w="9525">
+                  <a14:hiddenLine xmlns="" xmlns:a14="http://schemas.microsoft.com/office/drawing/2010/main" w="9525">
                     <a:solidFill>
                       <a:srgbClr val="000000"/>
                     </a:solidFill>
@@ -9785,7 +9785,7 @@
               </a:ln>
               <a:extLst>
                 <a:ext uri="{91240B29-F687-4f45-9708-019B960494DF}">
-                  <a14:hiddenLine xmlns:a14="http://schemas.microsoft.com/office/drawing/2010/main" xmlns="" w="9525">
+                  <a14:hiddenLine xmlns="" xmlns:a14="http://schemas.microsoft.com/office/drawing/2010/main" w="9525">
                     <a:solidFill>
                       <a:srgbClr val="000000"/>
                     </a:solidFill>
@@ -9875,7 +9875,7 @@
               </a:ln>
               <a:extLst>
                 <a:ext uri="{91240B29-F687-4f45-9708-019B960494DF}">
-                  <a14:hiddenLine xmlns:a14="http://schemas.microsoft.com/office/drawing/2010/main" xmlns="" w="9525">
+                  <a14:hiddenLine xmlns="" xmlns:a14="http://schemas.microsoft.com/office/drawing/2010/main" w="9525">
                     <a:solidFill>
                       <a:srgbClr val="000000"/>
                     </a:solidFill>
@@ -9937,7 +9937,7 @@
               </a:ln>
               <a:extLst>
                 <a:ext uri="{91240B29-F687-4f45-9708-019B960494DF}">
-                  <a14:hiddenLine xmlns:a14="http://schemas.microsoft.com/office/drawing/2010/main" xmlns="" w="9525">
+                  <a14:hiddenLine xmlns="" xmlns:a14="http://schemas.microsoft.com/office/drawing/2010/main" w="9525">
                     <a:solidFill>
                       <a:srgbClr val="000000"/>
                     </a:solidFill>
@@ -10047,7 +10047,7 @@
               </a:ln>
               <a:extLst>
                 <a:ext uri="{91240B29-F687-4f45-9708-019B960494DF}">
-                  <a14:hiddenLine xmlns:a14="http://schemas.microsoft.com/office/drawing/2010/main" xmlns="" w="9525">
+                  <a14:hiddenLine xmlns="" xmlns:a14="http://schemas.microsoft.com/office/drawing/2010/main" w="9525">
                     <a:solidFill>
                       <a:srgbClr val="000000"/>
                     </a:solidFill>
@@ -10131,7 +10131,7 @@
               </a:ln>
               <a:extLst>
                 <a:ext uri="{91240B29-F687-4f45-9708-019B960494DF}">
-                  <a14:hiddenLine xmlns:a14="http://schemas.microsoft.com/office/drawing/2010/main" xmlns="" w="9525">
+                  <a14:hiddenLine xmlns="" xmlns:a14="http://schemas.microsoft.com/office/drawing/2010/main" w="9525">
                     <a:solidFill>
                       <a:srgbClr val="000000"/>
                     </a:solidFill>
@@ -10193,7 +10193,7 @@
               </a:ln>
               <a:extLst>
                 <a:ext uri="{91240B29-F687-4f45-9708-019B960494DF}">
-                  <a14:hiddenLine xmlns:a14="http://schemas.microsoft.com/office/drawing/2010/main" xmlns="" w="9525">
+                  <a14:hiddenLine xmlns="" xmlns:a14="http://schemas.microsoft.com/office/drawing/2010/main" w="9525">
                     <a:solidFill>
                       <a:srgbClr val="000000"/>
                     </a:solidFill>
@@ -10255,7 +10255,7 @@
               </a:ln>
               <a:extLst>
                 <a:ext uri="{91240B29-F687-4f45-9708-019B960494DF}">
-                  <a14:hiddenLine xmlns:a14="http://schemas.microsoft.com/office/drawing/2010/main" xmlns="" w="9525">
+                  <a14:hiddenLine xmlns="" xmlns:a14="http://schemas.microsoft.com/office/drawing/2010/main" w="9525">
                     <a:solidFill>
                       <a:srgbClr val="000000"/>
                     </a:solidFill>
@@ -10345,7 +10345,7 @@
               </a:ln>
               <a:extLst>
                 <a:ext uri="{91240B29-F687-4f45-9708-019B960494DF}">
-                  <a14:hiddenLine xmlns:a14="http://schemas.microsoft.com/office/drawing/2010/main" xmlns="" w="9525">
+                  <a14:hiddenLine xmlns="" xmlns:a14="http://schemas.microsoft.com/office/drawing/2010/main" w="9525">
                     <a:solidFill>
                       <a:srgbClr val="000000"/>
                     </a:solidFill>
@@ -10379,7 +10379,7 @@
               </a:ln>
               <a:extLst>
                 <a:ext uri="{91240B29-F687-4f45-9708-019B960494DF}">
-                  <a14:hiddenLine xmlns:a14="http://schemas.microsoft.com/office/drawing/2010/main" xmlns="" w="9525">
+                  <a14:hiddenLine xmlns="" xmlns:a14="http://schemas.microsoft.com/office/drawing/2010/main" w="9525">
                     <a:solidFill>
                       <a:srgbClr val="000000"/>
                     </a:solidFill>
@@ -10444,7 +10444,7 @@
               </a:ln>
               <a:extLst>
                 <a:ext uri="{91240B29-F687-4f45-9708-019B960494DF}">
-                  <a14:hiddenLine xmlns:a14="http://schemas.microsoft.com/office/drawing/2010/main" xmlns="" w="9525">
+                  <a14:hiddenLine xmlns="" xmlns:a14="http://schemas.microsoft.com/office/drawing/2010/main" w="9525">
                     <a:solidFill>
                       <a:srgbClr val="000000"/>
                     </a:solidFill>
@@ -10534,7 +10534,7 @@
               </a:ln>
               <a:extLst>
                 <a:ext uri="{91240B29-F687-4f45-9708-019B960494DF}">
-                  <a14:hiddenLine xmlns:a14="http://schemas.microsoft.com/office/drawing/2010/main" xmlns="" w="9525">
+                  <a14:hiddenLine xmlns="" xmlns:a14="http://schemas.microsoft.com/office/drawing/2010/main" w="9525">
                     <a:solidFill>
                       <a:srgbClr val="000000"/>
                     </a:solidFill>
@@ -10596,7 +10596,7 @@
               </a:ln>
               <a:extLst>
                 <a:ext uri="{91240B29-F687-4f45-9708-019B960494DF}">
-                  <a14:hiddenLine xmlns:a14="http://schemas.microsoft.com/office/drawing/2010/main" xmlns="" w="9525">
+                  <a14:hiddenLine xmlns="" xmlns:a14="http://schemas.microsoft.com/office/drawing/2010/main" w="9525">
                     <a:solidFill>
                       <a:srgbClr val="000000"/>
                     </a:solidFill>
@@ -10686,7 +10686,7 @@
               </a:ln>
               <a:extLst>
                 <a:ext uri="{91240B29-F687-4f45-9708-019B960494DF}">
-                  <a14:hiddenLine xmlns:a14="http://schemas.microsoft.com/office/drawing/2010/main" xmlns="" w="9525">
+                  <a14:hiddenLine xmlns="" xmlns:a14="http://schemas.microsoft.com/office/drawing/2010/main" w="9525">
                     <a:solidFill>
                       <a:srgbClr val="000000"/>
                     </a:solidFill>
@@ -10751,7 +10751,7 @@
               </a:ln>
               <a:extLst>
                 <a:ext uri="{91240B29-F687-4f45-9708-019B960494DF}">
-                  <a14:hiddenLine xmlns:a14="http://schemas.microsoft.com/office/drawing/2010/main" xmlns="" w="9525">
+                  <a14:hiddenLine xmlns="" xmlns:a14="http://schemas.microsoft.com/office/drawing/2010/main" w="9525">
                     <a:solidFill>
                       <a:srgbClr val="000000"/>
                     </a:solidFill>
@@ -10813,7 +10813,7 @@
               </a:ln>
               <a:extLst>
                 <a:ext uri="{91240B29-F687-4f45-9708-019B960494DF}">
-                  <a14:hiddenLine xmlns:a14="http://schemas.microsoft.com/office/drawing/2010/main" xmlns="" w="9525">
+                  <a14:hiddenLine xmlns="" xmlns:a14="http://schemas.microsoft.com/office/drawing/2010/main" w="9525">
                     <a:solidFill>
                       <a:srgbClr val="000000"/>
                     </a:solidFill>
@@ -10903,7 +10903,7 @@
               </a:ln>
               <a:extLst>
                 <a:ext uri="{91240B29-F687-4f45-9708-019B960494DF}">
-                  <a14:hiddenLine xmlns:a14="http://schemas.microsoft.com/office/drawing/2010/main" xmlns="" w="9525">
+                  <a14:hiddenLine xmlns="" xmlns:a14="http://schemas.microsoft.com/office/drawing/2010/main" w="9525">
                     <a:solidFill>
                       <a:srgbClr val="000000"/>
                     </a:solidFill>
@@ -10993,7 +10993,7 @@
               </a:ln>
               <a:extLst>
                 <a:ext uri="{91240B29-F687-4f45-9708-019B960494DF}">
-                  <a14:hiddenLine xmlns:a14="http://schemas.microsoft.com/office/drawing/2010/main" xmlns="" w="9525">
+                  <a14:hiddenLine xmlns="" xmlns:a14="http://schemas.microsoft.com/office/drawing/2010/main" w="9525">
                     <a:solidFill>
                       <a:srgbClr val="000000"/>
                     </a:solidFill>
@@ -11058,7 +11058,7 @@
               </a:ln>
               <a:extLst>
                 <a:ext uri="{91240B29-F687-4f45-9708-019B960494DF}">
-                  <a14:hiddenLine xmlns:a14="http://schemas.microsoft.com/office/drawing/2010/main" xmlns="" w="9525">
+                  <a14:hiddenLine xmlns="" xmlns:a14="http://schemas.microsoft.com/office/drawing/2010/main" w="9525">
                     <a:solidFill>
                       <a:srgbClr val="000000"/>
                     </a:solidFill>
@@ -11178,7 +11178,7 @@
               </a:ln>
               <a:extLst>
                 <a:ext uri="{91240B29-F687-4f45-9708-019B960494DF}">
-                  <a14:hiddenLine xmlns:a14="http://schemas.microsoft.com/office/drawing/2010/main" xmlns="" w="9525">
+                  <a14:hiddenLine xmlns="" xmlns:a14="http://schemas.microsoft.com/office/drawing/2010/main" w="9525">
                     <a:solidFill>
                       <a:srgbClr val="000000"/>
                     </a:solidFill>
@@ -11259,7 +11259,7 @@
               </a:ln>
               <a:extLst>
                 <a:ext uri="{91240B29-F687-4f45-9708-019B960494DF}">
-                  <a14:hiddenLine xmlns:a14="http://schemas.microsoft.com/office/drawing/2010/main" xmlns="" w="9525">
+                  <a14:hiddenLine xmlns="" xmlns:a14="http://schemas.microsoft.com/office/drawing/2010/main" w="9525">
                     <a:solidFill>
                       <a:srgbClr val="000000"/>
                     </a:solidFill>
@@ -11374,7 +11374,7 @@
               </a:ln>
               <a:extLst>
                 <a:ext uri="{91240B29-F687-4f45-9708-019B960494DF}">
-                  <a14:hiddenLine xmlns:a14="http://schemas.microsoft.com/office/drawing/2010/main" xmlns="" w="9525">
+                  <a14:hiddenLine xmlns="" xmlns:a14="http://schemas.microsoft.com/office/drawing/2010/main" w="9525">
                     <a:solidFill>
                       <a:srgbClr val="000000"/>
                     </a:solidFill>
@@ -11464,7 +11464,7 @@
               </a:ln>
               <a:extLst>
                 <a:ext uri="{91240B29-F687-4f45-9708-019B960494DF}">
-                  <a14:hiddenLine xmlns:a14="http://schemas.microsoft.com/office/drawing/2010/main" xmlns="" w="9525">
+                  <a14:hiddenLine xmlns="" xmlns:a14="http://schemas.microsoft.com/office/drawing/2010/main" w="9525">
                     <a:solidFill>
                       <a:srgbClr val="000000"/>
                     </a:solidFill>
@@ -11529,7 +11529,7 @@
               </a:ln>
               <a:extLst>
                 <a:ext uri="{91240B29-F687-4f45-9708-019B960494DF}">
-                  <a14:hiddenLine xmlns:a14="http://schemas.microsoft.com/office/drawing/2010/main" xmlns="" w="9525">
+                  <a14:hiddenLine xmlns="" xmlns:a14="http://schemas.microsoft.com/office/drawing/2010/main" w="9525">
                     <a:solidFill>
                       <a:srgbClr val="000000"/>
                     </a:solidFill>
@@ -11619,7 +11619,7 @@
               </a:ln>
               <a:extLst>
                 <a:ext uri="{91240B29-F687-4f45-9708-019B960494DF}">
-                  <a14:hiddenLine xmlns:a14="http://schemas.microsoft.com/office/drawing/2010/main" xmlns="" w="9525">
+                  <a14:hiddenLine xmlns="" xmlns:a14="http://schemas.microsoft.com/office/drawing/2010/main" w="9525">
                     <a:solidFill>
                       <a:srgbClr val="000000"/>
                     </a:solidFill>
@@ -11687,7 +11687,7 @@
               </a:ln>
               <a:extLst>
                 <a:ext uri="{91240B29-F687-4f45-9708-019B960494DF}">
-                  <a14:hiddenLine xmlns:a14="http://schemas.microsoft.com/office/drawing/2010/main" xmlns="" w="9525">
+                  <a14:hiddenLine xmlns="" xmlns:a14="http://schemas.microsoft.com/office/drawing/2010/main" w="9525">
                     <a:solidFill>
                       <a:srgbClr val="000000"/>
                     </a:solidFill>
@@ -11777,7 +11777,7 @@
               </a:ln>
               <a:extLst>
                 <a:ext uri="{91240B29-F687-4f45-9708-019B960494DF}">
-                  <a14:hiddenLine xmlns:a14="http://schemas.microsoft.com/office/drawing/2010/main" xmlns="" w="9525">
+                  <a14:hiddenLine xmlns="" xmlns:a14="http://schemas.microsoft.com/office/drawing/2010/main" w="9525">
                     <a:solidFill>
                       <a:srgbClr val="000000"/>
                     </a:solidFill>
@@ -11845,7 +11845,7 @@
               </a:ln>
               <a:extLst>
                 <a:ext uri="{91240B29-F687-4f45-9708-019B960494DF}">
-                  <a14:hiddenLine xmlns:a14="http://schemas.microsoft.com/office/drawing/2010/main" xmlns="" w="9525">
+                  <a14:hiddenLine xmlns="" xmlns:a14="http://schemas.microsoft.com/office/drawing/2010/main" w="9525">
                     <a:solidFill>
                       <a:srgbClr val="000000"/>
                     </a:solidFill>
@@ -11935,7 +11935,7 @@
               </a:ln>
               <a:extLst>
                 <a:ext uri="{91240B29-F687-4f45-9708-019B960494DF}">
-                  <a14:hiddenLine xmlns:a14="http://schemas.microsoft.com/office/drawing/2010/main" xmlns="" w="9525">
+                  <a14:hiddenLine xmlns="" xmlns:a14="http://schemas.microsoft.com/office/drawing/2010/main" w="9525">
                     <a:solidFill>
                       <a:srgbClr val="000000"/>
                     </a:solidFill>
@@ -11969,7 +11969,7 @@
               </a:ln>
               <a:extLst>
                 <a:ext uri="{91240B29-F687-4f45-9708-019B960494DF}">
-                  <a14:hiddenLine xmlns:a14="http://schemas.microsoft.com/office/drawing/2010/main" xmlns="" w="9525">
+                  <a14:hiddenLine xmlns="" xmlns:a14="http://schemas.microsoft.com/office/drawing/2010/main" w="9525">
                     <a:solidFill>
                       <a:srgbClr val="000000"/>
                     </a:solidFill>
@@ -12109,7 +12109,7 @@
             <a:fld id="{B61BEF0D-F0BB-DE4B-95CE-6DB70DBA9567}" type="datetimeFigureOut">
               <a:rPr lang="en-US" smtClean="0"/>
               <a:pPr/>
-              <a:t>10/17/19</a:t>
+              <a:t>10/21/19</a:t>
             </a:fld>
             <a:endParaRPr lang="en-US" dirty="0"/>
           </a:p>
@@ -14189,7 +14189,7 @@
           <a:noFill/>
           <a:extLst>
             <a:ext uri="{909E8E84-426E-40dd-AFC4-6F175D3DCCD1}">
-              <a14:hiddenFill xmlns="" xmlns:a16="http://schemas.microsoft.com/office/drawing/2014/main" xmlns:p14="http://schemas.microsoft.com/office/powerpoint/2010/main" xmlns:a14="http://schemas.microsoft.com/office/drawing/2010/main">
+              <a14:hiddenFill xmlns:a14="http://schemas.microsoft.com/office/drawing/2010/main" xmlns:p14="http://schemas.microsoft.com/office/powerpoint/2010/main" xmlns:a16="http://schemas.microsoft.com/office/drawing/2014/main" xmlns="">
                 <a:solidFill>
                   <a:srgbClr val="FFFFFF"/>
                 </a:solidFill>
@@ -14280,7 +14280,7 @@
             </a:ln>
             <a:extLst>
               <a:ext uri="{91240B29-F687-4f45-9708-019B960494DF}">
-                <a14:hiddenLine xmlns="" xmlns:a16="http://schemas.microsoft.com/office/drawing/2014/main" xmlns:p14="http://schemas.microsoft.com/office/powerpoint/2010/main" xmlns:a14="http://schemas.microsoft.com/office/drawing/2010/main" w="9525">
+                <a14:hiddenLine xmlns:a14="http://schemas.microsoft.com/office/drawing/2010/main" xmlns:p14="http://schemas.microsoft.com/office/powerpoint/2010/main" xmlns:a16="http://schemas.microsoft.com/office/drawing/2014/main" xmlns="" w="9525">
                   <a:solidFill>
                     <a:srgbClr val="000000"/>
                   </a:solidFill>
@@ -14385,7 +14385,7 @@
             </a:ln>
             <a:extLst>
               <a:ext uri="{91240B29-F687-4f45-9708-019B960494DF}">
-                <a14:hiddenLine xmlns="" xmlns:a16="http://schemas.microsoft.com/office/drawing/2014/main" xmlns:p14="http://schemas.microsoft.com/office/powerpoint/2010/main" xmlns:a14="http://schemas.microsoft.com/office/drawing/2010/main" w="9525">
+                <a14:hiddenLine xmlns:a14="http://schemas.microsoft.com/office/drawing/2010/main" xmlns:p14="http://schemas.microsoft.com/office/powerpoint/2010/main" xmlns:a16="http://schemas.microsoft.com/office/drawing/2014/main" xmlns="" w="9525">
                   <a:solidFill>
                     <a:srgbClr val="000000"/>
                   </a:solidFill>
@@ -14490,7 +14490,7 @@
             </a:ln>
             <a:extLst>
               <a:ext uri="{91240B29-F687-4f45-9708-019B960494DF}">
-                <a14:hiddenLine xmlns="" xmlns:a16="http://schemas.microsoft.com/office/drawing/2014/main" xmlns:p14="http://schemas.microsoft.com/office/powerpoint/2010/main" xmlns:a14="http://schemas.microsoft.com/office/drawing/2010/main" w="9525">
+                <a14:hiddenLine xmlns:a14="http://schemas.microsoft.com/office/drawing/2010/main" xmlns:p14="http://schemas.microsoft.com/office/powerpoint/2010/main" xmlns:a16="http://schemas.microsoft.com/office/drawing/2014/main" xmlns="" w="9525">
                   <a:solidFill>
                     <a:srgbClr val="000000"/>
                   </a:solidFill>
@@ -14539,7 +14539,7 @@
             </a:ln>
             <a:extLst>
               <a:ext uri="{91240B29-F687-4f45-9708-019B960494DF}">
-                <a14:hiddenLine xmlns="" xmlns:a16="http://schemas.microsoft.com/office/drawing/2014/main" xmlns:p14="http://schemas.microsoft.com/office/powerpoint/2010/main" xmlns:a14="http://schemas.microsoft.com/office/drawing/2010/main" w="9525">
+                <a14:hiddenLine xmlns:a14="http://schemas.microsoft.com/office/drawing/2010/main" xmlns:p14="http://schemas.microsoft.com/office/powerpoint/2010/main" xmlns:a16="http://schemas.microsoft.com/office/drawing/2014/main" xmlns="" w="9525">
                   <a:solidFill>
                     <a:srgbClr val="000000"/>
                   </a:solidFill>
@@ -14644,7 +14644,7 @@
             </a:ln>
             <a:extLst>
               <a:ext uri="{91240B29-F687-4f45-9708-019B960494DF}">
-                <a14:hiddenLine xmlns="" xmlns:a16="http://schemas.microsoft.com/office/drawing/2014/main" xmlns:p14="http://schemas.microsoft.com/office/powerpoint/2010/main" xmlns:a14="http://schemas.microsoft.com/office/drawing/2010/main" w="9525">
+                <a14:hiddenLine xmlns:a14="http://schemas.microsoft.com/office/drawing/2010/main" xmlns:p14="http://schemas.microsoft.com/office/powerpoint/2010/main" xmlns:a16="http://schemas.microsoft.com/office/drawing/2014/main" xmlns="" w="9525">
                   <a:solidFill>
                     <a:srgbClr val="000000"/>
                   </a:solidFill>
@@ -14721,7 +14721,7 @@
             </a:ln>
             <a:extLst>
               <a:ext uri="{91240B29-F687-4f45-9708-019B960494DF}">
-                <a14:hiddenLine xmlns="" xmlns:a16="http://schemas.microsoft.com/office/drawing/2014/main" xmlns:p14="http://schemas.microsoft.com/office/powerpoint/2010/main" xmlns:a14="http://schemas.microsoft.com/office/drawing/2010/main" w="9525">
+                <a14:hiddenLine xmlns:a14="http://schemas.microsoft.com/office/drawing/2010/main" xmlns:p14="http://schemas.microsoft.com/office/powerpoint/2010/main" xmlns:a16="http://schemas.microsoft.com/office/drawing/2014/main" xmlns="" w="9525">
                   <a:solidFill>
                     <a:srgbClr val="000000"/>
                   </a:solidFill>
@@ -14798,7 +14798,7 @@
             </a:ln>
             <a:extLst>
               <a:ext uri="{91240B29-F687-4f45-9708-019B960494DF}">
-                <a14:hiddenLine xmlns="" xmlns:a16="http://schemas.microsoft.com/office/drawing/2014/main" xmlns:p14="http://schemas.microsoft.com/office/powerpoint/2010/main" xmlns:a14="http://schemas.microsoft.com/office/drawing/2010/main" w="9525">
+                <a14:hiddenLine xmlns:a14="http://schemas.microsoft.com/office/drawing/2010/main" xmlns:p14="http://schemas.microsoft.com/office/powerpoint/2010/main" xmlns:a16="http://schemas.microsoft.com/office/drawing/2014/main" xmlns="" w="9525">
                   <a:solidFill>
                     <a:srgbClr val="000000"/>
                   </a:solidFill>
@@ -14903,7 +14903,7 @@
             </a:ln>
             <a:extLst>
               <a:ext uri="{91240B29-F687-4f45-9708-019B960494DF}">
-                <a14:hiddenLine xmlns="" xmlns:a16="http://schemas.microsoft.com/office/drawing/2014/main" xmlns:p14="http://schemas.microsoft.com/office/powerpoint/2010/main" xmlns:a14="http://schemas.microsoft.com/office/drawing/2010/main" w="9525">
+                <a14:hiddenLine xmlns:a14="http://schemas.microsoft.com/office/drawing/2010/main" xmlns:p14="http://schemas.microsoft.com/office/powerpoint/2010/main" xmlns:a16="http://schemas.microsoft.com/office/drawing/2014/main" xmlns="" w="9525">
                   <a:solidFill>
                     <a:srgbClr val="000000"/>
                   </a:solidFill>
@@ -14980,7 +14980,7 @@
             </a:ln>
             <a:extLst>
               <a:ext uri="{91240B29-F687-4f45-9708-019B960494DF}">
-                <a14:hiddenLine xmlns="" xmlns:a16="http://schemas.microsoft.com/office/drawing/2014/main" xmlns:p14="http://schemas.microsoft.com/office/powerpoint/2010/main" xmlns:a14="http://schemas.microsoft.com/office/drawing/2010/main" w="9525">
+                <a14:hiddenLine xmlns:a14="http://schemas.microsoft.com/office/drawing/2010/main" xmlns:p14="http://schemas.microsoft.com/office/powerpoint/2010/main" xmlns:a16="http://schemas.microsoft.com/office/drawing/2014/main" xmlns="" w="9525">
                   <a:solidFill>
                     <a:srgbClr val="000000"/>
                   </a:solidFill>
@@ -15057,7 +15057,7 @@
             </a:ln>
             <a:extLst>
               <a:ext uri="{91240B29-F687-4f45-9708-019B960494DF}">
-                <a14:hiddenLine xmlns="" xmlns:a16="http://schemas.microsoft.com/office/drawing/2014/main" xmlns:p14="http://schemas.microsoft.com/office/powerpoint/2010/main" xmlns:a14="http://schemas.microsoft.com/office/drawing/2010/main" w="9525">
+                <a14:hiddenLine xmlns:a14="http://schemas.microsoft.com/office/drawing/2010/main" xmlns:p14="http://schemas.microsoft.com/office/powerpoint/2010/main" xmlns:a16="http://schemas.microsoft.com/office/drawing/2014/main" xmlns="" w="9525">
                   <a:solidFill>
                     <a:srgbClr val="000000"/>
                   </a:solidFill>
@@ -15162,7 +15162,7 @@
             </a:ln>
             <a:extLst>
               <a:ext uri="{91240B29-F687-4f45-9708-019B960494DF}">
-                <a14:hiddenLine xmlns="" xmlns:a16="http://schemas.microsoft.com/office/drawing/2014/main" xmlns:p14="http://schemas.microsoft.com/office/powerpoint/2010/main" xmlns:a14="http://schemas.microsoft.com/office/drawing/2010/main" w="9525">
+                <a14:hiddenLine xmlns:a14="http://schemas.microsoft.com/office/drawing/2010/main" xmlns:p14="http://schemas.microsoft.com/office/powerpoint/2010/main" xmlns:a16="http://schemas.microsoft.com/office/drawing/2014/main" xmlns="" w="9525">
                   <a:solidFill>
                     <a:srgbClr val="000000"/>
                   </a:solidFill>
@@ -15267,7 +15267,7 @@
             </a:ln>
             <a:extLst>
               <a:ext uri="{91240B29-F687-4f45-9708-019B960494DF}">
-                <a14:hiddenLine xmlns="" xmlns:a16="http://schemas.microsoft.com/office/drawing/2014/main" xmlns:p14="http://schemas.microsoft.com/office/powerpoint/2010/main" xmlns:a14="http://schemas.microsoft.com/office/drawing/2010/main" w="9525">
+                <a14:hiddenLine xmlns:a14="http://schemas.microsoft.com/office/drawing/2010/main" xmlns:p14="http://schemas.microsoft.com/office/powerpoint/2010/main" xmlns:a16="http://schemas.microsoft.com/office/drawing/2014/main" xmlns="" w="9525">
                   <a:solidFill>
                     <a:srgbClr val="000000"/>
                   </a:solidFill>
@@ -15344,7 +15344,7 @@
             </a:ln>
             <a:extLst>
               <a:ext uri="{91240B29-F687-4f45-9708-019B960494DF}">
-                <a14:hiddenLine xmlns="" xmlns:a16="http://schemas.microsoft.com/office/drawing/2014/main" xmlns:p14="http://schemas.microsoft.com/office/powerpoint/2010/main" xmlns:a14="http://schemas.microsoft.com/office/drawing/2010/main" w="9525">
+                <a14:hiddenLine xmlns:a14="http://schemas.microsoft.com/office/drawing/2010/main" xmlns:p14="http://schemas.microsoft.com/office/powerpoint/2010/main" xmlns:a16="http://schemas.microsoft.com/office/drawing/2014/main" xmlns="" w="9525">
                   <a:solidFill>
                     <a:srgbClr val="000000"/>
                   </a:solidFill>
@@ -15469,7 +15469,7 @@
             </a:ln>
             <a:extLst>
               <a:ext uri="{91240B29-F687-4f45-9708-019B960494DF}">
-                <a14:hiddenLine xmlns="" xmlns:a16="http://schemas.microsoft.com/office/drawing/2014/main" xmlns:p14="http://schemas.microsoft.com/office/powerpoint/2010/main" xmlns:a14="http://schemas.microsoft.com/office/drawing/2010/main" w="9525">
+                <a14:hiddenLine xmlns:a14="http://schemas.microsoft.com/office/drawing/2010/main" xmlns:p14="http://schemas.microsoft.com/office/powerpoint/2010/main" xmlns:a16="http://schemas.microsoft.com/office/drawing/2014/main" xmlns="" w="9525">
                   <a:solidFill>
                     <a:srgbClr val="000000"/>
                   </a:solidFill>
@@ -15546,7 +15546,7 @@
             </a:ln>
             <a:extLst>
               <a:ext uri="{91240B29-F687-4f45-9708-019B960494DF}">
-                <a14:hiddenLine xmlns="" xmlns:a16="http://schemas.microsoft.com/office/drawing/2014/main" xmlns:p14="http://schemas.microsoft.com/office/powerpoint/2010/main" xmlns:a14="http://schemas.microsoft.com/office/drawing/2010/main" w="9525">
+                <a14:hiddenLine xmlns:a14="http://schemas.microsoft.com/office/drawing/2010/main" xmlns:p14="http://schemas.microsoft.com/office/powerpoint/2010/main" xmlns:a16="http://schemas.microsoft.com/office/drawing/2014/main" xmlns="" w="9525">
                   <a:solidFill>
                     <a:srgbClr val="000000"/>
                   </a:solidFill>
@@ -15651,7 +15651,7 @@
             </a:ln>
             <a:extLst>
               <a:ext uri="{91240B29-F687-4f45-9708-019B960494DF}">
-                <a14:hiddenLine xmlns="" xmlns:a16="http://schemas.microsoft.com/office/drawing/2014/main" xmlns:p14="http://schemas.microsoft.com/office/powerpoint/2010/main" xmlns:a14="http://schemas.microsoft.com/office/drawing/2010/main" w="9525">
+                <a14:hiddenLine xmlns:a14="http://schemas.microsoft.com/office/drawing/2010/main" xmlns:p14="http://schemas.microsoft.com/office/powerpoint/2010/main" xmlns:a16="http://schemas.microsoft.com/office/drawing/2014/main" xmlns="" w="9525">
                   <a:solidFill>
                     <a:srgbClr val="000000"/>
                   </a:solidFill>
@@ -15756,7 +15756,7 @@
             </a:ln>
             <a:extLst>
               <a:ext uri="{91240B29-F687-4f45-9708-019B960494DF}">
-                <a14:hiddenLine xmlns="" xmlns:a16="http://schemas.microsoft.com/office/drawing/2014/main" xmlns:p14="http://schemas.microsoft.com/office/powerpoint/2010/main" xmlns:a14="http://schemas.microsoft.com/office/drawing/2010/main" w="9525">
+                <a14:hiddenLine xmlns:a14="http://schemas.microsoft.com/office/drawing/2010/main" xmlns:p14="http://schemas.microsoft.com/office/powerpoint/2010/main" xmlns:a16="http://schemas.microsoft.com/office/drawing/2014/main" xmlns="" w="9525">
                   <a:solidFill>
                     <a:srgbClr val="000000"/>
                   </a:solidFill>
@@ -15833,7 +15833,7 @@
             </a:ln>
             <a:extLst>
               <a:ext uri="{91240B29-F687-4f45-9708-019B960494DF}">
-                <a14:hiddenLine xmlns="" xmlns:a16="http://schemas.microsoft.com/office/drawing/2014/main" xmlns:p14="http://schemas.microsoft.com/office/powerpoint/2010/main" xmlns:a14="http://schemas.microsoft.com/office/drawing/2010/main" w="9525">
+                <a14:hiddenLine xmlns:a14="http://schemas.microsoft.com/office/drawing/2010/main" xmlns:p14="http://schemas.microsoft.com/office/powerpoint/2010/main" xmlns:a16="http://schemas.microsoft.com/office/drawing/2014/main" xmlns="" w="9525">
                   <a:solidFill>
                     <a:srgbClr val="000000"/>
                   </a:solidFill>
@@ -15938,7 +15938,7 @@
             </a:ln>
             <a:extLst>
               <a:ext uri="{91240B29-F687-4f45-9708-019B960494DF}">
-                <a14:hiddenLine xmlns="" xmlns:a16="http://schemas.microsoft.com/office/drawing/2014/main" xmlns:p14="http://schemas.microsoft.com/office/powerpoint/2010/main" xmlns:a14="http://schemas.microsoft.com/office/drawing/2010/main" w="9525">
+                <a14:hiddenLine xmlns:a14="http://schemas.microsoft.com/office/drawing/2010/main" xmlns:p14="http://schemas.microsoft.com/office/powerpoint/2010/main" xmlns:a16="http://schemas.microsoft.com/office/drawing/2014/main" xmlns="" w="9525">
                   <a:solidFill>
                     <a:srgbClr val="000000"/>
                   </a:solidFill>
@@ -16043,7 +16043,7 @@
             </a:ln>
             <a:extLst>
               <a:ext uri="{91240B29-F687-4f45-9708-019B960494DF}">
-                <a14:hiddenLine xmlns="" xmlns:a16="http://schemas.microsoft.com/office/drawing/2014/main" xmlns:p14="http://schemas.microsoft.com/office/powerpoint/2010/main" xmlns:a14="http://schemas.microsoft.com/office/drawing/2010/main" w="9525">
+                <a14:hiddenLine xmlns:a14="http://schemas.microsoft.com/office/drawing/2010/main" xmlns:p14="http://schemas.microsoft.com/office/powerpoint/2010/main" xmlns:a16="http://schemas.microsoft.com/office/drawing/2014/main" xmlns="" w="9525">
                   <a:solidFill>
                     <a:srgbClr val="000000"/>
                   </a:solidFill>
@@ -16114,7 +16114,7 @@
             </a:ln>
             <a:extLst>
               <a:ext uri="{91240B29-F687-4f45-9708-019B960494DF}">
-                <a14:hiddenLine xmlns="" xmlns:a16="http://schemas.microsoft.com/office/drawing/2014/main" xmlns:p14="http://schemas.microsoft.com/office/powerpoint/2010/main" xmlns:a14="http://schemas.microsoft.com/office/drawing/2010/main" w="9525">
+                <a14:hiddenLine xmlns:a14="http://schemas.microsoft.com/office/drawing/2010/main" xmlns:p14="http://schemas.microsoft.com/office/powerpoint/2010/main" xmlns:a16="http://schemas.microsoft.com/office/drawing/2014/main" xmlns="" w="9525">
                   <a:solidFill>
                     <a:srgbClr val="000000"/>
                   </a:solidFill>
@@ -16219,7 +16219,7 @@
             </a:ln>
             <a:extLst>
               <a:ext uri="{91240B29-F687-4f45-9708-019B960494DF}">
-                <a14:hiddenLine xmlns="" xmlns:a16="http://schemas.microsoft.com/office/drawing/2014/main" xmlns:p14="http://schemas.microsoft.com/office/powerpoint/2010/main" xmlns:a14="http://schemas.microsoft.com/office/drawing/2010/main" w="9525">
+                <a14:hiddenLine xmlns:a14="http://schemas.microsoft.com/office/drawing/2010/main" xmlns:p14="http://schemas.microsoft.com/office/powerpoint/2010/main" xmlns:a16="http://schemas.microsoft.com/office/drawing/2014/main" xmlns="" w="9525">
                   <a:solidFill>
                     <a:srgbClr val="000000"/>
                   </a:solidFill>
@@ -16290,7 +16290,7 @@
             </a:ln>
             <a:extLst>
               <a:ext uri="{91240B29-F687-4f45-9708-019B960494DF}">
-                <a14:hiddenLine xmlns="" xmlns:a16="http://schemas.microsoft.com/office/drawing/2014/main" xmlns:p14="http://schemas.microsoft.com/office/powerpoint/2010/main" xmlns:a14="http://schemas.microsoft.com/office/drawing/2010/main" w="9525">
+                <a14:hiddenLine xmlns:a14="http://schemas.microsoft.com/office/drawing/2010/main" xmlns:p14="http://schemas.microsoft.com/office/powerpoint/2010/main" xmlns:a16="http://schemas.microsoft.com/office/drawing/2014/main" xmlns="" w="9525">
                   <a:solidFill>
                     <a:srgbClr val="000000"/>
                   </a:solidFill>
@@ -16395,7 +16395,7 @@
             </a:ln>
             <a:extLst>
               <a:ext uri="{91240B29-F687-4f45-9708-019B960494DF}">
-                <a14:hiddenLine xmlns="" xmlns:a16="http://schemas.microsoft.com/office/drawing/2014/main" xmlns:p14="http://schemas.microsoft.com/office/powerpoint/2010/main" xmlns:a14="http://schemas.microsoft.com/office/drawing/2010/main" w="9525">
+                <a14:hiddenLine xmlns:a14="http://schemas.microsoft.com/office/drawing/2010/main" xmlns:p14="http://schemas.microsoft.com/office/powerpoint/2010/main" xmlns:a16="http://schemas.microsoft.com/office/drawing/2014/main" xmlns="" w="9525">
                   <a:solidFill>
                     <a:srgbClr val="000000"/>
                   </a:solidFill>
@@ -16478,7 +16478,7 @@
             </a:ln>
             <a:extLst>
               <a:ext uri="{91240B29-F687-4f45-9708-019B960494DF}">
-                <a14:hiddenLine xmlns="" xmlns:a16="http://schemas.microsoft.com/office/drawing/2014/main" xmlns:p14="http://schemas.microsoft.com/office/powerpoint/2010/main" xmlns:a14="http://schemas.microsoft.com/office/drawing/2010/main" w="9525">
+                <a14:hiddenLine xmlns:a14="http://schemas.microsoft.com/office/drawing/2010/main" xmlns:p14="http://schemas.microsoft.com/office/powerpoint/2010/main" xmlns:a16="http://schemas.microsoft.com/office/drawing/2014/main" xmlns="" w="9525">
                   <a:solidFill>
                     <a:srgbClr val="000000"/>
                   </a:solidFill>
@@ -16583,7 +16583,7 @@
             </a:ln>
             <a:extLst>
               <a:ext uri="{91240B29-F687-4f45-9708-019B960494DF}">
-                <a14:hiddenLine xmlns="" xmlns:a16="http://schemas.microsoft.com/office/drawing/2014/main" xmlns:p14="http://schemas.microsoft.com/office/powerpoint/2010/main" xmlns:a14="http://schemas.microsoft.com/office/drawing/2010/main" w="9525">
+                <a14:hiddenLine xmlns:a14="http://schemas.microsoft.com/office/drawing/2010/main" xmlns:p14="http://schemas.microsoft.com/office/powerpoint/2010/main" xmlns:a16="http://schemas.microsoft.com/office/drawing/2014/main" xmlns="" w="9525">
                   <a:solidFill>
                     <a:srgbClr val="000000"/>
                   </a:solidFill>
@@ -16666,7 +16666,7 @@
             </a:ln>
             <a:extLst>
               <a:ext uri="{91240B29-F687-4f45-9708-019B960494DF}">
-                <a14:hiddenLine xmlns="" xmlns:a16="http://schemas.microsoft.com/office/drawing/2014/main" xmlns:p14="http://schemas.microsoft.com/office/powerpoint/2010/main" xmlns:a14="http://schemas.microsoft.com/office/drawing/2010/main" w="9525">
+                <a14:hiddenLine xmlns:a14="http://schemas.microsoft.com/office/drawing/2010/main" xmlns:p14="http://schemas.microsoft.com/office/powerpoint/2010/main" xmlns:a16="http://schemas.microsoft.com/office/drawing/2014/main" xmlns="" w="9525">
                   <a:solidFill>
                     <a:srgbClr val="000000"/>
                   </a:solidFill>
@@ -16771,7 +16771,7 @@
             </a:ln>
             <a:extLst>
               <a:ext uri="{91240B29-F687-4f45-9708-019B960494DF}">
-                <a14:hiddenLine xmlns="" xmlns:a16="http://schemas.microsoft.com/office/drawing/2014/main" xmlns:p14="http://schemas.microsoft.com/office/powerpoint/2010/main" xmlns:a14="http://schemas.microsoft.com/office/drawing/2010/main" w="9525">
+                <a14:hiddenLine xmlns:a14="http://schemas.microsoft.com/office/drawing/2010/main" xmlns:p14="http://schemas.microsoft.com/office/powerpoint/2010/main" xmlns:a16="http://schemas.microsoft.com/office/drawing/2014/main" xmlns="" w="9525">
                   <a:solidFill>
                     <a:srgbClr val="000000"/>
                   </a:solidFill>
@@ -16820,7 +16820,7 @@
             </a:ln>
             <a:extLst>
               <a:ext uri="{91240B29-F687-4f45-9708-019B960494DF}">
-                <a14:hiddenLine xmlns="" xmlns:a16="http://schemas.microsoft.com/office/drawing/2014/main" xmlns:p14="http://schemas.microsoft.com/office/powerpoint/2010/main" xmlns:a14="http://schemas.microsoft.com/office/drawing/2010/main" w="9525">
+                <a14:hiddenLine xmlns:a14="http://schemas.microsoft.com/office/drawing/2010/main" xmlns:p14="http://schemas.microsoft.com/office/powerpoint/2010/main" xmlns:a16="http://schemas.microsoft.com/office/drawing/2014/main" xmlns="" w="9525">
                   <a:solidFill>
                     <a:srgbClr val="000000"/>
                   </a:solidFill>
@@ -16925,7 +16925,7 @@
             </a:ln>
             <a:extLst>
               <a:ext uri="{91240B29-F687-4f45-9708-019B960494DF}">
-                <a14:hiddenLine xmlns="" xmlns:a16="http://schemas.microsoft.com/office/drawing/2014/main" xmlns:p14="http://schemas.microsoft.com/office/powerpoint/2010/main" xmlns:a14="http://schemas.microsoft.com/office/drawing/2010/main" w="9525">
+                <a14:hiddenLine xmlns:a14="http://schemas.microsoft.com/office/drawing/2010/main" xmlns:p14="http://schemas.microsoft.com/office/powerpoint/2010/main" xmlns:a16="http://schemas.microsoft.com/office/drawing/2014/main" xmlns="" w="9525">
                   <a:solidFill>
                     <a:srgbClr val="000000"/>
                   </a:solidFill>
@@ -17002,7 +17002,7 @@
             </a:ln>
             <a:extLst>
               <a:ext uri="{91240B29-F687-4f45-9708-019B960494DF}">
-                <a14:hiddenLine xmlns="" xmlns:a16="http://schemas.microsoft.com/office/drawing/2014/main" xmlns:p14="http://schemas.microsoft.com/office/powerpoint/2010/main" xmlns:a14="http://schemas.microsoft.com/office/drawing/2010/main" w="9525">
+                <a14:hiddenLine xmlns:a14="http://schemas.microsoft.com/office/drawing/2010/main" xmlns:p14="http://schemas.microsoft.com/office/powerpoint/2010/main" xmlns:a16="http://schemas.microsoft.com/office/drawing/2014/main" xmlns="" w="9525">
                   <a:solidFill>
                     <a:srgbClr val="000000"/>
                   </a:solidFill>
@@ -17079,7 +17079,7 @@
             </a:ln>
             <a:extLst>
               <a:ext uri="{91240B29-F687-4f45-9708-019B960494DF}">
-                <a14:hiddenLine xmlns="" xmlns:a16="http://schemas.microsoft.com/office/drawing/2014/main" xmlns:p14="http://schemas.microsoft.com/office/powerpoint/2010/main" xmlns:a14="http://schemas.microsoft.com/office/drawing/2010/main" w="9525">
+                <a14:hiddenLine xmlns:a14="http://schemas.microsoft.com/office/drawing/2010/main" xmlns:p14="http://schemas.microsoft.com/office/powerpoint/2010/main" xmlns:a16="http://schemas.microsoft.com/office/drawing/2014/main" xmlns="" w="9525">
                   <a:solidFill>
                     <a:srgbClr val="000000"/>
                   </a:solidFill>
@@ -17184,7 +17184,7 @@
             </a:ln>
             <a:extLst>
               <a:ext uri="{91240B29-F687-4f45-9708-019B960494DF}">
-                <a14:hiddenLine xmlns="" xmlns:a16="http://schemas.microsoft.com/office/drawing/2014/main" xmlns:p14="http://schemas.microsoft.com/office/powerpoint/2010/main" xmlns:a14="http://schemas.microsoft.com/office/drawing/2010/main" w="9525">
+                <a14:hiddenLine xmlns:a14="http://schemas.microsoft.com/office/drawing/2010/main" xmlns:p14="http://schemas.microsoft.com/office/powerpoint/2010/main" xmlns:a16="http://schemas.microsoft.com/office/drawing/2014/main" xmlns="" w="9525">
                   <a:solidFill>
                     <a:srgbClr val="000000"/>
                   </a:solidFill>
@@ -17267,7 +17267,7 @@
             </a:ln>
             <a:extLst>
               <a:ext uri="{91240B29-F687-4f45-9708-019B960494DF}">
-                <a14:hiddenLine xmlns="" xmlns:a16="http://schemas.microsoft.com/office/drawing/2014/main" xmlns:p14="http://schemas.microsoft.com/office/powerpoint/2010/main" xmlns:a14="http://schemas.microsoft.com/office/drawing/2010/main" w="9525">
+                <a14:hiddenLine xmlns:a14="http://schemas.microsoft.com/office/drawing/2010/main" xmlns:p14="http://schemas.microsoft.com/office/powerpoint/2010/main" xmlns:a16="http://schemas.microsoft.com/office/drawing/2014/main" xmlns="" w="9525">
                   <a:solidFill>
                     <a:srgbClr val="000000"/>
                   </a:solidFill>
@@ -17344,7 +17344,7 @@
             </a:ln>
             <a:extLst>
               <a:ext uri="{91240B29-F687-4f45-9708-019B960494DF}">
-                <a14:hiddenLine xmlns="" xmlns:a16="http://schemas.microsoft.com/office/drawing/2014/main" xmlns:p14="http://schemas.microsoft.com/office/powerpoint/2010/main" xmlns:a14="http://schemas.microsoft.com/office/drawing/2010/main" w="9525">
+                <a14:hiddenLine xmlns:a14="http://schemas.microsoft.com/office/drawing/2010/main" xmlns:p14="http://schemas.microsoft.com/office/powerpoint/2010/main" xmlns:a16="http://schemas.microsoft.com/office/drawing/2014/main" xmlns="" w="9525">
                   <a:solidFill>
                     <a:srgbClr val="000000"/>
                   </a:solidFill>
@@ -17449,7 +17449,7 @@
             </a:ln>
             <a:extLst>
               <a:ext uri="{91240B29-F687-4f45-9708-019B960494DF}">
-                <a14:hiddenLine xmlns="" xmlns:a16="http://schemas.microsoft.com/office/drawing/2014/main" xmlns:p14="http://schemas.microsoft.com/office/powerpoint/2010/main" xmlns:a14="http://schemas.microsoft.com/office/drawing/2010/main" w="9525">
+                <a14:hiddenLine xmlns:a14="http://schemas.microsoft.com/office/drawing/2010/main" xmlns:p14="http://schemas.microsoft.com/office/powerpoint/2010/main" xmlns:a16="http://schemas.microsoft.com/office/drawing/2014/main" xmlns="" w="9525">
                   <a:solidFill>
                     <a:srgbClr val="000000"/>
                   </a:solidFill>
@@ -17526,7 +17526,7 @@
             </a:ln>
             <a:extLst>
               <a:ext uri="{91240B29-F687-4f45-9708-019B960494DF}">
-                <a14:hiddenLine xmlns="" xmlns:a16="http://schemas.microsoft.com/office/drawing/2014/main" xmlns:p14="http://schemas.microsoft.com/office/powerpoint/2010/main" xmlns:a14="http://schemas.microsoft.com/office/drawing/2010/main" w="9525">
+                <a14:hiddenLine xmlns:a14="http://schemas.microsoft.com/office/drawing/2010/main" xmlns:p14="http://schemas.microsoft.com/office/powerpoint/2010/main" xmlns:a16="http://schemas.microsoft.com/office/drawing/2014/main" xmlns="" w="9525">
                   <a:solidFill>
                     <a:srgbClr val="000000"/>
                   </a:solidFill>
@@ -17631,7 +17631,7 @@
             </a:ln>
             <a:extLst>
               <a:ext uri="{91240B29-F687-4f45-9708-019B960494DF}">
-                <a14:hiddenLine xmlns="" xmlns:a16="http://schemas.microsoft.com/office/drawing/2014/main" xmlns:p14="http://schemas.microsoft.com/office/powerpoint/2010/main" xmlns:a14="http://schemas.microsoft.com/office/drawing/2010/main" w="9525">
+                <a14:hiddenLine xmlns:a14="http://schemas.microsoft.com/office/drawing/2010/main" xmlns:p14="http://schemas.microsoft.com/office/powerpoint/2010/main" xmlns:a16="http://schemas.microsoft.com/office/drawing/2014/main" xmlns="" w="9525">
                   <a:solidFill>
                     <a:srgbClr val="000000"/>
                   </a:solidFill>
@@ -17708,7 +17708,7 @@
             </a:ln>
             <a:extLst>
               <a:ext uri="{91240B29-F687-4f45-9708-019B960494DF}">
-                <a14:hiddenLine xmlns="" xmlns:a16="http://schemas.microsoft.com/office/drawing/2014/main" xmlns:p14="http://schemas.microsoft.com/office/powerpoint/2010/main" xmlns:a14="http://schemas.microsoft.com/office/drawing/2010/main" w="9525">
+                <a14:hiddenLine xmlns:a14="http://schemas.microsoft.com/office/drawing/2010/main" xmlns:p14="http://schemas.microsoft.com/office/powerpoint/2010/main" xmlns:a16="http://schemas.microsoft.com/office/drawing/2014/main" xmlns="" w="9525">
                   <a:solidFill>
                     <a:srgbClr val="000000"/>
                   </a:solidFill>
@@ -17813,7 +17813,7 @@
             </a:ln>
             <a:extLst>
               <a:ext uri="{91240B29-F687-4f45-9708-019B960494DF}">
-                <a14:hiddenLine xmlns="" xmlns:a16="http://schemas.microsoft.com/office/drawing/2014/main" xmlns:p14="http://schemas.microsoft.com/office/powerpoint/2010/main" xmlns:a14="http://schemas.microsoft.com/office/drawing/2010/main" w="9525">
+                <a14:hiddenLine xmlns:a14="http://schemas.microsoft.com/office/drawing/2010/main" xmlns:p14="http://schemas.microsoft.com/office/powerpoint/2010/main" xmlns:a16="http://schemas.microsoft.com/office/drawing/2014/main" xmlns="" w="9525">
                   <a:solidFill>
                     <a:srgbClr val="000000"/>
                   </a:solidFill>
@@ -17862,7 +17862,7 @@
             </a:ln>
             <a:extLst>
               <a:ext uri="{91240B29-F687-4f45-9708-019B960494DF}">
-                <a14:hiddenLine xmlns="" xmlns:a16="http://schemas.microsoft.com/office/drawing/2014/main" xmlns:p14="http://schemas.microsoft.com/office/powerpoint/2010/main" xmlns:a14="http://schemas.microsoft.com/office/drawing/2010/main" w="9525">
+                <a14:hiddenLine xmlns:a14="http://schemas.microsoft.com/office/drawing/2010/main" xmlns:p14="http://schemas.microsoft.com/office/powerpoint/2010/main" xmlns:a16="http://schemas.microsoft.com/office/drawing/2014/main" xmlns="" w="9525">
                   <a:solidFill>
                     <a:srgbClr val="000000"/>
                   </a:solidFill>
@@ -17942,7 +17942,7 @@
             </a:ln>
             <a:extLst>
               <a:ext uri="{91240B29-F687-4f45-9708-019B960494DF}">
-                <a14:hiddenLine xmlns="" xmlns:a16="http://schemas.microsoft.com/office/drawing/2014/main" xmlns:p14="http://schemas.microsoft.com/office/powerpoint/2010/main" xmlns:a14="http://schemas.microsoft.com/office/drawing/2010/main" w="9525">
+                <a14:hiddenLine xmlns:a14="http://schemas.microsoft.com/office/drawing/2010/main" xmlns:p14="http://schemas.microsoft.com/office/powerpoint/2010/main" xmlns:a16="http://schemas.microsoft.com/office/drawing/2014/main" xmlns="" w="9525">
                   <a:solidFill>
                     <a:srgbClr val="000000"/>
                   </a:solidFill>
@@ -18047,7 +18047,7 @@
             </a:ln>
             <a:extLst>
               <a:ext uri="{91240B29-F687-4f45-9708-019B960494DF}">
-                <a14:hiddenLine xmlns="" xmlns:a16="http://schemas.microsoft.com/office/drawing/2014/main" xmlns:p14="http://schemas.microsoft.com/office/powerpoint/2010/main" xmlns:a14="http://schemas.microsoft.com/office/drawing/2010/main" w="9525">
+                <a14:hiddenLine xmlns:a14="http://schemas.microsoft.com/office/drawing/2010/main" xmlns:p14="http://schemas.microsoft.com/office/powerpoint/2010/main" xmlns:a16="http://schemas.microsoft.com/office/drawing/2014/main" xmlns="" w="9525">
                   <a:solidFill>
                     <a:srgbClr val="000000"/>
                   </a:solidFill>
@@ -18124,7 +18124,7 @@
             </a:ln>
             <a:extLst>
               <a:ext uri="{91240B29-F687-4f45-9708-019B960494DF}">
-                <a14:hiddenLine xmlns="" xmlns:a16="http://schemas.microsoft.com/office/drawing/2014/main" xmlns:p14="http://schemas.microsoft.com/office/powerpoint/2010/main" xmlns:a14="http://schemas.microsoft.com/office/drawing/2010/main" w="9525">
+                <a14:hiddenLine xmlns:a14="http://schemas.microsoft.com/office/drawing/2010/main" xmlns:p14="http://schemas.microsoft.com/office/powerpoint/2010/main" xmlns:a16="http://schemas.microsoft.com/office/drawing/2014/main" xmlns="" w="9525">
                   <a:solidFill>
                     <a:srgbClr val="000000"/>
                   </a:solidFill>
@@ -18229,7 +18229,7 @@
             </a:ln>
             <a:extLst>
               <a:ext uri="{91240B29-F687-4f45-9708-019B960494DF}">
-                <a14:hiddenLine xmlns="" xmlns:a16="http://schemas.microsoft.com/office/drawing/2014/main" xmlns:p14="http://schemas.microsoft.com/office/powerpoint/2010/main" xmlns:a14="http://schemas.microsoft.com/office/drawing/2010/main" w="9525">
+                <a14:hiddenLine xmlns:a14="http://schemas.microsoft.com/office/drawing/2010/main" xmlns:p14="http://schemas.microsoft.com/office/powerpoint/2010/main" xmlns:a16="http://schemas.microsoft.com/office/drawing/2014/main" xmlns="" w="9525">
                   <a:solidFill>
                     <a:srgbClr val="000000"/>
                   </a:solidFill>
@@ -18334,7 +18334,7 @@
             </a:ln>
             <a:extLst>
               <a:ext uri="{91240B29-F687-4f45-9708-019B960494DF}">
-                <a14:hiddenLine xmlns="" xmlns:a16="http://schemas.microsoft.com/office/drawing/2014/main" xmlns:p14="http://schemas.microsoft.com/office/powerpoint/2010/main" xmlns:a14="http://schemas.microsoft.com/office/drawing/2010/main" w="9525">
+                <a14:hiddenLine xmlns:a14="http://schemas.microsoft.com/office/drawing/2010/main" xmlns:p14="http://schemas.microsoft.com/office/powerpoint/2010/main" xmlns:a16="http://schemas.microsoft.com/office/drawing/2014/main" xmlns="" w="9525">
                   <a:solidFill>
                     <a:srgbClr val="000000"/>
                   </a:solidFill>
@@ -18414,7 +18414,7 @@
             </a:ln>
             <a:extLst>
               <a:ext uri="{91240B29-F687-4f45-9708-019B960494DF}">
-                <a14:hiddenLine xmlns="" xmlns:a16="http://schemas.microsoft.com/office/drawing/2014/main" xmlns:p14="http://schemas.microsoft.com/office/powerpoint/2010/main" xmlns:a14="http://schemas.microsoft.com/office/drawing/2010/main" w="9525">
+                <a14:hiddenLine xmlns:a14="http://schemas.microsoft.com/office/drawing/2010/main" xmlns:p14="http://schemas.microsoft.com/office/powerpoint/2010/main" xmlns:a16="http://schemas.microsoft.com/office/drawing/2014/main" xmlns="" w="9525">
                   <a:solidFill>
                     <a:srgbClr val="000000"/>
                   </a:solidFill>
@@ -18491,7 +18491,7 @@
             </a:ln>
             <a:extLst>
               <a:ext uri="{91240B29-F687-4f45-9708-019B960494DF}">
-                <a14:hiddenLine xmlns="" xmlns:a16="http://schemas.microsoft.com/office/drawing/2014/main" xmlns:p14="http://schemas.microsoft.com/office/powerpoint/2010/main" xmlns:a14="http://schemas.microsoft.com/office/drawing/2010/main" w="9525">
+                <a14:hiddenLine xmlns:a14="http://schemas.microsoft.com/office/drawing/2010/main" xmlns:p14="http://schemas.microsoft.com/office/powerpoint/2010/main" xmlns:a16="http://schemas.microsoft.com/office/drawing/2014/main" xmlns="" w="9525">
                   <a:solidFill>
                     <a:srgbClr val="000000"/>
                   </a:solidFill>
@@ -18596,7 +18596,7 @@
             </a:ln>
             <a:extLst>
               <a:ext uri="{91240B29-F687-4f45-9708-019B960494DF}">
-                <a14:hiddenLine xmlns="" xmlns:a16="http://schemas.microsoft.com/office/drawing/2014/main" xmlns:p14="http://schemas.microsoft.com/office/powerpoint/2010/main" xmlns:a14="http://schemas.microsoft.com/office/drawing/2010/main" w="9525">
+                <a14:hiddenLine xmlns:a14="http://schemas.microsoft.com/office/drawing/2010/main" xmlns:p14="http://schemas.microsoft.com/office/powerpoint/2010/main" xmlns:a16="http://schemas.microsoft.com/office/drawing/2014/main" xmlns="" w="9525">
                   <a:solidFill>
                     <a:srgbClr val="000000"/>
                   </a:solidFill>
@@ -18701,7 +18701,7 @@
             </a:ln>
             <a:extLst>
               <a:ext uri="{91240B29-F687-4f45-9708-019B960494DF}">
-                <a14:hiddenLine xmlns="" xmlns:a16="http://schemas.microsoft.com/office/drawing/2014/main" xmlns:p14="http://schemas.microsoft.com/office/powerpoint/2010/main" xmlns:a14="http://schemas.microsoft.com/office/drawing/2010/main" w="9525">
+                <a14:hiddenLine xmlns:a14="http://schemas.microsoft.com/office/drawing/2010/main" xmlns:p14="http://schemas.microsoft.com/office/powerpoint/2010/main" xmlns:a16="http://schemas.microsoft.com/office/drawing/2014/main" xmlns="" w="9525">
                   <a:solidFill>
                     <a:srgbClr val="000000"/>
                   </a:solidFill>
@@ -18778,7 +18778,7 @@
             </a:ln>
             <a:extLst>
               <a:ext uri="{91240B29-F687-4f45-9708-019B960494DF}">
-                <a14:hiddenLine xmlns="" xmlns:a16="http://schemas.microsoft.com/office/drawing/2014/main" xmlns:p14="http://schemas.microsoft.com/office/powerpoint/2010/main" xmlns:a14="http://schemas.microsoft.com/office/drawing/2010/main" w="9525">
+                <a14:hiddenLine xmlns:a14="http://schemas.microsoft.com/office/drawing/2010/main" xmlns:p14="http://schemas.microsoft.com/office/powerpoint/2010/main" xmlns:a16="http://schemas.microsoft.com/office/drawing/2014/main" xmlns="" w="9525">
                   <a:solidFill>
                     <a:srgbClr val="000000"/>
                   </a:solidFill>
@@ -18913,7 +18913,7 @@
             </a:ln>
             <a:extLst>
               <a:ext uri="{91240B29-F687-4f45-9708-019B960494DF}">
-                <a14:hiddenLine xmlns="" xmlns:a16="http://schemas.microsoft.com/office/drawing/2014/main" xmlns:p14="http://schemas.microsoft.com/office/powerpoint/2010/main" xmlns:a14="http://schemas.microsoft.com/office/drawing/2010/main" w="9525">
+                <a14:hiddenLine xmlns:a14="http://schemas.microsoft.com/office/drawing/2010/main" xmlns:p14="http://schemas.microsoft.com/office/powerpoint/2010/main" xmlns:a16="http://schemas.microsoft.com/office/drawing/2014/main" xmlns="" w="9525">
                   <a:solidFill>
                     <a:srgbClr val="000000"/>
                   </a:solidFill>
@@ -18996,7 +18996,7 @@
             </a:ln>
             <a:extLst>
               <a:ext uri="{91240B29-F687-4f45-9708-019B960494DF}">
-                <a14:hiddenLine xmlns="" xmlns:a16="http://schemas.microsoft.com/office/drawing/2014/main" xmlns:p14="http://schemas.microsoft.com/office/powerpoint/2010/main" xmlns:a14="http://schemas.microsoft.com/office/drawing/2010/main" w="9525">
+                <a14:hiddenLine xmlns:a14="http://schemas.microsoft.com/office/drawing/2010/main" xmlns:p14="http://schemas.microsoft.com/office/powerpoint/2010/main" xmlns:a16="http://schemas.microsoft.com/office/drawing/2014/main" xmlns="" w="9525">
                   <a:solidFill>
                     <a:srgbClr val="000000"/>
                   </a:solidFill>
@@ -19101,7 +19101,7 @@
             </a:ln>
             <a:extLst>
               <a:ext uri="{91240B29-F687-4f45-9708-019B960494DF}">
-                <a14:hiddenLine xmlns="" xmlns:a16="http://schemas.microsoft.com/office/drawing/2014/main" xmlns:p14="http://schemas.microsoft.com/office/powerpoint/2010/main" xmlns:a14="http://schemas.microsoft.com/office/drawing/2010/main" w="9525">
+                <a14:hiddenLine xmlns:a14="http://schemas.microsoft.com/office/drawing/2010/main" xmlns:p14="http://schemas.microsoft.com/office/powerpoint/2010/main" xmlns:a16="http://schemas.microsoft.com/office/drawing/2014/main" xmlns="" w="9525">
                   <a:solidFill>
                     <a:srgbClr val="000000"/>
                   </a:solidFill>
@@ -19799,7 +19799,7 @@
           <a:noFill/>
           <a:extLst>
             <a:ext uri="{909E8E84-426E-40dd-AFC4-6F175D3DCCD1}">
-              <a14:hiddenFill xmlns="" xmlns:a16="http://schemas.microsoft.com/office/drawing/2014/main" xmlns:p14="http://schemas.microsoft.com/office/powerpoint/2010/main" xmlns:a14="http://schemas.microsoft.com/office/drawing/2010/main">
+              <a14:hiddenFill xmlns:a14="http://schemas.microsoft.com/office/drawing/2010/main" xmlns:p14="http://schemas.microsoft.com/office/powerpoint/2010/main" xmlns:a16="http://schemas.microsoft.com/office/drawing/2014/main" xmlns="">
                 <a:solidFill>
                   <a:srgbClr val="FFFFFF"/>
                 </a:solidFill>
@@ -19890,7 +19890,7 @@
             </a:ln>
             <a:extLst>
               <a:ext uri="{91240B29-F687-4f45-9708-019B960494DF}">
-                <a14:hiddenLine xmlns="" xmlns:a16="http://schemas.microsoft.com/office/drawing/2014/main" xmlns:p14="http://schemas.microsoft.com/office/powerpoint/2010/main" xmlns:a14="http://schemas.microsoft.com/office/drawing/2010/main" w="9525">
+                <a14:hiddenLine xmlns:a14="http://schemas.microsoft.com/office/drawing/2010/main" xmlns:p14="http://schemas.microsoft.com/office/powerpoint/2010/main" xmlns:a16="http://schemas.microsoft.com/office/drawing/2014/main" xmlns="" w="9525">
                   <a:solidFill>
                     <a:srgbClr val="000000"/>
                   </a:solidFill>
@@ -19995,7 +19995,7 @@
             </a:ln>
             <a:extLst>
               <a:ext uri="{91240B29-F687-4f45-9708-019B960494DF}">
-                <a14:hiddenLine xmlns="" xmlns:a16="http://schemas.microsoft.com/office/drawing/2014/main" xmlns:p14="http://schemas.microsoft.com/office/powerpoint/2010/main" xmlns:a14="http://schemas.microsoft.com/office/drawing/2010/main" w="9525">
+                <a14:hiddenLine xmlns:a14="http://schemas.microsoft.com/office/drawing/2010/main" xmlns:p14="http://schemas.microsoft.com/office/powerpoint/2010/main" xmlns:a16="http://schemas.microsoft.com/office/drawing/2014/main" xmlns="" w="9525">
                   <a:solidFill>
                     <a:srgbClr val="000000"/>
                   </a:solidFill>
@@ -20100,7 +20100,7 @@
             </a:ln>
             <a:extLst>
               <a:ext uri="{91240B29-F687-4f45-9708-019B960494DF}">
-                <a14:hiddenLine xmlns="" xmlns:a16="http://schemas.microsoft.com/office/drawing/2014/main" xmlns:p14="http://schemas.microsoft.com/office/powerpoint/2010/main" xmlns:a14="http://schemas.microsoft.com/office/drawing/2010/main" w="9525">
+                <a14:hiddenLine xmlns:a14="http://schemas.microsoft.com/office/drawing/2010/main" xmlns:p14="http://schemas.microsoft.com/office/powerpoint/2010/main" xmlns:a16="http://schemas.microsoft.com/office/drawing/2014/main" xmlns="" w="9525">
                   <a:solidFill>
                     <a:srgbClr val="000000"/>
                   </a:solidFill>
@@ -20149,7 +20149,7 @@
             </a:ln>
             <a:extLst>
               <a:ext uri="{91240B29-F687-4f45-9708-019B960494DF}">
-                <a14:hiddenLine xmlns="" xmlns:a16="http://schemas.microsoft.com/office/drawing/2014/main" xmlns:p14="http://schemas.microsoft.com/office/powerpoint/2010/main" xmlns:a14="http://schemas.microsoft.com/office/drawing/2010/main" w="9525">
+                <a14:hiddenLine xmlns:a14="http://schemas.microsoft.com/office/drawing/2010/main" xmlns:p14="http://schemas.microsoft.com/office/powerpoint/2010/main" xmlns:a16="http://schemas.microsoft.com/office/drawing/2014/main" xmlns="" w="9525">
                   <a:solidFill>
                     <a:srgbClr val="000000"/>
                   </a:solidFill>
@@ -20254,7 +20254,7 @@
             </a:ln>
             <a:extLst>
               <a:ext uri="{91240B29-F687-4f45-9708-019B960494DF}">
-                <a14:hiddenLine xmlns="" xmlns:a16="http://schemas.microsoft.com/office/drawing/2014/main" xmlns:p14="http://schemas.microsoft.com/office/powerpoint/2010/main" xmlns:a14="http://schemas.microsoft.com/office/drawing/2010/main" w="9525">
+                <a14:hiddenLine xmlns:a14="http://schemas.microsoft.com/office/drawing/2010/main" xmlns:p14="http://schemas.microsoft.com/office/powerpoint/2010/main" xmlns:a16="http://schemas.microsoft.com/office/drawing/2014/main" xmlns="" w="9525">
                   <a:solidFill>
                     <a:srgbClr val="000000"/>
                   </a:solidFill>
@@ -20331,7 +20331,7 @@
             </a:ln>
             <a:extLst>
               <a:ext uri="{91240B29-F687-4f45-9708-019B960494DF}">
-                <a14:hiddenLine xmlns="" xmlns:a16="http://schemas.microsoft.com/office/drawing/2014/main" xmlns:p14="http://schemas.microsoft.com/office/powerpoint/2010/main" xmlns:a14="http://schemas.microsoft.com/office/drawing/2010/main" w="9525">
+                <a14:hiddenLine xmlns:a14="http://schemas.microsoft.com/office/drawing/2010/main" xmlns:p14="http://schemas.microsoft.com/office/powerpoint/2010/main" xmlns:a16="http://schemas.microsoft.com/office/drawing/2014/main" xmlns="" w="9525">
                   <a:solidFill>
                     <a:srgbClr val="000000"/>
                   </a:solidFill>
@@ -20408,7 +20408,7 @@
             </a:ln>
             <a:extLst>
               <a:ext uri="{91240B29-F687-4f45-9708-019B960494DF}">
-                <a14:hiddenLine xmlns="" xmlns:a16="http://schemas.microsoft.com/office/drawing/2014/main" xmlns:p14="http://schemas.microsoft.com/office/powerpoint/2010/main" xmlns:a14="http://schemas.microsoft.com/office/drawing/2010/main" w="9525">
+                <a14:hiddenLine xmlns:a14="http://schemas.microsoft.com/office/drawing/2010/main" xmlns:p14="http://schemas.microsoft.com/office/powerpoint/2010/main" xmlns:a16="http://schemas.microsoft.com/office/drawing/2014/main" xmlns="" w="9525">
                   <a:solidFill>
                     <a:srgbClr val="000000"/>
                   </a:solidFill>
@@ -20513,7 +20513,7 @@
             </a:ln>
             <a:extLst>
               <a:ext uri="{91240B29-F687-4f45-9708-019B960494DF}">
-                <a14:hiddenLine xmlns="" xmlns:a16="http://schemas.microsoft.com/office/drawing/2014/main" xmlns:p14="http://schemas.microsoft.com/office/powerpoint/2010/main" xmlns:a14="http://schemas.microsoft.com/office/drawing/2010/main" w="9525">
+                <a14:hiddenLine xmlns:a14="http://schemas.microsoft.com/office/drawing/2010/main" xmlns:p14="http://schemas.microsoft.com/office/powerpoint/2010/main" xmlns:a16="http://schemas.microsoft.com/office/drawing/2014/main" xmlns="" w="9525">
                   <a:solidFill>
                     <a:srgbClr val="000000"/>
                   </a:solidFill>
@@ -20590,7 +20590,7 @@
             </a:ln>
             <a:extLst>
               <a:ext uri="{91240B29-F687-4f45-9708-019B960494DF}">
-                <a14:hiddenLine xmlns="" xmlns:a16="http://schemas.microsoft.com/office/drawing/2014/main" xmlns:p14="http://schemas.microsoft.com/office/powerpoint/2010/main" xmlns:a14="http://schemas.microsoft.com/office/drawing/2010/main" w="9525">
+                <a14:hiddenLine xmlns:a14="http://schemas.microsoft.com/office/drawing/2010/main" xmlns:p14="http://schemas.microsoft.com/office/powerpoint/2010/main" xmlns:a16="http://schemas.microsoft.com/office/drawing/2014/main" xmlns="" w="9525">
                   <a:solidFill>
                     <a:srgbClr val="000000"/>
                   </a:solidFill>
@@ -20667,7 +20667,7 @@
             </a:ln>
             <a:extLst>
               <a:ext uri="{91240B29-F687-4f45-9708-019B960494DF}">
-                <a14:hiddenLine xmlns="" xmlns:a16="http://schemas.microsoft.com/office/drawing/2014/main" xmlns:p14="http://schemas.microsoft.com/office/powerpoint/2010/main" xmlns:a14="http://schemas.microsoft.com/office/drawing/2010/main" w="9525">
+                <a14:hiddenLine xmlns:a14="http://schemas.microsoft.com/office/drawing/2010/main" xmlns:p14="http://schemas.microsoft.com/office/powerpoint/2010/main" xmlns:a16="http://schemas.microsoft.com/office/drawing/2014/main" xmlns="" w="9525">
                   <a:solidFill>
                     <a:srgbClr val="000000"/>
                   </a:solidFill>
@@ -20772,7 +20772,7 @@
             </a:ln>
             <a:extLst>
               <a:ext uri="{91240B29-F687-4f45-9708-019B960494DF}">
-                <a14:hiddenLine xmlns="" xmlns:a16="http://schemas.microsoft.com/office/drawing/2014/main" xmlns:p14="http://schemas.microsoft.com/office/powerpoint/2010/main" xmlns:a14="http://schemas.microsoft.com/office/drawing/2010/main" w="9525">
+                <a14:hiddenLine xmlns:a14="http://schemas.microsoft.com/office/drawing/2010/main" xmlns:p14="http://schemas.microsoft.com/office/powerpoint/2010/main" xmlns:a16="http://schemas.microsoft.com/office/drawing/2014/main" xmlns="" w="9525">
                   <a:solidFill>
                     <a:srgbClr val="000000"/>
                   </a:solidFill>
@@ -20877,7 +20877,7 @@
             </a:ln>
             <a:extLst>
               <a:ext uri="{91240B29-F687-4f45-9708-019B960494DF}">
-                <a14:hiddenLine xmlns="" xmlns:a16="http://schemas.microsoft.com/office/drawing/2014/main" xmlns:p14="http://schemas.microsoft.com/office/powerpoint/2010/main" xmlns:a14="http://schemas.microsoft.com/office/drawing/2010/main" w="9525">
+                <a14:hiddenLine xmlns:a14="http://schemas.microsoft.com/office/drawing/2010/main" xmlns:p14="http://schemas.microsoft.com/office/powerpoint/2010/main" xmlns:a16="http://schemas.microsoft.com/office/drawing/2014/main" xmlns="" w="9525">
                   <a:solidFill>
                     <a:srgbClr val="000000"/>
                   </a:solidFill>
@@ -20954,7 +20954,7 @@
             </a:ln>
             <a:extLst>
               <a:ext uri="{91240B29-F687-4f45-9708-019B960494DF}">
-                <a14:hiddenLine xmlns="" xmlns:a16="http://schemas.microsoft.com/office/drawing/2014/main" xmlns:p14="http://schemas.microsoft.com/office/powerpoint/2010/main" xmlns:a14="http://schemas.microsoft.com/office/drawing/2010/main" w="9525">
+                <a14:hiddenLine xmlns:a14="http://schemas.microsoft.com/office/drawing/2010/main" xmlns:p14="http://schemas.microsoft.com/office/powerpoint/2010/main" xmlns:a16="http://schemas.microsoft.com/office/drawing/2014/main" xmlns="" w="9525">
                   <a:solidFill>
                     <a:srgbClr val="000000"/>
                   </a:solidFill>
@@ -21079,7 +21079,7 @@
             </a:ln>
             <a:extLst>
               <a:ext uri="{91240B29-F687-4f45-9708-019B960494DF}">
-                <a14:hiddenLine xmlns="" xmlns:a16="http://schemas.microsoft.com/office/drawing/2014/main" xmlns:p14="http://schemas.microsoft.com/office/powerpoint/2010/main" xmlns:a14="http://schemas.microsoft.com/office/drawing/2010/main" w="9525">
+                <a14:hiddenLine xmlns:a14="http://schemas.microsoft.com/office/drawing/2010/main" xmlns:p14="http://schemas.microsoft.com/office/powerpoint/2010/main" xmlns:a16="http://schemas.microsoft.com/office/drawing/2014/main" xmlns="" w="9525">
                   <a:solidFill>
                     <a:srgbClr val="000000"/>
                   </a:solidFill>
@@ -21156,7 +21156,7 @@
             </a:ln>
             <a:extLst>
               <a:ext uri="{91240B29-F687-4f45-9708-019B960494DF}">
-                <a14:hiddenLine xmlns="" xmlns:a16="http://schemas.microsoft.com/office/drawing/2014/main" xmlns:p14="http://schemas.microsoft.com/office/powerpoint/2010/main" xmlns:a14="http://schemas.microsoft.com/office/drawing/2010/main" w="9525">
+                <a14:hiddenLine xmlns:a14="http://schemas.microsoft.com/office/drawing/2010/main" xmlns:p14="http://schemas.microsoft.com/office/powerpoint/2010/main" xmlns:a16="http://schemas.microsoft.com/office/drawing/2014/main" xmlns="" w="9525">
                   <a:solidFill>
                     <a:srgbClr val="000000"/>
                   </a:solidFill>
@@ -21261,7 +21261,7 @@
             </a:ln>
             <a:extLst>
               <a:ext uri="{91240B29-F687-4f45-9708-019B960494DF}">
-                <a14:hiddenLine xmlns="" xmlns:a16="http://schemas.microsoft.com/office/drawing/2014/main" xmlns:p14="http://schemas.microsoft.com/office/powerpoint/2010/main" xmlns:a14="http://schemas.microsoft.com/office/drawing/2010/main" w="9525">
+                <a14:hiddenLine xmlns:a14="http://schemas.microsoft.com/office/drawing/2010/main" xmlns:p14="http://schemas.microsoft.com/office/powerpoint/2010/main" xmlns:a16="http://schemas.microsoft.com/office/drawing/2014/main" xmlns="" w="9525">
                   <a:solidFill>
                     <a:srgbClr val="000000"/>
                   </a:solidFill>
@@ -21366,7 +21366,7 @@
             </a:ln>
             <a:extLst>
               <a:ext uri="{91240B29-F687-4f45-9708-019B960494DF}">
-                <a14:hiddenLine xmlns="" xmlns:a16="http://schemas.microsoft.com/office/drawing/2014/main" xmlns:p14="http://schemas.microsoft.com/office/powerpoint/2010/main" xmlns:a14="http://schemas.microsoft.com/office/drawing/2010/main" w="9525">
+                <a14:hiddenLine xmlns:a14="http://schemas.microsoft.com/office/drawing/2010/main" xmlns:p14="http://schemas.microsoft.com/office/powerpoint/2010/main" xmlns:a16="http://schemas.microsoft.com/office/drawing/2014/main" xmlns="" w="9525">
                   <a:solidFill>
                     <a:srgbClr val="000000"/>
                   </a:solidFill>
@@ -21443,7 +21443,7 @@
             </a:ln>
             <a:extLst>
               <a:ext uri="{91240B29-F687-4f45-9708-019B960494DF}">
-                <a14:hiddenLine xmlns="" xmlns:a16="http://schemas.microsoft.com/office/drawing/2014/main" xmlns:p14="http://schemas.microsoft.com/office/powerpoint/2010/main" xmlns:a14="http://schemas.microsoft.com/office/drawing/2010/main" w="9525">
+                <a14:hiddenLine xmlns:a14="http://schemas.microsoft.com/office/drawing/2010/main" xmlns:p14="http://schemas.microsoft.com/office/powerpoint/2010/main" xmlns:a16="http://schemas.microsoft.com/office/drawing/2014/main" xmlns="" w="9525">
                   <a:solidFill>
                     <a:srgbClr val="000000"/>
                   </a:solidFill>
@@ -21548,7 +21548,7 @@
             </a:ln>
             <a:extLst>
               <a:ext uri="{91240B29-F687-4f45-9708-019B960494DF}">
-                <a14:hiddenLine xmlns="" xmlns:a16="http://schemas.microsoft.com/office/drawing/2014/main" xmlns:p14="http://schemas.microsoft.com/office/powerpoint/2010/main" xmlns:a14="http://schemas.microsoft.com/office/drawing/2010/main" w="9525">
+                <a14:hiddenLine xmlns:a14="http://schemas.microsoft.com/office/drawing/2010/main" xmlns:p14="http://schemas.microsoft.com/office/powerpoint/2010/main" xmlns:a16="http://schemas.microsoft.com/office/drawing/2014/main" xmlns="" w="9525">
                   <a:solidFill>
                     <a:srgbClr val="000000"/>
                   </a:solidFill>
@@ -21653,7 +21653,7 @@
             </a:ln>
             <a:extLst>
               <a:ext uri="{91240B29-F687-4f45-9708-019B960494DF}">
-                <a14:hiddenLine xmlns="" xmlns:a16="http://schemas.microsoft.com/office/drawing/2014/main" xmlns:p14="http://schemas.microsoft.com/office/powerpoint/2010/main" xmlns:a14="http://schemas.microsoft.com/office/drawing/2010/main" w="9525">
+                <a14:hiddenLine xmlns:a14="http://schemas.microsoft.com/office/drawing/2010/main" xmlns:p14="http://schemas.microsoft.com/office/powerpoint/2010/main" xmlns:a16="http://schemas.microsoft.com/office/drawing/2014/main" xmlns="" w="9525">
                   <a:solidFill>
                     <a:srgbClr val="000000"/>
                   </a:solidFill>
@@ -21724,7 +21724,7 @@
             </a:ln>
             <a:extLst>
               <a:ext uri="{91240B29-F687-4f45-9708-019B960494DF}">
-                <a14:hiddenLine xmlns="" xmlns:a16="http://schemas.microsoft.com/office/drawing/2014/main" xmlns:p14="http://schemas.microsoft.com/office/powerpoint/2010/main" xmlns:a14="http://schemas.microsoft.com/office/drawing/2010/main" w="9525">
+                <a14:hiddenLine xmlns:a14="http://schemas.microsoft.com/office/drawing/2010/main" xmlns:p14="http://schemas.microsoft.com/office/powerpoint/2010/main" xmlns:a16="http://schemas.microsoft.com/office/drawing/2014/main" xmlns="" w="9525">
                   <a:solidFill>
                     <a:srgbClr val="000000"/>
                   </a:solidFill>
@@ -21829,7 +21829,7 @@
             </a:ln>
             <a:extLst>
               <a:ext uri="{91240B29-F687-4f45-9708-019B960494DF}">
-                <a14:hiddenLine xmlns="" xmlns:a16="http://schemas.microsoft.com/office/drawing/2014/main" xmlns:p14="http://schemas.microsoft.com/office/powerpoint/2010/main" xmlns:a14="http://schemas.microsoft.com/office/drawing/2010/main" w="9525">
+                <a14:hiddenLine xmlns:a14="http://schemas.microsoft.com/office/drawing/2010/main" xmlns:p14="http://schemas.microsoft.com/office/powerpoint/2010/main" xmlns:a16="http://schemas.microsoft.com/office/drawing/2014/main" xmlns="" w="9525">
                   <a:solidFill>
                     <a:srgbClr val="000000"/>
                   </a:solidFill>
@@ -21900,7 +21900,7 @@
             </a:ln>
             <a:extLst>
               <a:ext uri="{91240B29-F687-4f45-9708-019B960494DF}">
-                <a14:hiddenLine xmlns="" xmlns:a16="http://schemas.microsoft.com/office/drawing/2014/main" xmlns:p14="http://schemas.microsoft.com/office/powerpoint/2010/main" xmlns:a14="http://schemas.microsoft.com/office/drawing/2010/main" w="9525">
+                <a14:hiddenLine xmlns:a14="http://schemas.microsoft.com/office/drawing/2010/main" xmlns:p14="http://schemas.microsoft.com/office/powerpoint/2010/main" xmlns:a16="http://schemas.microsoft.com/office/drawing/2014/main" xmlns="" w="9525">
                   <a:solidFill>
                     <a:srgbClr val="000000"/>
                   </a:solidFill>
@@ -22005,7 +22005,7 @@
             </a:ln>
             <a:extLst>
               <a:ext uri="{91240B29-F687-4f45-9708-019B960494DF}">
-                <a14:hiddenLine xmlns="" xmlns:a16="http://schemas.microsoft.com/office/drawing/2014/main" xmlns:p14="http://schemas.microsoft.com/office/powerpoint/2010/main" xmlns:a14="http://schemas.microsoft.com/office/drawing/2010/main" w="9525">
+                <a14:hiddenLine xmlns:a14="http://schemas.microsoft.com/office/drawing/2010/main" xmlns:p14="http://schemas.microsoft.com/office/powerpoint/2010/main" xmlns:a16="http://schemas.microsoft.com/office/drawing/2014/main" xmlns="" w="9525">
                   <a:solidFill>
                     <a:srgbClr val="000000"/>
                   </a:solidFill>
@@ -22088,7 +22088,7 @@
             </a:ln>
             <a:extLst>
               <a:ext uri="{91240B29-F687-4f45-9708-019B960494DF}">
-                <a14:hiddenLine xmlns="" xmlns:a16="http://schemas.microsoft.com/office/drawing/2014/main" xmlns:p14="http://schemas.microsoft.com/office/powerpoint/2010/main" xmlns:a14="http://schemas.microsoft.com/office/drawing/2010/main" w="9525">
+                <a14:hiddenLine xmlns:a14="http://schemas.microsoft.com/office/drawing/2010/main" xmlns:p14="http://schemas.microsoft.com/office/powerpoint/2010/main" xmlns:a16="http://schemas.microsoft.com/office/drawing/2014/main" xmlns="" w="9525">
                   <a:solidFill>
                     <a:srgbClr val="000000"/>
                   </a:solidFill>
@@ -22193,7 +22193,7 @@
             </a:ln>
             <a:extLst>
               <a:ext uri="{91240B29-F687-4f45-9708-019B960494DF}">
-                <a14:hiddenLine xmlns="" xmlns:a16="http://schemas.microsoft.com/office/drawing/2014/main" xmlns:p14="http://schemas.microsoft.com/office/powerpoint/2010/main" xmlns:a14="http://schemas.microsoft.com/office/drawing/2010/main" w="9525">
+                <a14:hiddenLine xmlns:a14="http://schemas.microsoft.com/office/drawing/2010/main" xmlns:p14="http://schemas.microsoft.com/office/powerpoint/2010/main" xmlns:a16="http://schemas.microsoft.com/office/drawing/2014/main" xmlns="" w="9525">
                   <a:solidFill>
                     <a:srgbClr val="000000"/>
                   </a:solidFill>
@@ -22276,7 +22276,7 @@
             </a:ln>
             <a:extLst>
               <a:ext uri="{91240B29-F687-4f45-9708-019B960494DF}">
-                <a14:hiddenLine xmlns="" xmlns:a16="http://schemas.microsoft.com/office/drawing/2014/main" xmlns:p14="http://schemas.microsoft.com/office/powerpoint/2010/main" xmlns:a14="http://schemas.microsoft.com/office/drawing/2010/main" w="9525">
+                <a14:hiddenLine xmlns:a14="http://schemas.microsoft.com/office/drawing/2010/main" xmlns:p14="http://schemas.microsoft.com/office/powerpoint/2010/main" xmlns:a16="http://schemas.microsoft.com/office/drawing/2014/main" xmlns="" w="9525">
                   <a:solidFill>
                     <a:srgbClr val="000000"/>
                   </a:solidFill>
@@ -22381,7 +22381,7 @@
             </a:ln>
             <a:extLst>
               <a:ext uri="{91240B29-F687-4f45-9708-019B960494DF}">
-                <a14:hiddenLine xmlns="" xmlns:a16="http://schemas.microsoft.com/office/drawing/2014/main" xmlns:p14="http://schemas.microsoft.com/office/powerpoint/2010/main" xmlns:a14="http://schemas.microsoft.com/office/drawing/2010/main" w="9525">
+                <a14:hiddenLine xmlns:a14="http://schemas.microsoft.com/office/drawing/2010/main" xmlns:p14="http://schemas.microsoft.com/office/powerpoint/2010/main" xmlns:a16="http://schemas.microsoft.com/office/drawing/2014/main" xmlns="" w="9525">
                   <a:solidFill>
                     <a:srgbClr val="000000"/>
                   </a:solidFill>
@@ -22430,7 +22430,7 @@
             </a:ln>
             <a:extLst>
               <a:ext uri="{91240B29-F687-4f45-9708-019B960494DF}">
-                <a14:hiddenLine xmlns="" xmlns:a16="http://schemas.microsoft.com/office/drawing/2014/main" xmlns:p14="http://schemas.microsoft.com/office/powerpoint/2010/main" xmlns:a14="http://schemas.microsoft.com/office/drawing/2010/main" w="9525">
+                <a14:hiddenLine xmlns:a14="http://schemas.microsoft.com/office/drawing/2010/main" xmlns:p14="http://schemas.microsoft.com/office/powerpoint/2010/main" xmlns:a16="http://schemas.microsoft.com/office/drawing/2014/main" xmlns="" w="9525">
                   <a:solidFill>
                     <a:srgbClr val="000000"/>
                   </a:solidFill>
@@ -22535,7 +22535,7 @@
             </a:ln>
             <a:extLst>
               <a:ext uri="{91240B29-F687-4f45-9708-019B960494DF}">
-                <a14:hiddenLine xmlns="" xmlns:a16="http://schemas.microsoft.com/office/drawing/2014/main" xmlns:p14="http://schemas.microsoft.com/office/powerpoint/2010/main" xmlns:a14="http://schemas.microsoft.com/office/drawing/2010/main" w="9525">
+                <a14:hiddenLine xmlns:a14="http://schemas.microsoft.com/office/drawing/2010/main" xmlns:p14="http://schemas.microsoft.com/office/powerpoint/2010/main" xmlns:a16="http://schemas.microsoft.com/office/drawing/2014/main" xmlns="" w="9525">
                   <a:solidFill>
                     <a:srgbClr val="000000"/>
                   </a:solidFill>
@@ -22612,7 +22612,7 @@
             </a:ln>
             <a:extLst>
               <a:ext uri="{91240B29-F687-4f45-9708-019B960494DF}">
-                <a14:hiddenLine xmlns="" xmlns:a16="http://schemas.microsoft.com/office/drawing/2014/main" xmlns:p14="http://schemas.microsoft.com/office/powerpoint/2010/main" xmlns:a14="http://schemas.microsoft.com/office/drawing/2010/main" w="9525">
+                <a14:hiddenLine xmlns:a14="http://schemas.microsoft.com/office/drawing/2010/main" xmlns:p14="http://schemas.microsoft.com/office/powerpoint/2010/main" xmlns:a16="http://schemas.microsoft.com/office/drawing/2014/main" xmlns="" w="9525">
                   <a:solidFill>
                     <a:srgbClr val="000000"/>
                   </a:solidFill>
@@ -22689,7 +22689,7 @@
             </a:ln>
             <a:extLst>
               <a:ext uri="{91240B29-F687-4f45-9708-019B960494DF}">
-                <a14:hiddenLine xmlns="" xmlns:a16="http://schemas.microsoft.com/office/drawing/2014/main" xmlns:p14="http://schemas.microsoft.com/office/powerpoint/2010/main" xmlns:a14="http://schemas.microsoft.com/office/drawing/2010/main" w="9525">
+                <a14:hiddenLine xmlns:a14="http://schemas.microsoft.com/office/drawing/2010/main" xmlns:p14="http://schemas.microsoft.com/office/powerpoint/2010/main" xmlns:a16="http://schemas.microsoft.com/office/drawing/2014/main" xmlns="" w="9525">
                   <a:solidFill>
                     <a:srgbClr val="000000"/>
                   </a:solidFill>
@@ -22794,7 +22794,7 @@
             </a:ln>
             <a:extLst>
               <a:ext uri="{91240B29-F687-4f45-9708-019B960494DF}">
-                <a14:hiddenLine xmlns="" xmlns:a16="http://schemas.microsoft.com/office/drawing/2014/main" xmlns:p14="http://schemas.microsoft.com/office/powerpoint/2010/main" xmlns:a14="http://schemas.microsoft.com/office/drawing/2010/main" w="9525">
+                <a14:hiddenLine xmlns:a14="http://schemas.microsoft.com/office/drawing/2010/main" xmlns:p14="http://schemas.microsoft.com/office/powerpoint/2010/main" xmlns:a16="http://schemas.microsoft.com/office/drawing/2014/main" xmlns="" w="9525">
                   <a:solidFill>
                     <a:srgbClr val="000000"/>
                   </a:solidFill>
@@ -22877,7 +22877,7 @@
             </a:ln>
             <a:extLst>
               <a:ext uri="{91240B29-F687-4f45-9708-019B960494DF}">
-                <a14:hiddenLine xmlns="" xmlns:a16="http://schemas.microsoft.com/office/drawing/2014/main" xmlns:p14="http://schemas.microsoft.com/office/powerpoint/2010/main" xmlns:a14="http://schemas.microsoft.com/office/drawing/2010/main" w="9525">
+                <a14:hiddenLine xmlns:a14="http://schemas.microsoft.com/office/drawing/2010/main" xmlns:p14="http://schemas.microsoft.com/office/powerpoint/2010/main" xmlns:a16="http://schemas.microsoft.com/office/drawing/2014/main" xmlns="" w="9525">
                   <a:solidFill>
                     <a:srgbClr val="000000"/>
                   </a:solidFill>
@@ -22954,7 +22954,7 @@
             </a:ln>
             <a:extLst>
               <a:ext uri="{91240B29-F687-4f45-9708-019B960494DF}">
-                <a14:hiddenLine xmlns="" xmlns:a16="http://schemas.microsoft.com/office/drawing/2014/main" xmlns:p14="http://schemas.microsoft.com/office/powerpoint/2010/main" xmlns:a14="http://schemas.microsoft.com/office/drawing/2010/main" w="9525">
+                <a14:hiddenLine xmlns:a14="http://schemas.microsoft.com/office/drawing/2010/main" xmlns:p14="http://schemas.microsoft.com/office/powerpoint/2010/main" xmlns:a16="http://schemas.microsoft.com/office/drawing/2014/main" xmlns="" w="9525">
                   <a:solidFill>
                     <a:srgbClr val="000000"/>
                   </a:solidFill>
@@ -23059,7 +23059,7 @@
             </a:ln>
             <a:extLst>
               <a:ext uri="{91240B29-F687-4f45-9708-019B960494DF}">
-                <a14:hiddenLine xmlns="" xmlns:a16="http://schemas.microsoft.com/office/drawing/2014/main" xmlns:p14="http://schemas.microsoft.com/office/powerpoint/2010/main" xmlns:a14="http://schemas.microsoft.com/office/drawing/2010/main" w="9525">
+                <a14:hiddenLine xmlns:a14="http://schemas.microsoft.com/office/drawing/2010/main" xmlns:p14="http://schemas.microsoft.com/office/powerpoint/2010/main" xmlns:a16="http://schemas.microsoft.com/office/drawing/2014/main" xmlns="" w="9525">
                   <a:solidFill>
                     <a:srgbClr val="000000"/>
                   </a:solidFill>
@@ -23136,7 +23136,7 @@
             </a:ln>
             <a:extLst>
               <a:ext uri="{91240B29-F687-4f45-9708-019B960494DF}">
-                <a14:hiddenLine xmlns="" xmlns:a16="http://schemas.microsoft.com/office/drawing/2014/main" xmlns:p14="http://schemas.microsoft.com/office/powerpoint/2010/main" xmlns:a14="http://schemas.microsoft.com/office/drawing/2010/main" w="9525">
+                <a14:hiddenLine xmlns:a14="http://schemas.microsoft.com/office/drawing/2010/main" xmlns:p14="http://schemas.microsoft.com/office/powerpoint/2010/main" xmlns:a16="http://schemas.microsoft.com/office/drawing/2014/main" xmlns="" w="9525">
                   <a:solidFill>
                     <a:srgbClr val="000000"/>
                   </a:solidFill>
@@ -23241,7 +23241,7 @@
             </a:ln>
             <a:extLst>
               <a:ext uri="{91240B29-F687-4f45-9708-019B960494DF}">
-                <a14:hiddenLine xmlns="" xmlns:a16="http://schemas.microsoft.com/office/drawing/2014/main" xmlns:p14="http://schemas.microsoft.com/office/powerpoint/2010/main" xmlns:a14="http://schemas.microsoft.com/office/drawing/2010/main" w="9525">
+                <a14:hiddenLine xmlns:a14="http://schemas.microsoft.com/office/drawing/2010/main" xmlns:p14="http://schemas.microsoft.com/office/powerpoint/2010/main" xmlns:a16="http://schemas.microsoft.com/office/drawing/2014/main" xmlns="" w="9525">
                   <a:solidFill>
                     <a:srgbClr val="000000"/>
                   </a:solidFill>
@@ -23318,7 +23318,7 @@
             </a:ln>
             <a:extLst>
               <a:ext uri="{91240B29-F687-4f45-9708-019B960494DF}">
-                <a14:hiddenLine xmlns="" xmlns:a16="http://schemas.microsoft.com/office/drawing/2014/main" xmlns:p14="http://schemas.microsoft.com/office/powerpoint/2010/main" xmlns:a14="http://schemas.microsoft.com/office/drawing/2010/main" w="9525">
+                <a14:hiddenLine xmlns:a14="http://schemas.microsoft.com/office/drawing/2010/main" xmlns:p14="http://schemas.microsoft.com/office/powerpoint/2010/main" xmlns:a16="http://schemas.microsoft.com/office/drawing/2014/main" xmlns="" w="9525">
                   <a:solidFill>
                     <a:srgbClr val="000000"/>
                   </a:solidFill>
@@ -23423,7 +23423,7 @@
             </a:ln>
             <a:extLst>
               <a:ext uri="{91240B29-F687-4f45-9708-019B960494DF}">
-                <a14:hiddenLine xmlns="" xmlns:a16="http://schemas.microsoft.com/office/drawing/2014/main" xmlns:p14="http://schemas.microsoft.com/office/powerpoint/2010/main" xmlns:a14="http://schemas.microsoft.com/office/drawing/2010/main" w="9525">
+                <a14:hiddenLine xmlns:a14="http://schemas.microsoft.com/office/drawing/2010/main" xmlns:p14="http://schemas.microsoft.com/office/powerpoint/2010/main" xmlns:a16="http://schemas.microsoft.com/office/drawing/2014/main" xmlns="" w="9525">
                   <a:solidFill>
                     <a:srgbClr val="000000"/>
                   </a:solidFill>
@@ -23472,7 +23472,7 @@
             </a:ln>
             <a:extLst>
               <a:ext uri="{91240B29-F687-4f45-9708-019B960494DF}">
-                <a14:hiddenLine xmlns="" xmlns:a16="http://schemas.microsoft.com/office/drawing/2014/main" xmlns:p14="http://schemas.microsoft.com/office/powerpoint/2010/main" xmlns:a14="http://schemas.microsoft.com/office/drawing/2010/main" w="9525">
+                <a14:hiddenLine xmlns:a14="http://schemas.microsoft.com/office/drawing/2010/main" xmlns:p14="http://schemas.microsoft.com/office/powerpoint/2010/main" xmlns:a16="http://schemas.microsoft.com/office/drawing/2014/main" xmlns="" w="9525">
                   <a:solidFill>
                     <a:srgbClr val="000000"/>
                   </a:solidFill>
@@ -23552,7 +23552,7 @@
             </a:ln>
             <a:extLst>
               <a:ext uri="{91240B29-F687-4f45-9708-019B960494DF}">
-                <a14:hiddenLine xmlns="" xmlns:a16="http://schemas.microsoft.com/office/drawing/2014/main" xmlns:p14="http://schemas.microsoft.com/office/powerpoint/2010/main" xmlns:a14="http://schemas.microsoft.com/office/drawing/2010/main" w="9525">
+                <a14:hiddenLine xmlns:a14="http://schemas.microsoft.com/office/drawing/2010/main" xmlns:p14="http://schemas.microsoft.com/office/powerpoint/2010/main" xmlns:a16="http://schemas.microsoft.com/office/drawing/2014/main" xmlns="" w="9525">
                   <a:solidFill>
                     <a:srgbClr val="000000"/>
                   </a:solidFill>
@@ -23657,7 +23657,7 @@
             </a:ln>
             <a:extLst>
               <a:ext uri="{91240B29-F687-4f45-9708-019B960494DF}">
-                <a14:hiddenLine xmlns="" xmlns:a16="http://schemas.microsoft.com/office/drawing/2014/main" xmlns:p14="http://schemas.microsoft.com/office/powerpoint/2010/main" xmlns:a14="http://schemas.microsoft.com/office/drawing/2010/main" w="9525">
+                <a14:hiddenLine xmlns:a14="http://schemas.microsoft.com/office/drawing/2010/main" xmlns:p14="http://schemas.microsoft.com/office/powerpoint/2010/main" xmlns:a16="http://schemas.microsoft.com/office/drawing/2014/main" xmlns="" w="9525">
                   <a:solidFill>
                     <a:srgbClr val="000000"/>
                   </a:solidFill>
@@ -23734,7 +23734,7 @@
             </a:ln>
             <a:extLst>
               <a:ext uri="{91240B29-F687-4f45-9708-019B960494DF}">
-                <a14:hiddenLine xmlns="" xmlns:a16="http://schemas.microsoft.com/office/drawing/2014/main" xmlns:p14="http://schemas.microsoft.com/office/powerpoint/2010/main" xmlns:a14="http://schemas.microsoft.com/office/drawing/2010/main" w="9525">
+                <a14:hiddenLine xmlns:a14="http://schemas.microsoft.com/office/drawing/2010/main" xmlns:p14="http://schemas.microsoft.com/office/powerpoint/2010/main" xmlns:a16="http://schemas.microsoft.com/office/drawing/2014/main" xmlns="" w="9525">
                   <a:solidFill>
                     <a:srgbClr val="000000"/>
                   </a:solidFill>
@@ -23839,7 +23839,7 @@
             </a:ln>
             <a:extLst>
               <a:ext uri="{91240B29-F687-4f45-9708-019B960494DF}">
-                <a14:hiddenLine xmlns="" xmlns:a16="http://schemas.microsoft.com/office/drawing/2014/main" xmlns:p14="http://schemas.microsoft.com/office/powerpoint/2010/main" xmlns:a14="http://schemas.microsoft.com/office/drawing/2010/main" w="9525">
+                <a14:hiddenLine xmlns:a14="http://schemas.microsoft.com/office/drawing/2010/main" xmlns:p14="http://schemas.microsoft.com/office/powerpoint/2010/main" xmlns:a16="http://schemas.microsoft.com/office/drawing/2014/main" xmlns="" w="9525">
                   <a:solidFill>
                     <a:srgbClr val="000000"/>
                   </a:solidFill>
@@ -23944,7 +23944,7 @@
             </a:ln>
             <a:extLst>
               <a:ext uri="{91240B29-F687-4f45-9708-019B960494DF}">
-                <a14:hiddenLine xmlns="" xmlns:a16="http://schemas.microsoft.com/office/drawing/2014/main" xmlns:p14="http://schemas.microsoft.com/office/powerpoint/2010/main" xmlns:a14="http://schemas.microsoft.com/office/drawing/2010/main" w="9525">
+                <a14:hiddenLine xmlns:a14="http://schemas.microsoft.com/office/drawing/2010/main" xmlns:p14="http://schemas.microsoft.com/office/powerpoint/2010/main" xmlns:a16="http://schemas.microsoft.com/office/drawing/2014/main" xmlns="" w="9525">
                   <a:solidFill>
                     <a:srgbClr val="000000"/>
                   </a:solidFill>
@@ -24024,7 +24024,7 @@
             </a:ln>
             <a:extLst>
               <a:ext uri="{91240B29-F687-4f45-9708-019B960494DF}">
-                <a14:hiddenLine xmlns="" xmlns:a16="http://schemas.microsoft.com/office/drawing/2014/main" xmlns:p14="http://schemas.microsoft.com/office/powerpoint/2010/main" xmlns:a14="http://schemas.microsoft.com/office/drawing/2010/main" w="9525">
+                <a14:hiddenLine xmlns:a14="http://schemas.microsoft.com/office/drawing/2010/main" xmlns:p14="http://schemas.microsoft.com/office/powerpoint/2010/main" xmlns:a16="http://schemas.microsoft.com/office/drawing/2014/main" xmlns="" w="9525">
                   <a:solidFill>
                     <a:srgbClr val="000000"/>
                   </a:solidFill>
@@ -24101,7 +24101,7 @@
             </a:ln>
             <a:extLst>
               <a:ext uri="{91240B29-F687-4f45-9708-019B960494DF}">
-                <a14:hiddenLine xmlns="" xmlns:a16="http://schemas.microsoft.com/office/drawing/2014/main" xmlns:p14="http://schemas.microsoft.com/office/powerpoint/2010/main" xmlns:a14="http://schemas.microsoft.com/office/drawing/2010/main" w="9525">
+                <a14:hiddenLine xmlns:a14="http://schemas.microsoft.com/office/drawing/2010/main" xmlns:p14="http://schemas.microsoft.com/office/powerpoint/2010/main" xmlns:a16="http://schemas.microsoft.com/office/drawing/2014/main" xmlns="" w="9525">
                   <a:solidFill>
                     <a:srgbClr val="000000"/>
                   </a:solidFill>
@@ -24206,7 +24206,7 @@
             </a:ln>
             <a:extLst>
               <a:ext uri="{91240B29-F687-4f45-9708-019B960494DF}">
-                <a14:hiddenLine xmlns="" xmlns:a16="http://schemas.microsoft.com/office/drawing/2014/main" xmlns:p14="http://schemas.microsoft.com/office/powerpoint/2010/main" xmlns:a14="http://schemas.microsoft.com/office/drawing/2010/main" w="9525">
+                <a14:hiddenLine xmlns:a14="http://schemas.microsoft.com/office/drawing/2010/main" xmlns:p14="http://schemas.microsoft.com/office/powerpoint/2010/main" xmlns:a16="http://schemas.microsoft.com/office/drawing/2014/main" xmlns="" w="9525">
                   <a:solidFill>
                     <a:srgbClr val="000000"/>
                   </a:solidFill>
@@ -24311,7 +24311,7 @@
             </a:ln>
             <a:extLst>
               <a:ext uri="{91240B29-F687-4f45-9708-019B960494DF}">
-                <a14:hiddenLine xmlns="" xmlns:a16="http://schemas.microsoft.com/office/drawing/2014/main" xmlns:p14="http://schemas.microsoft.com/office/powerpoint/2010/main" xmlns:a14="http://schemas.microsoft.com/office/drawing/2010/main" w="9525">
+                <a14:hiddenLine xmlns:a14="http://schemas.microsoft.com/office/drawing/2010/main" xmlns:p14="http://schemas.microsoft.com/office/powerpoint/2010/main" xmlns:a16="http://schemas.microsoft.com/office/drawing/2014/main" xmlns="" w="9525">
                   <a:solidFill>
                     <a:srgbClr val="000000"/>
                   </a:solidFill>
@@ -24388,7 +24388,7 @@
             </a:ln>
             <a:extLst>
               <a:ext uri="{91240B29-F687-4f45-9708-019B960494DF}">
-                <a14:hiddenLine xmlns="" xmlns:a16="http://schemas.microsoft.com/office/drawing/2014/main" xmlns:p14="http://schemas.microsoft.com/office/powerpoint/2010/main" xmlns:a14="http://schemas.microsoft.com/office/drawing/2010/main" w="9525">
+                <a14:hiddenLine xmlns:a14="http://schemas.microsoft.com/office/drawing/2010/main" xmlns:p14="http://schemas.microsoft.com/office/powerpoint/2010/main" xmlns:a16="http://schemas.microsoft.com/office/drawing/2014/main" xmlns="" w="9525">
                   <a:solidFill>
                     <a:srgbClr val="000000"/>
                   </a:solidFill>
@@ -24523,7 +24523,7 @@
             </a:ln>
             <a:extLst>
               <a:ext uri="{91240B29-F687-4f45-9708-019B960494DF}">
-                <a14:hiddenLine xmlns="" xmlns:a16="http://schemas.microsoft.com/office/drawing/2014/main" xmlns:p14="http://schemas.microsoft.com/office/powerpoint/2010/main" xmlns:a14="http://schemas.microsoft.com/office/drawing/2010/main" w="9525">
+                <a14:hiddenLine xmlns:a14="http://schemas.microsoft.com/office/drawing/2010/main" xmlns:p14="http://schemas.microsoft.com/office/powerpoint/2010/main" xmlns:a16="http://schemas.microsoft.com/office/drawing/2014/main" xmlns="" w="9525">
                   <a:solidFill>
                     <a:srgbClr val="000000"/>
                   </a:solidFill>
@@ -24606,7 +24606,7 @@
             </a:ln>
             <a:extLst>
               <a:ext uri="{91240B29-F687-4f45-9708-019B960494DF}">
-                <a14:hiddenLine xmlns="" xmlns:a16="http://schemas.microsoft.com/office/drawing/2014/main" xmlns:p14="http://schemas.microsoft.com/office/powerpoint/2010/main" xmlns:a14="http://schemas.microsoft.com/office/drawing/2010/main" w="9525">
+                <a14:hiddenLine xmlns:a14="http://schemas.microsoft.com/office/drawing/2010/main" xmlns:p14="http://schemas.microsoft.com/office/powerpoint/2010/main" xmlns:a16="http://schemas.microsoft.com/office/drawing/2014/main" xmlns="" w="9525">
                   <a:solidFill>
                     <a:srgbClr val="000000"/>
                   </a:solidFill>
@@ -24711,7 +24711,7 @@
             </a:ln>
             <a:extLst>
               <a:ext uri="{91240B29-F687-4f45-9708-019B960494DF}">
-                <a14:hiddenLine xmlns="" xmlns:a16="http://schemas.microsoft.com/office/drawing/2014/main" xmlns:p14="http://schemas.microsoft.com/office/powerpoint/2010/main" xmlns:a14="http://schemas.microsoft.com/office/drawing/2010/main" w="9525">
+                <a14:hiddenLine xmlns:a14="http://schemas.microsoft.com/office/drawing/2010/main" xmlns:p14="http://schemas.microsoft.com/office/powerpoint/2010/main" xmlns:a16="http://schemas.microsoft.com/office/drawing/2014/main" xmlns="" w="9525">
                   <a:solidFill>
                     <a:srgbClr val="000000"/>
                   </a:solidFill>
@@ -25144,7 +25144,7 @@
           <a:noFill/>
           <a:extLst>
             <a:ext uri="{909E8E84-426E-40dd-AFC4-6F175D3DCCD1}">
-              <a14:hiddenFill xmlns="" xmlns:a16="http://schemas.microsoft.com/office/drawing/2014/main" xmlns:p14="http://schemas.microsoft.com/office/powerpoint/2010/main" xmlns:a14="http://schemas.microsoft.com/office/drawing/2010/main">
+              <a14:hiddenFill xmlns:a14="http://schemas.microsoft.com/office/drawing/2010/main" xmlns:p14="http://schemas.microsoft.com/office/powerpoint/2010/main" xmlns:a16="http://schemas.microsoft.com/office/drawing/2014/main" xmlns="">
                 <a:solidFill>
                   <a:srgbClr val="FFFFFF"/>
                 </a:solidFill>
@@ -25226,7 +25226,7 @@
             </a:ln>
             <a:extLst>
               <a:ext uri="{91240B29-F687-4f45-9708-019B960494DF}">
-                <a14:hiddenLine xmlns="" xmlns:a16="http://schemas.microsoft.com/office/drawing/2014/main" xmlns:p14="http://schemas.microsoft.com/office/powerpoint/2010/main" xmlns:a14="http://schemas.microsoft.com/office/drawing/2010/main" w="9525">
+                <a14:hiddenLine xmlns:a14="http://schemas.microsoft.com/office/drawing/2010/main" xmlns:p14="http://schemas.microsoft.com/office/powerpoint/2010/main" xmlns:a16="http://schemas.microsoft.com/office/drawing/2014/main" xmlns="" w="9525">
                   <a:solidFill>
                     <a:srgbClr val="000000"/>
                   </a:solidFill>
@@ -25331,7 +25331,7 @@
             </a:ln>
             <a:extLst>
               <a:ext uri="{91240B29-F687-4f45-9708-019B960494DF}">
-                <a14:hiddenLine xmlns="" xmlns:a16="http://schemas.microsoft.com/office/drawing/2014/main" xmlns:p14="http://schemas.microsoft.com/office/powerpoint/2010/main" xmlns:a14="http://schemas.microsoft.com/office/drawing/2010/main" w="9525">
+                <a14:hiddenLine xmlns:a14="http://schemas.microsoft.com/office/drawing/2010/main" xmlns:p14="http://schemas.microsoft.com/office/powerpoint/2010/main" xmlns:a16="http://schemas.microsoft.com/office/drawing/2014/main" xmlns="" w="9525">
                   <a:solidFill>
                     <a:srgbClr val="000000"/>
                   </a:solidFill>
@@ -25436,7 +25436,7 @@
             </a:ln>
             <a:extLst>
               <a:ext uri="{91240B29-F687-4f45-9708-019B960494DF}">
-                <a14:hiddenLine xmlns="" xmlns:a16="http://schemas.microsoft.com/office/drawing/2014/main" xmlns:p14="http://schemas.microsoft.com/office/powerpoint/2010/main" xmlns:a14="http://schemas.microsoft.com/office/drawing/2010/main" w="9525">
+                <a14:hiddenLine xmlns:a14="http://schemas.microsoft.com/office/drawing/2010/main" xmlns:p14="http://schemas.microsoft.com/office/powerpoint/2010/main" xmlns:a16="http://schemas.microsoft.com/office/drawing/2014/main" xmlns="" w="9525">
                   <a:solidFill>
                     <a:srgbClr val="000000"/>
                   </a:solidFill>
@@ -25513,7 +25513,7 @@
             </a:ln>
             <a:extLst>
               <a:ext uri="{91240B29-F687-4f45-9708-019B960494DF}">
-                <a14:hiddenLine xmlns="" xmlns:a16="http://schemas.microsoft.com/office/drawing/2014/main" xmlns:p14="http://schemas.microsoft.com/office/powerpoint/2010/main" xmlns:a14="http://schemas.microsoft.com/office/drawing/2010/main" w="9525">
+                <a14:hiddenLine xmlns:a14="http://schemas.microsoft.com/office/drawing/2010/main" xmlns:p14="http://schemas.microsoft.com/office/powerpoint/2010/main" xmlns:a16="http://schemas.microsoft.com/office/drawing/2014/main" xmlns="" w="9525">
                   <a:solidFill>
                     <a:srgbClr val="000000"/>
                   </a:solidFill>
@@ -25618,7 +25618,7 @@
             </a:ln>
             <a:extLst>
               <a:ext uri="{91240B29-F687-4f45-9708-019B960494DF}">
-                <a14:hiddenLine xmlns="" xmlns:a16="http://schemas.microsoft.com/office/drawing/2014/main" xmlns:p14="http://schemas.microsoft.com/office/powerpoint/2010/main" xmlns:a14="http://schemas.microsoft.com/office/drawing/2010/main" w="9525">
+                <a14:hiddenLine xmlns:a14="http://schemas.microsoft.com/office/drawing/2010/main" xmlns:p14="http://schemas.microsoft.com/office/powerpoint/2010/main" xmlns:a16="http://schemas.microsoft.com/office/drawing/2014/main" xmlns="" w="9525">
                   <a:solidFill>
                     <a:srgbClr val="000000"/>
                   </a:solidFill>
@@ -25695,7 +25695,7 @@
             </a:ln>
             <a:extLst>
               <a:ext uri="{91240B29-F687-4f45-9708-019B960494DF}">
-                <a14:hiddenLine xmlns="" xmlns:a16="http://schemas.microsoft.com/office/drawing/2014/main" xmlns:p14="http://schemas.microsoft.com/office/powerpoint/2010/main" xmlns:a14="http://schemas.microsoft.com/office/drawing/2010/main" w="9525">
+                <a14:hiddenLine xmlns:a14="http://schemas.microsoft.com/office/drawing/2010/main" xmlns:p14="http://schemas.microsoft.com/office/powerpoint/2010/main" xmlns:a16="http://schemas.microsoft.com/office/drawing/2014/main" xmlns="" w="9525">
                   <a:solidFill>
                     <a:srgbClr val="000000"/>
                   </a:solidFill>
@@ -25772,7 +25772,7 @@
             </a:ln>
             <a:extLst>
               <a:ext uri="{91240B29-F687-4f45-9708-019B960494DF}">
-                <a14:hiddenLine xmlns="" xmlns:a16="http://schemas.microsoft.com/office/drawing/2014/main" xmlns:p14="http://schemas.microsoft.com/office/powerpoint/2010/main" xmlns:a14="http://schemas.microsoft.com/office/drawing/2010/main" w="9525">
+                <a14:hiddenLine xmlns:a14="http://schemas.microsoft.com/office/drawing/2010/main" xmlns:p14="http://schemas.microsoft.com/office/powerpoint/2010/main" xmlns:a16="http://schemas.microsoft.com/office/drawing/2014/main" xmlns="" w="9525">
                   <a:solidFill>
                     <a:srgbClr val="000000"/>
                   </a:solidFill>
@@ -25877,7 +25877,7 @@
             </a:ln>
             <a:extLst>
               <a:ext uri="{91240B29-F687-4f45-9708-019B960494DF}">
-                <a14:hiddenLine xmlns="" xmlns:a16="http://schemas.microsoft.com/office/drawing/2014/main" xmlns:p14="http://schemas.microsoft.com/office/powerpoint/2010/main" xmlns:a14="http://schemas.microsoft.com/office/drawing/2010/main" w="9525">
+                <a14:hiddenLine xmlns:a14="http://schemas.microsoft.com/office/drawing/2010/main" xmlns:p14="http://schemas.microsoft.com/office/powerpoint/2010/main" xmlns:a16="http://schemas.microsoft.com/office/drawing/2014/main" xmlns="" w="9525">
                   <a:solidFill>
                     <a:srgbClr val="000000"/>
                   </a:solidFill>
@@ -25982,7 +25982,7 @@
             </a:ln>
             <a:extLst>
               <a:ext uri="{91240B29-F687-4f45-9708-019B960494DF}">
-                <a14:hiddenLine xmlns="" xmlns:a16="http://schemas.microsoft.com/office/drawing/2014/main" xmlns:p14="http://schemas.microsoft.com/office/powerpoint/2010/main" xmlns:a14="http://schemas.microsoft.com/office/drawing/2010/main" w="9525">
+                <a14:hiddenLine xmlns:a14="http://schemas.microsoft.com/office/drawing/2010/main" xmlns:p14="http://schemas.microsoft.com/office/powerpoint/2010/main" xmlns:a16="http://schemas.microsoft.com/office/drawing/2014/main" xmlns="" w="9525">
                   <a:solidFill>
                     <a:srgbClr val="000000"/>
                   </a:solidFill>
@@ -26059,7 +26059,7 @@
             </a:ln>
             <a:extLst>
               <a:ext uri="{91240B29-F687-4f45-9708-019B960494DF}">
-                <a14:hiddenLine xmlns="" xmlns:a16="http://schemas.microsoft.com/office/drawing/2014/main" xmlns:p14="http://schemas.microsoft.com/office/powerpoint/2010/main" xmlns:a14="http://schemas.microsoft.com/office/drawing/2010/main" w="9525">
+                <a14:hiddenLine xmlns:a14="http://schemas.microsoft.com/office/drawing/2010/main" xmlns:p14="http://schemas.microsoft.com/office/powerpoint/2010/main" xmlns:a16="http://schemas.microsoft.com/office/drawing/2014/main" xmlns="" w="9525">
                   <a:solidFill>
                     <a:srgbClr val="000000"/>
                   </a:solidFill>
@@ -26184,7 +26184,7 @@
             </a:ln>
             <a:extLst>
               <a:ext uri="{91240B29-F687-4f45-9708-019B960494DF}">
-                <a14:hiddenLine xmlns="" xmlns:a16="http://schemas.microsoft.com/office/drawing/2014/main" xmlns:p14="http://schemas.microsoft.com/office/powerpoint/2010/main" xmlns:a14="http://schemas.microsoft.com/office/drawing/2010/main" w="9525">
+                <a14:hiddenLine xmlns:a14="http://schemas.microsoft.com/office/drawing/2010/main" xmlns:p14="http://schemas.microsoft.com/office/powerpoint/2010/main" xmlns:a16="http://schemas.microsoft.com/office/drawing/2014/main" xmlns="" w="9525">
                   <a:solidFill>
                     <a:srgbClr val="000000"/>
                   </a:solidFill>
@@ -26298,7 +26298,7 @@
             </a:ln>
             <a:extLst>
               <a:ext uri="{91240B29-F687-4f45-9708-019B960494DF}">
-                <a14:hiddenLine xmlns="" xmlns:a16="http://schemas.microsoft.com/office/drawing/2014/main" xmlns:p14="http://schemas.microsoft.com/office/powerpoint/2010/main" xmlns:a14="http://schemas.microsoft.com/office/drawing/2010/main" w="9525">
+                <a14:hiddenLine xmlns:a14="http://schemas.microsoft.com/office/drawing/2010/main" xmlns:p14="http://schemas.microsoft.com/office/powerpoint/2010/main" xmlns:a16="http://schemas.microsoft.com/office/drawing/2014/main" xmlns="" w="9525">
                   <a:solidFill>
                     <a:srgbClr val="000000"/>
                   </a:solidFill>
@@ -26375,7 +26375,7 @@
             </a:ln>
             <a:extLst>
               <a:ext uri="{91240B29-F687-4f45-9708-019B960494DF}">
-                <a14:hiddenLine xmlns="" xmlns:a16="http://schemas.microsoft.com/office/drawing/2014/main" xmlns:p14="http://schemas.microsoft.com/office/powerpoint/2010/main" xmlns:a14="http://schemas.microsoft.com/office/drawing/2010/main" w="9525">
+                <a14:hiddenLine xmlns:a14="http://schemas.microsoft.com/office/drawing/2010/main" xmlns:p14="http://schemas.microsoft.com/office/powerpoint/2010/main" xmlns:a16="http://schemas.microsoft.com/office/drawing/2014/main" xmlns="" w="9525">
                   <a:solidFill>
                     <a:srgbClr val="000000"/>
                   </a:solidFill>
@@ -26452,7 +26452,7 @@
             </a:ln>
             <a:extLst>
               <a:ext uri="{91240B29-F687-4f45-9708-019B960494DF}">
-                <a14:hiddenLine xmlns="" xmlns:a16="http://schemas.microsoft.com/office/drawing/2014/main" xmlns:p14="http://schemas.microsoft.com/office/powerpoint/2010/main" xmlns:a14="http://schemas.microsoft.com/office/drawing/2010/main" w="9525">
+                <a14:hiddenLine xmlns:a14="http://schemas.microsoft.com/office/drawing/2010/main" xmlns:p14="http://schemas.microsoft.com/office/powerpoint/2010/main" xmlns:a16="http://schemas.microsoft.com/office/drawing/2014/main" xmlns="" w="9525">
                   <a:solidFill>
                     <a:srgbClr val="000000"/>
                   </a:solidFill>
@@ -26557,7 +26557,7 @@
             </a:ln>
             <a:extLst>
               <a:ext uri="{91240B29-F687-4f45-9708-019B960494DF}">
-                <a14:hiddenLine xmlns="" xmlns:a16="http://schemas.microsoft.com/office/drawing/2014/main" xmlns:p14="http://schemas.microsoft.com/office/powerpoint/2010/main" xmlns:a14="http://schemas.microsoft.com/office/drawing/2010/main" w="9525">
+                <a14:hiddenLine xmlns:a14="http://schemas.microsoft.com/office/drawing/2010/main" xmlns:p14="http://schemas.microsoft.com/office/powerpoint/2010/main" xmlns:a16="http://schemas.microsoft.com/office/drawing/2014/main" xmlns="" w="9525">
                   <a:solidFill>
                     <a:srgbClr val="000000"/>
                   </a:solidFill>
@@ -26606,7 +26606,7 @@
             </a:ln>
             <a:extLst>
               <a:ext uri="{91240B29-F687-4f45-9708-019B960494DF}">
-                <a14:hiddenLine xmlns="" xmlns:a16="http://schemas.microsoft.com/office/drawing/2014/main" xmlns:p14="http://schemas.microsoft.com/office/powerpoint/2010/main" xmlns:a14="http://schemas.microsoft.com/office/drawing/2010/main" w="9525">
+                <a14:hiddenLine xmlns:a14="http://schemas.microsoft.com/office/drawing/2010/main" xmlns:p14="http://schemas.microsoft.com/office/powerpoint/2010/main" xmlns:a16="http://schemas.microsoft.com/office/drawing/2014/main" xmlns="" w="9525">
                   <a:solidFill>
                     <a:srgbClr val="000000"/>
                   </a:solidFill>
@@ -26686,7 +26686,7 @@
             </a:ln>
             <a:extLst>
               <a:ext uri="{91240B29-F687-4f45-9708-019B960494DF}">
-                <a14:hiddenLine xmlns="" xmlns:a16="http://schemas.microsoft.com/office/drawing/2014/main" xmlns:p14="http://schemas.microsoft.com/office/powerpoint/2010/main" xmlns:a14="http://schemas.microsoft.com/office/drawing/2010/main" w="9525">
+                <a14:hiddenLine xmlns:a14="http://schemas.microsoft.com/office/drawing/2010/main" xmlns:p14="http://schemas.microsoft.com/office/powerpoint/2010/main" xmlns:a16="http://schemas.microsoft.com/office/drawing/2014/main" xmlns="" w="9525">
                   <a:solidFill>
                     <a:srgbClr val="000000"/>
                   </a:solidFill>
@@ -26791,7 +26791,7 @@
             </a:ln>
             <a:extLst>
               <a:ext uri="{91240B29-F687-4f45-9708-019B960494DF}">
-                <a14:hiddenLine xmlns="" xmlns:a16="http://schemas.microsoft.com/office/drawing/2014/main" xmlns:p14="http://schemas.microsoft.com/office/powerpoint/2010/main" xmlns:a14="http://schemas.microsoft.com/office/drawing/2010/main" w="9525">
+                <a14:hiddenLine xmlns:a14="http://schemas.microsoft.com/office/drawing/2010/main" xmlns:p14="http://schemas.microsoft.com/office/powerpoint/2010/main" xmlns:a16="http://schemas.microsoft.com/office/drawing/2014/main" xmlns="" w="9525">
                   <a:solidFill>
                     <a:srgbClr val="000000"/>
                   </a:solidFill>
@@ -26868,7 +26868,7 @@
             </a:ln>
             <a:extLst>
               <a:ext uri="{91240B29-F687-4f45-9708-019B960494DF}">
-                <a14:hiddenLine xmlns="" xmlns:a16="http://schemas.microsoft.com/office/drawing/2014/main" xmlns:p14="http://schemas.microsoft.com/office/powerpoint/2010/main" xmlns:a14="http://schemas.microsoft.com/office/drawing/2010/main" w="9525">
+                <a14:hiddenLine xmlns:a14="http://schemas.microsoft.com/office/drawing/2010/main" xmlns:p14="http://schemas.microsoft.com/office/powerpoint/2010/main" xmlns:a16="http://schemas.microsoft.com/office/drawing/2014/main" xmlns="" w="9525">
                   <a:solidFill>
                     <a:srgbClr val="000000"/>
                   </a:solidFill>
@@ -26973,7 +26973,7 @@
             </a:ln>
             <a:extLst>
               <a:ext uri="{91240B29-F687-4f45-9708-019B960494DF}">
-                <a14:hiddenLine xmlns="" xmlns:a16="http://schemas.microsoft.com/office/drawing/2014/main" xmlns:p14="http://schemas.microsoft.com/office/powerpoint/2010/main" xmlns:a14="http://schemas.microsoft.com/office/drawing/2010/main" w="9525">
+                <a14:hiddenLine xmlns:a14="http://schemas.microsoft.com/office/drawing/2010/main" xmlns:p14="http://schemas.microsoft.com/office/powerpoint/2010/main" xmlns:a16="http://schemas.microsoft.com/office/drawing/2014/main" xmlns="" w="9525">
                   <a:solidFill>
                     <a:srgbClr val="000000"/>
                   </a:solidFill>
@@ -27053,7 +27053,7 @@
             </a:ln>
             <a:extLst>
               <a:ext uri="{91240B29-F687-4f45-9708-019B960494DF}">
-                <a14:hiddenLine xmlns="" xmlns:a16="http://schemas.microsoft.com/office/drawing/2014/main" xmlns:p14="http://schemas.microsoft.com/office/powerpoint/2010/main" xmlns:a14="http://schemas.microsoft.com/office/drawing/2010/main" w="9525">
+                <a14:hiddenLine xmlns:a14="http://schemas.microsoft.com/office/drawing/2010/main" xmlns:p14="http://schemas.microsoft.com/office/powerpoint/2010/main" xmlns:a16="http://schemas.microsoft.com/office/drawing/2014/main" xmlns="" w="9525">
                   <a:solidFill>
                     <a:srgbClr val="000000"/>
                   </a:solidFill>
@@ -27130,7 +27130,7 @@
             </a:ln>
             <a:extLst>
               <a:ext uri="{91240B29-F687-4f45-9708-019B960494DF}">
-                <a14:hiddenLine xmlns="" xmlns:a16="http://schemas.microsoft.com/office/drawing/2014/main" xmlns:p14="http://schemas.microsoft.com/office/powerpoint/2010/main" xmlns:a14="http://schemas.microsoft.com/office/drawing/2010/main" w="9525">
+                <a14:hiddenLine xmlns:a14="http://schemas.microsoft.com/office/drawing/2010/main" xmlns:p14="http://schemas.microsoft.com/office/powerpoint/2010/main" xmlns:a16="http://schemas.microsoft.com/office/drawing/2014/main" xmlns="" w="9525">
                   <a:solidFill>
                     <a:srgbClr val="000000"/>
                   </a:solidFill>
@@ -27235,7 +27235,7 @@
             </a:ln>
             <a:extLst>
               <a:ext uri="{91240B29-F687-4f45-9708-019B960494DF}">
-                <a14:hiddenLine xmlns="" xmlns:a16="http://schemas.microsoft.com/office/drawing/2014/main" xmlns:p14="http://schemas.microsoft.com/office/powerpoint/2010/main" xmlns:a14="http://schemas.microsoft.com/office/drawing/2010/main" w="9525">
+                <a14:hiddenLine xmlns:a14="http://schemas.microsoft.com/office/drawing/2010/main" xmlns:p14="http://schemas.microsoft.com/office/powerpoint/2010/main" xmlns:a16="http://schemas.microsoft.com/office/drawing/2014/main" xmlns="" w="9525">
                   <a:solidFill>
                     <a:srgbClr val="000000"/>
                   </a:solidFill>
@@ -27340,7 +27340,7 @@
             </a:ln>
             <a:extLst>
               <a:ext uri="{91240B29-F687-4f45-9708-019B960494DF}">
-                <a14:hiddenLine xmlns="" xmlns:a16="http://schemas.microsoft.com/office/drawing/2014/main" xmlns:p14="http://schemas.microsoft.com/office/powerpoint/2010/main" xmlns:a14="http://schemas.microsoft.com/office/drawing/2010/main" w="9525">
+                <a14:hiddenLine xmlns:a14="http://schemas.microsoft.com/office/drawing/2010/main" xmlns:p14="http://schemas.microsoft.com/office/powerpoint/2010/main" xmlns:a16="http://schemas.microsoft.com/office/drawing/2014/main" xmlns="" w="9525">
                   <a:solidFill>
                     <a:srgbClr val="000000"/>
                   </a:solidFill>
@@ -27420,7 +27420,7 @@
             </a:ln>
             <a:extLst>
               <a:ext uri="{91240B29-F687-4f45-9708-019B960494DF}">
-                <a14:hiddenLine xmlns="" xmlns:a16="http://schemas.microsoft.com/office/drawing/2014/main" xmlns:p14="http://schemas.microsoft.com/office/powerpoint/2010/main" xmlns:a14="http://schemas.microsoft.com/office/drawing/2010/main" w="9525">
+                <a14:hiddenLine xmlns:a14="http://schemas.microsoft.com/office/drawing/2010/main" xmlns:p14="http://schemas.microsoft.com/office/powerpoint/2010/main" xmlns:a16="http://schemas.microsoft.com/office/drawing/2014/main" xmlns="" w="9525">
                   <a:solidFill>
                     <a:srgbClr val="000000"/>
                   </a:solidFill>
@@ -27555,7 +27555,7 @@
             </a:ln>
             <a:extLst>
               <a:ext uri="{91240B29-F687-4f45-9708-019B960494DF}">
-                <a14:hiddenLine xmlns="" xmlns:a16="http://schemas.microsoft.com/office/drawing/2014/main" xmlns:p14="http://schemas.microsoft.com/office/powerpoint/2010/main" xmlns:a14="http://schemas.microsoft.com/office/drawing/2010/main" w="9525">
+                <a14:hiddenLine xmlns:a14="http://schemas.microsoft.com/office/drawing/2010/main" xmlns:p14="http://schemas.microsoft.com/office/powerpoint/2010/main" xmlns:a16="http://schemas.microsoft.com/office/drawing/2014/main" xmlns="" w="9525">
                   <a:solidFill>
                     <a:srgbClr val="000000"/>
                   </a:solidFill>
@@ -27751,7 +27751,7 @@
             </a:ln>
             <a:extLst>
               <a:ext uri="{91240B29-F687-4f45-9708-019B960494DF}">
-                <a14:hiddenLine xmlns="" xmlns:a16="http://schemas.microsoft.com/office/drawing/2014/main" xmlns:p14="http://schemas.microsoft.com/office/powerpoint/2010/main" xmlns:a14="http://schemas.microsoft.com/office/drawing/2010/main" w="9525">
+                <a14:hiddenLine xmlns:a14="http://schemas.microsoft.com/office/drawing/2010/main" xmlns:p14="http://schemas.microsoft.com/office/powerpoint/2010/main" xmlns:a16="http://schemas.microsoft.com/office/drawing/2014/main" xmlns="" w="9525">
                   <a:solidFill>
                     <a:srgbClr val="000000"/>
                   </a:solidFill>
@@ -27881,7 +27881,7 @@
             </a:ln>
             <a:extLst>
               <a:ext uri="{91240B29-F687-4f45-9708-019B960494DF}">
-                <a14:hiddenLine xmlns="" xmlns:a16="http://schemas.microsoft.com/office/drawing/2014/main" xmlns:p14="http://schemas.microsoft.com/office/powerpoint/2010/main" xmlns:a14="http://schemas.microsoft.com/office/drawing/2010/main" w="9525">
+                <a14:hiddenLine xmlns:a14="http://schemas.microsoft.com/office/drawing/2010/main" xmlns:p14="http://schemas.microsoft.com/office/powerpoint/2010/main" xmlns:a16="http://schemas.microsoft.com/office/drawing/2014/main" xmlns="" w="9525">
                   <a:solidFill>
                     <a:srgbClr val="000000"/>
                   </a:solidFill>
@@ -27986,7 +27986,7 @@
             </a:ln>
             <a:extLst>
               <a:ext uri="{91240B29-F687-4f45-9708-019B960494DF}">
-                <a14:hiddenLine xmlns="" xmlns:a16="http://schemas.microsoft.com/office/drawing/2014/main" xmlns:p14="http://schemas.microsoft.com/office/powerpoint/2010/main" xmlns:a14="http://schemas.microsoft.com/office/drawing/2010/main" w="9525">
+                <a14:hiddenLine xmlns:a14="http://schemas.microsoft.com/office/drawing/2010/main" xmlns:p14="http://schemas.microsoft.com/office/powerpoint/2010/main" xmlns:a16="http://schemas.microsoft.com/office/drawing/2014/main" xmlns="" w="9525">
                   <a:solidFill>
                     <a:srgbClr val="000000"/>
                   </a:solidFill>
@@ -28066,7 +28066,7 @@
             </a:ln>
             <a:extLst>
               <a:ext uri="{91240B29-F687-4f45-9708-019B960494DF}">
-                <a14:hiddenLine xmlns="" xmlns:a16="http://schemas.microsoft.com/office/drawing/2014/main" xmlns:p14="http://schemas.microsoft.com/office/powerpoint/2010/main" xmlns:a14="http://schemas.microsoft.com/office/drawing/2010/main" w="9525">
+                <a14:hiddenLine xmlns:a14="http://schemas.microsoft.com/office/drawing/2010/main" xmlns:p14="http://schemas.microsoft.com/office/powerpoint/2010/main" xmlns:a16="http://schemas.microsoft.com/office/drawing/2014/main" xmlns="" w="9525">
                   <a:solidFill>
                     <a:srgbClr val="000000"/>
                   </a:solidFill>
@@ -28171,7 +28171,7 @@
             </a:ln>
             <a:extLst>
               <a:ext uri="{91240B29-F687-4f45-9708-019B960494DF}">
-                <a14:hiddenLine xmlns="" xmlns:a16="http://schemas.microsoft.com/office/drawing/2014/main" xmlns:p14="http://schemas.microsoft.com/office/powerpoint/2010/main" xmlns:a14="http://schemas.microsoft.com/office/drawing/2010/main" w="9525">
+                <a14:hiddenLine xmlns:a14="http://schemas.microsoft.com/office/drawing/2010/main" xmlns:p14="http://schemas.microsoft.com/office/powerpoint/2010/main" xmlns:a16="http://schemas.microsoft.com/office/drawing/2014/main" xmlns="" w="9525">
                   <a:solidFill>
                     <a:srgbClr val="000000"/>
                   </a:solidFill>
@@ -28254,7 +28254,7 @@
             </a:ln>
             <a:extLst>
               <a:ext uri="{91240B29-F687-4f45-9708-019B960494DF}">
-                <a14:hiddenLine xmlns="" xmlns:a16="http://schemas.microsoft.com/office/drawing/2014/main" xmlns:p14="http://schemas.microsoft.com/office/powerpoint/2010/main" xmlns:a14="http://schemas.microsoft.com/office/drawing/2010/main" w="9525">
+                <a14:hiddenLine xmlns:a14="http://schemas.microsoft.com/office/drawing/2010/main" xmlns:p14="http://schemas.microsoft.com/office/powerpoint/2010/main" xmlns:a16="http://schemas.microsoft.com/office/drawing/2014/main" xmlns="" w="9525">
                   <a:solidFill>
                     <a:srgbClr val="000000"/>
                   </a:solidFill>
@@ -28359,7 +28359,7 @@
             </a:ln>
             <a:extLst>
               <a:ext uri="{91240B29-F687-4f45-9708-019B960494DF}">
-                <a14:hiddenLine xmlns="" xmlns:a16="http://schemas.microsoft.com/office/drawing/2014/main" xmlns:p14="http://schemas.microsoft.com/office/powerpoint/2010/main" xmlns:a14="http://schemas.microsoft.com/office/drawing/2010/main" w="9525">
+                <a14:hiddenLine xmlns:a14="http://schemas.microsoft.com/office/drawing/2010/main" xmlns:p14="http://schemas.microsoft.com/office/powerpoint/2010/main" xmlns:a16="http://schemas.microsoft.com/office/drawing/2014/main" xmlns="" w="9525">
                   <a:solidFill>
                     <a:srgbClr val="000000"/>
                   </a:solidFill>
@@ -28442,7 +28442,7 @@
             </a:ln>
             <a:extLst>
               <a:ext uri="{91240B29-F687-4f45-9708-019B960494DF}">
-                <a14:hiddenLine xmlns="" xmlns:a16="http://schemas.microsoft.com/office/drawing/2014/main" xmlns:p14="http://schemas.microsoft.com/office/powerpoint/2010/main" xmlns:a14="http://schemas.microsoft.com/office/drawing/2010/main" w="9525">
+                <a14:hiddenLine xmlns:a14="http://schemas.microsoft.com/office/drawing/2010/main" xmlns:p14="http://schemas.microsoft.com/office/powerpoint/2010/main" xmlns:a16="http://schemas.microsoft.com/office/drawing/2014/main" xmlns="" w="9525">
                   <a:solidFill>
                     <a:srgbClr val="000000"/>
                   </a:solidFill>
@@ -28547,7 +28547,7 @@
             </a:ln>
             <a:extLst>
               <a:ext uri="{91240B29-F687-4f45-9708-019B960494DF}">
-                <a14:hiddenLine xmlns="" xmlns:a16="http://schemas.microsoft.com/office/drawing/2014/main" xmlns:p14="http://schemas.microsoft.com/office/powerpoint/2010/main" xmlns:a14="http://schemas.microsoft.com/office/drawing/2010/main" w="9525">
+                <a14:hiddenLine xmlns:a14="http://schemas.microsoft.com/office/drawing/2010/main" xmlns:p14="http://schemas.microsoft.com/office/powerpoint/2010/main" xmlns:a16="http://schemas.microsoft.com/office/drawing/2014/main" xmlns="" w="9525">
                   <a:solidFill>
                     <a:srgbClr val="000000"/>
                   </a:solidFill>
@@ -28596,7 +28596,7 @@
             </a:ln>
             <a:extLst>
               <a:ext uri="{91240B29-F687-4f45-9708-019B960494DF}">
-                <a14:hiddenLine xmlns="" xmlns:a16="http://schemas.microsoft.com/office/drawing/2014/main" xmlns:p14="http://schemas.microsoft.com/office/powerpoint/2010/main" xmlns:a14="http://schemas.microsoft.com/office/drawing/2010/main" w="9525">
+                <a14:hiddenLine xmlns:a14="http://schemas.microsoft.com/office/drawing/2010/main" xmlns:p14="http://schemas.microsoft.com/office/powerpoint/2010/main" xmlns:a16="http://schemas.microsoft.com/office/drawing/2014/main" xmlns="" w="9525">
                   <a:solidFill>
                     <a:srgbClr val="000000"/>
                   </a:solidFill>
@@ -28718,7 +28718,7 @@
           <a:noFill/>
           <a:extLst>
             <a:ext uri="{909E8E84-426E-40dd-AFC4-6F175D3DCCD1}">
-              <a14:hiddenFill xmlns="" xmlns:a16="http://schemas.microsoft.com/office/drawing/2014/main" xmlns:p14="http://schemas.microsoft.com/office/powerpoint/2010/main" xmlns:a14="http://schemas.microsoft.com/office/drawing/2010/main">
+              <a14:hiddenFill xmlns:a14="http://schemas.microsoft.com/office/drawing/2010/main" xmlns:p14="http://schemas.microsoft.com/office/powerpoint/2010/main" xmlns:a16="http://schemas.microsoft.com/office/drawing/2014/main" xmlns="">
                 <a:solidFill>
                   <a:srgbClr val="FFFFFF"/>
                 </a:solidFill>
@@ -28809,7 +28809,7 @@
             </a:ln>
             <a:extLst>
               <a:ext uri="{91240B29-F687-4f45-9708-019B960494DF}">
-                <a14:hiddenLine xmlns="" xmlns:a16="http://schemas.microsoft.com/office/drawing/2014/main" xmlns:p14="http://schemas.microsoft.com/office/powerpoint/2010/main" xmlns:a14="http://schemas.microsoft.com/office/drawing/2010/main" w="9525">
+                <a14:hiddenLine xmlns:a14="http://schemas.microsoft.com/office/drawing/2010/main" xmlns:p14="http://schemas.microsoft.com/office/powerpoint/2010/main" xmlns:a16="http://schemas.microsoft.com/office/drawing/2014/main" xmlns="" w="9525">
                   <a:solidFill>
                     <a:srgbClr val="000000"/>
                   </a:solidFill>
@@ -28914,7 +28914,7 @@
             </a:ln>
             <a:extLst>
               <a:ext uri="{91240B29-F687-4f45-9708-019B960494DF}">
-                <a14:hiddenLine xmlns="" xmlns:a16="http://schemas.microsoft.com/office/drawing/2014/main" xmlns:p14="http://schemas.microsoft.com/office/powerpoint/2010/main" xmlns:a14="http://schemas.microsoft.com/office/drawing/2010/main" w="9525">
+                <a14:hiddenLine xmlns:a14="http://schemas.microsoft.com/office/drawing/2010/main" xmlns:p14="http://schemas.microsoft.com/office/powerpoint/2010/main" xmlns:a16="http://schemas.microsoft.com/office/drawing/2014/main" xmlns="" w="9525">
                   <a:solidFill>
                     <a:srgbClr val="000000"/>
                   </a:solidFill>
@@ -29019,7 +29019,7 @@
             </a:ln>
             <a:extLst>
               <a:ext uri="{91240B29-F687-4f45-9708-019B960494DF}">
-                <a14:hiddenLine xmlns="" xmlns:a16="http://schemas.microsoft.com/office/drawing/2014/main" xmlns:p14="http://schemas.microsoft.com/office/powerpoint/2010/main" xmlns:a14="http://schemas.microsoft.com/office/drawing/2010/main" w="9525">
+                <a14:hiddenLine xmlns:a14="http://schemas.microsoft.com/office/drawing/2010/main" xmlns:p14="http://schemas.microsoft.com/office/powerpoint/2010/main" xmlns:a16="http://schemas.microsoft.com/office/drawing/2014/main" xmlns="" w="9525">
                   <a:solidFill>
                     <a:srgbClr val="000000"/>
                   </a:solidFill>
@@ -29068,7 +29068,7 @@
             </a:ln>
             <a:extLst>
               <a:ext uri="{91240B29-F687-4f45-9708-019B960494DF}">
-                <a14:hiddenLine xmlns="" xmlns:a16="http://schemas.microsoft.com/office/drawing/2014/main" xmlns:p14="http://schemas.microsoft.com/office/powerpoint/2010/main" xmlns:a14="http://schemas.microsoft.com/office/drawing/2010/main" w="9525">
+                <a14:hiddenLine xmlns:a14="http://schemas.microsoft.com/office/drawing/2010/main" xmlns:p14="http://schemas.microsoft.com/office/powerpoint/2010/main" xmlns:a16="http://schemas.microsoft.com/office/drawing/2014/main" xmlns="" w="9525">
                   <a:solidFill>
                     <a:srgbClr val="000000"/>
                   </a:solidFill>
@@ -29173,7 +29173,7 @@
             </a:ln>
             <a:extLst>
               <a:ext uri="{91240B29-F687-4f45-9708-019B960494DF}">
-                <a14:hiddenLine xmlns="" xmlns:a16="http://schemas.microsoft.com/office/drawing/2014/main" xmlns:p14="http://schemas.microsoft.com/office/powerpoint/2010/main" xmlns:a14="http://schemas.microsoft.com/office/drawing/2010/main" w="9525">
+                <a14:hiddenLine xmlns:a14="http://schemas.microsoft.com/office/drawing/2010/main" xmlns:p14="http://schemas.microsoft.com/office/powerpoint/2010/main" xmlns:a16="http://schemas.microsoft.com/office/drawing/2014/main" xmlns="" w="9525">
                   <a:solidFill>
                     <a:srgbClr val="000000"/>
                   </a:solidFill>
@@ -29250,7 +29250,7 @@
             </a:ln>
             <a:extLst>
               <a:ext uri="{91240B29-F687-4f45-9708-019B960494DF}">
-                <a14:hiddenLine xmlns="" xmlns:a16="http://schemas.microsoft.com/office/drawing/2014/main" xmlns:p14="http://schemas.microsoft.com/office/powerpoint/2010/main" xmlns:a14="http://schemas.microsoft.com/office/drawing/2010/main" w="9525">
+                <a14:hiddenLine xmlns:a14="http://schemas.microsoft.com/office/drawing/2010/main" xmlns:p14="http://schemas.microsoft.com/office/powerpoint/2010/main" xmlns:a16="http://schemas.microsoft.com/office/drawing/2014/main" xmlns="" w="9525">
                   <a:solidFill>
                     <a:srgbClr val="000000"/>
                   </a:solidFill>
@@ -29327,7 +29327,7 @@
             </a:ln>
             <a:extLst>
               <a:ext uri="{91240B29-F687-4f45-9708-019B960494DF}">
-                <a14:hiddenLine xmlns="" xmlns:a16="http://schemas.microsoft.com/office/drawing/2014/main" xmlns:p14="http://schemas.microsoft.com/office/powerpoint/2010/main" xmlns:a14="http://schemas.microsoft.com/office/drawing/2010/main" w="9525">
+                <a14:hiddenLine xmlns:a14="http://schemas.microsoft.com/office/drawing/2010/main" xmlns:p14="http://schemas.microsoft.com/office/powerpoint/2010/main" xmlns:a16="http://schemas.microsoft.com/office/drawing/2014/main" xmlns="" w="9525">
                   <a:solidFill>
                     <a:srgbClr val="000000"/>
                   </a:solidFill>
@@ -29432,7 +29432,7 @@
             </a:ln>
             <a:extLst>
               <a:ext uri="{91240B29-F687-4f45-9708-019B960494DF}">
-                <a14:hiddenLine xmlns="" xmlns:a16="http://schemas.microsoft.com/office/drawing/2014/main" xmlns:p14="http://schemas.microsoft.com/office/powerpoint/2010/main" xmlns:a14="http://schemas.microsoft.com/office/drawing/2010/main" w="9525">
+                <a14:hiddenLine xmlns:a14="http://schemas.microsoft.com/office/drawing/2010/main" xmlns:p14="http://schemas.microsoft.com/office/powerpoint/2010/main" xmlns:a16="http://schemas.microsoft.com/office/drawing/2014/main" xmlns="" w="9525">
                   <a:solidFill>
                     <a:srgbClr val="000000"/>
                   </a:solidFill>
@@ -29509,7 +29509,7 @@
             </a:ln>
             <a:extLst>
               <a:ext uri="{91240B29-F687-4f45-9708-019B960494DF}">
-                <a14:hiddenLine xmlns="" xmlns:a16="http://schemas.microsoft.com/office/drawing/2014/main" xmlns:p14="http://schemas.microsoft.com/office/powerpoint/2010/main" xmlns:a14="http://schemas.microsoft.com/office/drawing/2010/main" w="9525">
+                <a14:hiddenLine xmlns:a14="http://schemas.microsoft.com/office/drawing/2010/main" xmlns:p14="http://schemas.microsoft.com/office/powerpoint/2010/main" xmlns:a16="http://schemas.microsoft.com/office/drawing/2014/main" xmlns="" w="9525">
                   <a:solidFill>
                     <a:srgbClr val="000000"/>
                   </a:solidFill>
@@ -29586,7 +29586,7 @@
             </a:ln>
             <a:extLst>
               <a:ext uri="{91240B29-F687-4f45-9708-019B960494DF}">
-                <a14:hiddenLine xmlns="" xmlns:a16="http://schemas.microsoft.com/office/drawing/2014/main" xmlns:p14="http://schemas.microsoft.com/office/powerpoint/2010/main" xmlns:a14="http://schemas.microsoft.com/office/drawing/2010/main" w="9525">
+                <a14:hiddenLine xmlns:a14="http://schemas.microsoft.com/office/drawing/2010/main" xmlns:p14="http://schemas.microsoft.com/office/powerpoint/2010/main" xmlns:a16="http://schemas.microsoft.com/office/drawing/2014/main" xmlns="" w="9525">
                   <a:solidFill>
                     <a:srgbClr val="000000"/>
                   </a:solidFill>
@@ -29691,7 +29691,7 @@
             </a:ln>
             <a:extLst>
               <a:ext uri="{91240B29-F687-4f45-9708-019B960494DF}">
-                <a14:hiddenLine xmlns="" xmlns:a16="http://schemas.microsoft.com/office/drawing/2014/main" xmlns:p14="http://schemas.microsoft.com/office/powerpoint/2010/main" xmlns:a14="http://schemas.microsoft.com/office/drawing/2010/main" w="9525">
+                <a14:hiddenLine xmlns:a14="http://schemas.microsoft.com/office/drawing/2010/main" xmlns:p14="http://schemas.microsoft.com/office/powerpoint/2010/main" xmlns:a16="http://schemas.microsoft.com/office/drawing/2014/main" xmlns="" w="9525">
                   <a:solidFill>
                     <a:srgbClr val="000000"/>
                   </a:solidFill>
@@ -29796,7 +29796,7 @@
             </a:ln>
             <a:extLst>
               <a:ext uri="{91240B29-F687-4f45-9708-019B960494DF}">
-                <a14:hiddenLine xmlns="" xmlns:a16="http://schemas.microsoft.com/office/drawing/2014/main" xmlns:p14="http://schemas.microsoft.com/office/powerpoint/2010/main" xmlns:a14="http://schemas.microsoft.com/office/drawing/2010/main" w="9525">
+                <a14:hiddenLine xmlns:a14="http://schemas.microsoft.com/office/drawing/2010/main" xmlns:p14="http://schemas.microsoft.com/office/powerpoint/2010/main" xmlns:a16="http://schemas.microsoft.com/office/drawing/2014/main" xmlns="" w="9525">
                   <a:solidFill>
                     <a:srgbClr val="000000"/>
                   </a:solidFill>
@@ -29873,7 +29873,7 @@
             </a:ln>
             <a:extLst>
               <a:ext uri="{91240B29-F687-4f45-9708-019B960494DF}">
-                <a14:hiddenLine xmlns="" xmlns:a16="http://schemas.microsoft.com/office/drawing/2014/main" xmlns:p14="http://schemas.microsoft.com/office/powerpoint/2010/main" xmlns:a14="http://schemas.microsoft.com/office/drawing/2010/main" w="9525">
+                <a14:hiddenLine xmlns:a14="http://schemas.microsoft.com/office/drawing/2010/main" xmlns:p14="http://schemas.microsoft.com/office/powerpoint/2010/main" xmlns:a16="http://schemas.microsoft.com/office/drawing/2014/main" xmlns="" w="9525">
                   <a:solidFill>
                     <a:srgbClr val="000000"/>
                   </a:solidFill>
@@ -29998,7 +29998,7 @@
             </a:ln>
             <a:extLst>
               <a:ext uri="{91240B29-F687-4f45-9708-019B960494DF}">
-                <a14:hiddenLine xmlns="" xmlns:a16="http://schemas.microsoft.com/office/drawing/2014/main" xmlns:p14="http://schemas.microsoft.com/office/powerpoint/2010/main" xmlns:a14="http://schemas.microsoft.com/office/drawing/2010/main" w="9525">
+                <a14:hiddenLine xmlns:a14="http://schemas.microsoft.com/office/drawing/2010/main" xmlns:p14="http://schemas.microsoft.com/office/powerpoint/2010/main" xmlns:a16="http://schemas.microsoft.com/office/drawing/2014/main" xmlns="" w="9525">
                   <a:solidFill>
                     <a:srgbClr val="000000"/>
                   </a:solidFill>
@@ -30075,7 +30075,7 @@
             </a:ln>
             <a:extLst>
               <a:ext uri="{91240B29-F687-4f45-9708-019B960494DF}">
-                <a14:hiddenLine xmlns="" xmlns:a16="http://schemas.microsoft.com/office/drawing/2014/main" xmlns:p14="http://schemas.microsoft.com/office/powerpoint/2010/main" xmlns:a14="http://schemas.microsoft.com/office/drawing/2010/main" w="9525">
+                <a14:hiddenLine xmlns:a14="http://schemas.microsoft.com/office/drawing/2010/main" xmlns:p14="http://schemas.microsoft.com/office/powerpoint/2010/main" xmlns:a16="http://schemas.microsoft.com/office/drawing/2014/main" xmlns="" w="9525">
                   <a:solidFill>
                     <a:srgbClr val="000000"/>
                   </a:solidFill>
@@ -30180,7 +30180,7 @@
             </a:ln>
             <a:extLst>
               <a:ext uri="{91240B29-F687-4f45-9708-019B960494DF}">
-                <a14:hiddenLine xmlns="" xmlns:a16="http://schemas.microsoft.com/office/drawing/2014/main" xmlns:p14="http://schemas.microsoft.com/office/powerpoint/2010/main" xmlns:a14="http://schemas.microsoft.com/office/drawing/2010/main" w="9525">
+                <a14:hiddenLine xmlns:a14="http://schemas.microsoft.com/office/drawing/2010/main" xmlns:p14="http://schemas.microsoft.com/office/powerpoint/2010/main" xmlns:a16="http://schemas.microsoft.com/office/drawing/2014/main" xmlns="" w="9525">
                   <a:solidFill>
                     <a:srgbClr val="000000"/>
                   </a:solidFill>
@@ -30285,7 +30285,7 @@
             </a:ln>
             <a:extLst>
               <a:ext uri="{91240B29-F687-4f45-9708-019B960494DF}">
-                <a14:hiddenLine xmlns="" xmlns:a16="http://schemas.microsoft.com/office/drawing/2014/main" xmlns:p14="http://schemas.microsoft.com/office/powerpoint/2010/main" xmlns:a14="http://schemas.microsoft.com/office/drawing/2010/main" w="9525">
+                <a14:hiddenLine xmlns:a14="http://schemas.microsoft.com/office/drawing/2010/main" xmlns:p14="http://schemas.microsoft.com/office/powerpoint/2010/main" xmlns:a16="http://schemas.microsoft.com/office/drawing/2014/main" xmlns="" w="9525">
                   <a:solidFill>
                     <a:srgbClr val="000000"/>
                   </a:solidFill>
@@ -30362,7 +30362,7 @@
             </a:ln>
             <a:extLst>
               <a:ext uri="{91240B29-F687-4f45-9708-019B960494DF}">
-                <a14:hiddenLine xmlns="" xmlns:a16="http://schemas.microsoft.com/office/drawing/2014/main" xmlns:p14="http://schemas.microsoft.com/office/powerpoint/2010/main" xmlns:a14="http://schemas.microsoft.com/office/drawing/2010/main" w="9525">
+                <a14:hiddenLine xmlns:a14="http://schemas.microsoft.com/office/drawing/2010/main" xmlns:p14="http://schemas.microsoft.com/office/powerpoint/2010/main" xmlns:a16="http://schemas.microsoft.com/office/drawing/2014/main" xmlns="" w="9525">
                   <a:solidFill>
                     <a:srgbClr val="000000"/>
                   </a:solidFill>
@@ -30467,7 +30467,7 @@
             </a:ln>
             <a:extLst>
               <a:ext uri="{91240B29-F687-4f45-9708-019B960494DF}">
-                <a14:hiddenLine xmlns="" xmlns:a16="http://schemas.microsoft.com/office/drawing/2014/main" xmlns:p14="http://schemas.microsoft.com/office/powerpoint/2010/main" xmlns:a14="http://schemas.microsoft.com/office/drawing/2010/main" w="9525">
+                <a14:hiddenLine xmlns:a14="http://schemas.microsoft.com/office/drawing/2010/main" xmlns:p14="http://schemas.microsoft.com/office/powerpoint/2010/main" xmlns:a16="http://schemas.microsoft.com/office/drawing/2014/main" xmlns="" w="9525">
                   <a:solidFill>
                     <a:srgbClr val="000000"/>
                   </a:solidFill>
@@ -30572,7 +30572,7 @@
             </a:ln>
             <a:extLst>
               <a:ext uri="{91240B29-F687-4f45-9708-019B960494DF}">
-                <a14:hiddenLine xmlns="" xmlns:a16="http://schemas.microsoft.com/office/drawing/2014/main" xmlns:p14="http://schemas.microsoft.com/office/powerpoint/2010/main" xmlns:a14="http://schemas.microsoft.com/office/drawing/2010/main" w="9525">
+                <a14:hiddenLine xmlns:a14="http://schemas.microsoft.com/office/drawing/2010/main" xmlns:p14="http://schemas.microsoft.com/office/powerpoint/2010/main" xmlns:a16="http://schemas.microsoft.com/office/drawing/2014/main" xmlns="" w="9525">
                   <a:solidFill>
                     <a:srgbClr val="000000"/>
                   </a:solidFill>
@@ -30643,7 +30643,7 @@
             </a:ln>
             <a:extLst>
               <a:ext uri="{91240B29-F687-4f45-9708-019B960494DF}">
-                <a14:hiddenLine xmlns="" xmlns:a16="http://schemas.microsoft.com/office/drawing/2014/main" xmlns:p14="http://schemas.microsoft.com/office/powerpoint/2010/main" xmlns:a14="http://schemas.microsoft.com/office/drawing/2010/main" w="9525">
+                <a14:hiddenLine xmlns:a14="http://schemas.microsoft.com/office/drawing/2010/main" xmlns:p14="http://schemas.microsoft.com/office/powerpoint/2010/main" xmlns:a16="http://schemas.microsoft.com/office/drawing/2014/main" xmlns="" w="9525">
                   <a:solidFill>
                     <a:srgbClr val="000000"/>
                   </a:solidFill>
@@ -30748,7 +30748,7 @@
             </a:ln>
             <a:extLst>
               <a:ext uri="{91240B29-F687-4f45-9708-019B960494DF}">
-                <a14:hiddenLine xmlns="" xmlns:a16="http://schemas.microsoft.com/office/drawing/2014/main" xmlns:p14="http://schemas.microsoft.com/office/powerpoint/2010/main" xmlns:a14="http://schemas.microsoft.com/office/drawing/2010/main" w="9525">
+                <a14:hiddenLine xmlns:a14="http://schemas.microsoft.com/office/drawing/2010/main" xmlns:p14="http://schemas.microsoft.com/office/powerpoint/2010/main" xmlns:a16="http://schemas.microsoft.com/office/drawing/2014/main" xmlns="" w="9525">
                   <a:solidFill>
                     <a:srgbClr val="000000"/>
                   </a:solidFill>
@@ -30819,7 +30819,7 @@
             </a:ln>
             <a:extLst>
               <a:ext uri="{91240B29-F687-4f45-9708-019B960494DF}">
-                <a14:hiddenLine xmlns="" xmlns:a16="http://schemas.microsoft.com/office/drawing/2014/main" xmlns:p14="http://schemas.microsoft.com/office/powerpoint/2010/main" xmlns:a14="http://schemas.microsoft.com/office/drawing/2010/main" w="9525">
+                <a14:hiddenLine xmlns:a14="http://schemas.microsoft.com/office/drawing/2010/main" xmlns:p14="http://schemas.microsoft.com/office/powerpoint/2010/main" xmlns:a16="http://schemas.microsoft.com/office/drawing/2014/main" xmlns="" w="9525">
                   <a:solidFill>
                     <a:srgbClr val="000000"/>
                   </a:solidFill>
@@ -30924,7 +30924,7 @@
             </a:ln>
             <a:extLst>
               <a:ext uri="{91240B29-F687-4f45-9708-019B960494DF}">
-                <a14:hiddenLine xmlns="" xmlns:a16="http://schemas.microsoft.com/office/drawing/2014/main" xmlns:p14="http://schemas.microsoft.com/office/powerpoint/2010/main" xmlns:a14="http://schemas.microsoft.com/office/drawing/2010/main" w="9525">
+                <a14:hiddenLine xmlns:a14="http://schemas.microsoft.com/office/drawing/2010/main" xmlns:p14="http://schemas.microsoft.com/office/powerpoint/2010/main" xmlns:a16="http://schemas.microsoft.com/office/drawing/2014/main" xmlns="" w="9525">
                   <a:solidFill>
                     <a:srgbClr val="000000"/>
                   </a:solidFill>
@@ -31007,7 +31007,7 @@
             </a:ln>
             <a:extLst>
               <a:ext uri="{91240B29-F687-4f45-9708-019B960494DF}">
-                <a14:hiddenLine xmlns="" xmlns:a16="http://schemas.microsoft.com/office/drawing/2014/main" xmlns:p14="http://schemas.microsoft.com/office/powerpoint/2010/main" xmlns:a14="http://schemas.microsoft.com/office/drawing/2010/main" w="9525">
+                <a14:hiddenLine xmlns:a14="http://schemas.microsoft.com/office/drawing/2010/main" xmlns:p14="http://schemas.microsoft.com/office/powerpoint/2010/main" xmlns:a16="http://schemas.microsoft.com/office/drawing/2014/main" xmlns="" w="9525">
                   <a:solidFill>
                     <a:srgbClr val="000000"/>
                   </a:solidFill>
@@ -31112,7 +31112,7 @@
             </a:ln>
             <a:extLst>
               <a:ext uri="{91240B29-F687-4f45-9708-019B960494DF}">
-                <a14:hiddenLine xmlns="" xmlns:a16="http://schemas.microsoft.com/office/drawing/2014/main" xmlns:p14="http://schemas.microsoft.com/office/powerpoint/2010/main" xmlns:a14="http://schemas.microsoft.com/office/drawing/2010/main" w="9525">
+                <a14:hiddenLine xmlns:a14="http://schemas.microsoft.com/office/drawing/2010/main" xmlns:p14="http://schemas.microsoft.com/office/powerpoint/2010/main" xmlns:a16="http://schemas.microsoft.com/office/drawing/2014/main" xmlns="" w="9525">
                   <a:solidFill>
                     <a:srgbClr val="000000"/>
                   </a:solidFill>
@@ -31195,7 +31195,7 @@
             </a:ln>
             <a:extLst>
               <a:ext uri="{91240B29-F687-4f45-9708-019B960494DF}">
-                <a14:hiddenLine xmlns="" xmlns:a16="http://schemas.microsoft.com/office/drawing/2014/main" xmlns:p14="http://schemas.microsoft.com/office/powerpoint/2010/main" xmlns:a14="http://schemas.microsoft.com/office/drawing/2010/main" w="9525">
+                <a14:hiddenLine xmlns:a14="http://schemas.microsoft.com/office/drawing/2010/main" xmlns:p14="http://schemas.microsoft.com/office/powerpoint/2010/main" xmlns:a16="http://schemas.microsoft.com/office/drawing/2014/main" xmlns="" w="9525">
                   <a:solidFill>
                     <a:srgbClr val="000000"/>
                   </a:solidFill>
@@ -31300,7 +31300,7 @@
             </a:ln>
             <a:extLst>
               <a:ext uri="{91240B29-F687-4f45-9708-019B960494DF}">
-                <a14:hiddenLine xmlns="" xmlns:a16="http://schemas.microsoft.com/office/drawing/2014/main" xmlns:p14="http://schemas.microsoft.com/office/powerpoint/2010/main" xmlns:a14="http://schemas.microsoft.com/office/drawing/2010/main" w="9525">
+                <a14:hiddenLine xmlns:a14="http://schemas.microsoft.com/office/drawing/2010/main" xmlns:p14="http://schemas.microsoft.com/office/powerpoint/2010/main" xmlns:a16="http://schemas.microsoft.com/office/drawing/2014/main" xmlns="" w="9525">
                   <a:solidFill>
                     <a:srgbClr val="000000"/>
                   </a:solidFill>
@@ -31349,7 +31349,7 @@
             </a:ln>
             <a:extLst>
               <a:ext uri="{91240B29-F687-4f45-9708-019B960494DF}">
-                <a14:hiddenLine xmlns="" xmlns:a16="http://schemas.microsoft.com/office/drawing/2014/main" xmlns:p14="http://schemas.microsoft.com/office/powerpoint/2010/main" xmlns:a14="http://schemas.microsoft.com/office/drawing/2010/main" w="9525">
+                <a14:hiddenLine xmlns:a14="http://schemas.microsoft.com/office/drawing/2010/main" xmlns:p14="http://schemas.microsoft.com/office/powerpoint/2010/main" xmlns:a16="http://schemas.microsoft.com/office/drawing/2014/main" xmlns="" w="9525">
                   <a:solidFill>
                     <a:srgbClr val="000000"/>
                   </a:solidFill>
@@ -31454,7 +31454,7 @@
             </a:ln>
             <a:extLst>
               <a:ext uri="{91240B29-F687-4f45-9708-019B960494DF}">
-                <a14:hiddenLine xmlns="" xmlns:a16="http://schemas.microsoft.com/office/drawing/2014/main" xmlns:p14="http://schemas.microsoft.com/office/powerpoint/2010/main" xmlns:a14="http://schemas.microsoft.com/office/drawing/2010/main" w="9525">
+                <a14:hiddenLine xmlns:a14="http://schemas.microsoft.com/office/drawing/2010/main" xmlns:p14="http://schemas.microsoft.com/office/powerpoint/2010/main" xmlns:a16="http://schemas.microsoft.com/office/drawing/2014/main" xmlns="" w="9525">
                   <a:solidFill>
                     <a:srgbClr val="000000"/>
                   </a:solidFill>
@@ -31531,7 +31531,7 @@
             </a:ln>
             <a:extLst>
               <a:ext uri="{91240B29-F687-4f45-9708-019B960494DF}">
-                <a14:hiddenLine xmlns="" xmlns:a16="http://schemas.microsoft.com/office/drawing/2014/main" xmlns:p14="http://schemas.microsoft.com/office/powerpoint/2010/main" xmlns:a14="http://schemas.microsoft.com/office/drawing/2010/main" w="9525">
+                <a14:hiddenLine xmlns:a14="http://schemas.microsoft.com/office/drawing/2010/main" xmlns:p14="http://schemas.microsoft.com/office/powerpoint/2010/main" xmlns:a16="http://schemas.microsoft.com/office/drawing/2014/main" xmlns="" w="9525">
                   <a:solidFill>
                     <a:srgbClr val="000000"/>
                   </a:solidFill>
@@ -31608,7 +31608,7 @@
             </a:ln>
             <a:extLst>
               <a:ext uri="{91240B29-F687-4f45-9708-019B960494DF}">
-                <a14:hiddenLine xmlns="" xmlns:a16="http://schemas.microsoft.com/office/drawing/2014/main" xmlns:p14="http://schemas.microsoft.com/office/powerpoint/2010/main" xmlns:a14="http://schemas.microsoft.com/office/drawing/2010/main" w="9525">
+                <a14:hiddenLine xmlns:a14="http://schemas.microsoft.com/office/drawing/2010/main" xmlns:p14="http://schemas.microsoft.com/office/powerpoint/2010/main" xmlns:a16="http://schemas.microsoft.com/office/drawing/2014/main" xmlns="" w="9525">
                   <a:solidFill>
                     <a:srgbClr val="000000"/>
                   </a:solidFill>
@@ -31713,7 +31713,7 @@
             </a:ln>
             <a:extLst>
               <a:ext uri="{91240B29-F687-4f45-9708-019B960494DF}">
-                <a14:hiddenLine xmlns="" xmlns:a16="http://schemas.microsoft.com/office/drawing/2014/main" xmlns:p14="http://schemas.microsoft.com/office/powerpoint/2010/main" xmlns:a14="http://schemas.microsoft.com/office/drawing/2010/main" w="9525">
+                <a14:hiddenLine xmlns:a14="http://schemas.microsoft.com/office/drawing/2010/main" xmlns:p14="http://schemas.microsoft.com/office/powerpoint/2010/main" xmlns:a16="http://schemas.microsoft.com/office/drawing/2014/main" xmlns="" w="9525">
                   <a:solidFill>
                     <a:srgbClr val="000000"/>
                   </a:solidFill>
@@ -31796,7 +31796,7 @@
             </a:ln>
             <a:extLst>
               <a:ext uri="{91240B29-F687-4f45-9708-019B960494DF}">
-                <a14:hiddenLine xmlns="" xmlns:a16="http://schemas.microsoft.com/office/drawing/2014/main" xmlns:p14="http://schemas.microsoft.com/office/powerpoint/2010/main" xmlns:a14="http://schemas.microsoft.com/office/drawing/2010/main" w="9525">
+                <a14:hiddenLine xmlns:a14="http://schemas.microsoft.com/office/drawing/2010/main" xmlns:p14="http://schemas.microsoft.com/office/powerpoint/2010/main" xmlns:a16="http://schemas.microsoft.com/office/drawing/2014/main" xmlns="" w="9525">
                   <a:solidFill>
                     <a:srgbClr val="000000"/>
                   </a:solidFill>
@@ -31873,7 +31873,7 @@
             </a:ln>
             <a:extLst>
               <a:ext uri="{91240B29-F687-4f45-9708-019B960494DF}">
-                <a14:hiddenLine xmlns="" xmlns:a16="http://schemas.microsoft.com/office/drawing/2014/main" xmlns:p14="http://schemas.microsoft.com/office/powerpoint/2010/main" xmlns:a14="http://schemas.microsoft.com/office/drawing/2010/main" w="9525">
+                <a14:hiddenLine xmlns:a14="http://schemas.microsoft.com/office/drawing/2010/main" xmlns:p14="http://schemas.microsoft.com/office/powerpoint/2010/main" xmlns:a16="http://schemas.microsoft.com/office/drawing/2014/main" xmlns="" w="9525">
                   <a:solidFill>
                     <a:srgbClr val="000000"/>
                   </a:solidFill>
@@ -31978,7 +31978,7 @@
             </a:ln>
             <a:extLst>
               <a:ext uri="{91240B29-F687-4f45-9708-019B960494DF}">
-                <a14:hiddenLine xmlns="" xmlns:a16="http://schemas.microsoft.com/office/drawing/2014/main" xmlns:p14="http://schemas.microsoft.com/office/powerpoint/2010/main" xmlns:a14="http://schemas.microsoft.com/office/drawing/2010/main" w="9525">
+                <a14:hiddenLine xmlns:a14="http://schemas.microsoft.com/office/drawing/2010/main" xmlns:p14="http://schemas.microsoft.com/office/powerpoint/2010/main" xmlns:a16="http://schemas.microsoft.com/office/drawing/2014/main" xmlns="" w="9525">
                   <a:solidFill>
                     <a:srgbClr val="000000"/>
                   </a:solidFill>
@@ -32055,7 +32055,7 @@
             </a:ln>
             <a:extLst>
               <a:ext uri="{91240B29-F687-4f45-9708-019B960494DF}">
-                <a14:hiddenLine xmlns="" xmlns:a16="http://schemas.microsoft.com/office/drawing/2014/main" xmlns:p14="http://schemas.microsoft.com/office/powerpoint/2010/main" xmlns:a14="http://schemas.microsoft.com/office/drawing/2010/main" w="9525">
+                <a14:hiddenLine xmlns:a14="http://schemas.microsoft.com/office/drawing/2010/main" xmlns:p14="http://schemas.microsoft.com/office/powerpoint/2010/main" xmlns:a16="http://schemas.microsoft.com/office/drawing/2014/main" xmlns="" w="9525">
                   <a:solidFill>
                     <a:srgbClr val="000000"/>
                   </a:solidFill>
@@ -32160,7 +32160,7 @@
             </a:ln>
             <a:extLst>
               <a:ext uri="{91240B29-F687-4f45-9708-019B960494DF}">
-                <a14:hiddenLine xmlns="" xmlns:a16="http://schemas.microsoft.com/office/drawing/2014/main" xmlns:p14="http://schemas.microsoft.com/office/powerpoint/2010/main" xmlns:a14="http://schemas.microsoft.com/office/drawing/2010/main" w="9525">
+                <a14:hiddenLine xmlns:a14="http://schemas.microsoft.com/office/drawing/2010/main" xmlns:p14="http://schemas.microsoft.com/office/powerpoint/2010/main" xmlns:a16="http://schemas.microsoft.com/office/drawing/2014/main" xmlns="" w="9525">
                   <a:solidFill>
                     <a:srgbClr val="000000"/>
                   </a:solidFill>
@@ -32237,7 +32237,7 @@
             </a:ln>
             <a:extLst>
               <a:ext uri="{91240B29-F687-4f45-9708-019B960494DF}">
-                <a14:hiddenLine xmlns="" xmlns:a16="http://schemas.microsoft.com/office/drawing/2014/main" xmlns:p14="http://schemas.microsoft.com/office/powerpoint/2010/main" xmlns:a14="http://schemas.microsoft.com/office/drawing/2010/main" w="9525">
+                <a14:hiddenLine xmlns:a14="http://schemas.microsoft.com/office/drawing/2010/main" xmlns:p14="http://schemas.microsoft.com/office/powerpoint/2010/main" xmlns:a16="http://schemas.microsoft.com/office/drawing/2014/main" xmlns="" w="9525">
                   <a:solidFill>
                     <a:srgbClr val="000000"/>
                   </a:solidFill>
@@ -32342,7 +32342,7 @@
             </a:ln>
             <a:extLst>
               <a:ext uri="{91240B29-F687-4f45-9708-019B960494DF}">
-                <a14:hiddenLine xmlns="" xmlns:a16="http://schemas.microsoft.com/office/drawing/2014/main" xmlns:p14="http://schemas.microsoft.com/office/powerpoint/2010/main" xmlns:a14="http://schemas.microsoft.com/office/drawing/2010/main" w="9525">
+                <a14:hiddenLine xmlns:a14="http://schemas.microsoft.com/office/drawing/2010/main" xmlns:p14="http://schemas.microsoft.com/office/powerpoint/2010/main" xmlns:a16="http://schemas.microsoft.com/office/drawing/2014/main" xmlns="" w="9525">
                   <a:solidFill>
                     <a:srgbClr val="000000"/>
                   </a:solidFill>
@@ -32391,7 +32391,7 @@
             </a:ln>
             <a:extLst>
               <a:ext uri="{91240B29-F687-4f45-9708-019B960494DF}">
-                <a14:hiddenLine xmlns="" xmlns:a16="http://schemas.microsoft.com/office/drawing/2014/main" xmlns:p14="http://schemas.microsoft.com/office/powerpoint/2010/main" xmlns:a14="http://schemas.microsoft.com/office/drawing/2010/main" w="9525">
+                <a14:hiddenLine xmlns:a14="http://schemas.microsoft.com/office/drawing/2010/main" xmlns:p14="http://schemas.microsoft.com/office/powerpoint/2010/main" xmlns:a16="http://schemas.microsoft.com/office/drawing/2014/main" xmlns="" w="9525">
                   <a:solidFill>
                     <a:srgbClr val="000000"/>
                   </a:solidFill>
@@ -32471,7 +32471,7 @@
             </a:ln>
             <a:extLst>
               <a:ext uri="{91240B29-F687-4f45-9708-019B960494DF}">
-                <a14:hiddenLine xmlns="" xmlns:a16="http://schemas.microsoft.com/office/drawing/2014/main" xmlns:p14="http://schemas.microsoft.com/office/powerpoint/2010/main" xmlns:a14="http://schemas.microsoft.com/office/drawing/2010/main" w="9525">
+                <a14:hiddenLine xmlns:a14="http://schemas.microsoft.com/office/drawing/2010/main" xmlns:p14="http://schemas.microsoft.com/office/powerpoint/2010/main" xmlns:a16="http://schemas.microsoft.com/office/drawing/2014/main" xmlns="" w="9525">
                   <a:solidFill>
                     <a:srgbClr val="000000"/>
                   </a:solidFill>
@@ -32576,7 +32576,7 @@
             </a:ln>
             <a:extLst>
               <a:ext uri="{91240B29-F687-4f45-9708-019B960494DF}">
-                <a14:hiddenLine xmlns="" xmlns:a16="http://schemas.microsoft.com/office/drawing/2014/main" xmlns:p14="http://schemas.microsoft.com/office/powerpoint/2010/main" xmlns:a14="http://schemas.microsoft.com/office/drawing/2010/main" w="9525">
+                <a14:hiddenLine xmlns:a14="http://schemas.microsoft.com/office/drawing/2010/main" xmlns:p14="http://schemas.microsoft.com/office/powerpoint/2010/main" xmlns:a16="http://schemas.microsoft.com/office/drawing/2014/main" xmlns="" w="9525">
                   <a:solidFill>
                     <a:srgbClr val="000000"/>
                   </a:solidFill>
@@ -32653,7 +32653,7 @@
             </a:ln>
             <a:extLst>
               <a:ext uri="{91240B29-F687-4f45-9708-019B960494DF}">
-                <a14:hiddenLine xmlns="" xmlns:a16="http://schemas.microsoft.com/office/drawing/2014/main" xmlns:p14="http://schemas.microsoft.com/office/powerpoint/2010/main" xmlns:a14="http://schemas.microsoft.com/office/drawing/2010/main" w="9525">
+                <a14:hiddenLine xmlns:a14="http://schemas.microsoft.com/office/drawing/2010/main" xmlns:p14="http://schemas.microsoft.com/office/powerpoint/2010/main" xmlns:a16="http://schemas.microsoft.com/office/drawing/2014/main" xmlns="" w="9525">
                   <a:solidFill>
                     <a:srgbClr val="000000"/>
                   </a:solidFill>
@@ -32758,7 +32758,7 @@
             </a:ln>
             <a:extLst>
               <a:ext uri="{91240B29-F687-4f45-9708-019B960494DF}">
-                <a14:hiddenLine xmlns="" xmlns:a16="http://schemas.microsoft.com/office/drawing/2014/main" xmlns:p14="http://schemas.microsoft.com/office/powerpoint/2010/main" xmlns:a14="http://schemas.microsoft.com/office/drawing/2010/main" w="9525">
+                <a14:hiddenLine xmlns:a14="http://schemas.microsoft.com/office/drawing/2010/main" xmlns:p14="http://schemas.microsoft.com/office/powerpoint/2010/main" xmlns:a16="http://schemas.microsoft.com/office/drawing/2014/main" xmlns="" w="9525">
                   <a:solidFill>
                     <a:srgbClr val="000000"/>
                   </a:solidFill>
@@ -32863,7 +32863,7 @@
             </a:ln>
             <a:extLst>
               <a:ext uri="{91240B29-F687-4f45-9708-019B960494DF}">
-                <a14:hiddenLine xmlns="" xmlns:a16="http://schemas.microsoft.com/office/drawing/2014/main" xmlns:p14="http://schemas.microsoft.com/office/powerpoint/2010/main" xmlns:a14="http://schemas.microsoft.com/office/drawing/2010/main" w="9525">
+                <a14:hiddenLine xmlns:a14="http://schemas.microsoft.com/office/drawing/2010/main" xmlns:p14="http://schemas.microsoft.com/office/powerpoint/2010/main" xmlns:a16="http://schemas.microsoft.com/office/drawing/2014/main" xmlns="" w="9525">
                   <a:solidFill>
                     <a:srgbClr val="000000"/>
                   </a:solidFill>
@@ -32943,7 +32943,7 @@
             </a:ln>
             <a:extLst>
               <a:ext uri="{91240B29-F687-4f45-9708-019B960494DF}">
-                <a14:hiddenLine xmlns="" xmlns:a16="http://schemas.microsoft.com/office/drawing/2014/main" xmlns:p14="http://schemas.microsoft.com/office/powerpoint/2010/main" xmlns:a14="http://schemas.microsoft.com/office/drawing/2010/main" w="9525">
+                <a14:hiddenLine xmlns:a14="http://schemas.microsoft.com/office/drawing/2010/main" xmlns:p14="http://schemas.microsoft.com/office/powerpoint/2010/main" xmlns:a16="http://schemas.microsoft.com/office/drawing/2014/main" xmlns="" w="9525">
                   <a:solidFill>
                     <a:srgbClr val="000000"/>
                   </a:solidFill>
@@ -33020,7 +33020,7 @@
             </a:ln>
             <a:extLst>
               <a:ext uri="{91240B29-F687-4f45-9708-019B960494DF}">
-                <a14:hiddenLine xmlns="" xmlns:a16="http://schemas.microsoft.com/office/drawing/2014/main" xmlns:p14="http://schemas.microsoft.com/office/powerpoint/2010/main" xmlns:a14="http://schemas.microsoft.com/office/drawing/2010/main" w="9525">
+                <a14:hiddenLine xmlns:a14="http://schemas.microsoft.com/office/drawing/2010/main" xmlns:p14="http://schemas.microsoft.com/office/powerpoint/2010/main" xmlns:a16="http://schemas.microsoft.com/office/drawing/2014/main" xmlns="" w="9525">
                   <a:solidFill>
                     <a:srgbClr val="000000"/>
                   </a:solidFill>
@@ -33125,7 +33125,7 @@
             </a:ln>
             <a:extLst>
               <a:ext uri="{91240B29-F687-4f45-9708-019B960494DF}">
-                <a14:hiddenLine xmlns="" xmlns:a16="http://schemas.microsoft.com/office/drawing/2014/main" xmlns:p14="http://schemas.microsoft.com/office/powerpoint/2010/main" xmlns:a14="http://schemas.microsoft.com/office/drawing/2010/main" w="9525">
+                <a14:hiddenLine xmlns:a14="http://schemas.microsoft.com/office/drawing/2010/main" xmlns:p14="http://schemas.microsoft.com/office/powerpoint/2010/main" xmlns:a16="http://schemas.microsoft.com/office/drawing/2014/main" xmlns="" w="9525">
                   <a:solidFill>
                     <a:srgbClr val="000000"/>
                   </a:solidFill>
@@ -33230,7 +33230,7 @@
             </a:ln>
             <a:extLst>
               <a:ext uri="{91240B29-F687-4f45-9708-019B960494DF}">
-                <a14:hiddenLine xmlns="" xmlns:a16="http://schemas.microsoft.com/office/drawing/2014/main" xmlns:p14="http://schemas.microsoft.com/office/powerpoint/2010/main" xmlns:a14="http://schemas.microsoft.com/office/drawing/2010/main" w="9525">
+                <a14:hiddenLine xmlns:a14="http://schemas.microsoft.com/office/drawing/2010/main" xmlns:p14="http://schemas.microsoft.com/office/powerpoint/2010/main" xmlns:a16="http://schemas.microsoft.com/office/drawing/2014/main" xmlns="" w="9525">
                   <a:solidFill>
                     <a:srgbClr val="000000"/>
                   </a:solidFill>
@@ -33307,7 +33307,7 @@
             </a:ln>
             <a:extLst>
               <a:ext uri="{91240B29-F687-4f45-9708-019B960494DF}">
-                <a14:hiddenLine xmlns="" xmlns:a16="http://schemas.microsoft.com/office/drawing/2014/main" xmlns:p14="http://schemas.microsoft.com/office/powerpoint/2010/main" xmlns:a14="http://schemas.microsoft.com/office/drawing/2010/main" w="9525">
+                <a14:hiddenLine xmlns:a14="http://schemas.microsoft.com/office/drawing/2010/main" xmlns:p14="http://schemas.microsoft.com/office/powerpoint/2010/main" xmlns:a16="http://schemas.microsoft.com/office/drawing/2014/main" xmlns="" w="9525">
                   <a:solidFill>
                     <a:srgbClr val="000000"/>
                   </a:solidFill>
@@ -33442,7 +33442,7 @@
             </a:ln>
             <a:extLst>
               <a:ext uri="{91240B29-F687-4f45-9708-019B960494DF}">
-                <a14:hiddenLine xmlns="" xmlns:a16="http://schemas.microsoft.com/office/drawing/2014/main" xmlns:p14="http://schemas.microsoft.com/office/powerpoint/2010/main" xmlns:a14="http://schemas.microsoft.com/office/drawing/2010/main" w="9525">
+                <a14:hiddenLine xmlns:a14="http://schemas.microsoft.com/office/drawing/2010/main" xmlns:p14="http://schemas.microsoft.com/office/powerpoint/2010/main" xmlns:a16="http://schemas.microsoft.com/office/drawing/2014/main" xmlns="" w="9525">
                   <a:solidFill>
                     <a:srgbClr val="000000"/>
                   </a:solidFill>
@@ -33525,7 +33525,7 @@
             </a:ln>
             <a:extLst>
               <a:ext uri="{91240B29-F687-4f45-9708-019B960494DF}">
-                <a14:hiddenLine xmlns="" xmlns:a16="http://schemas.microsoft.com/office/drawing/2014/main" xmlns:p14="http://schemas.microsoft.com/office/powerpoint/2010/main" xmlns:a14="http://schemas.microsoft.com/office/drawing/2010/main" w="9525">
+                <a14:hiddenLine xmlns:a14="http://schemas.microsoft.com/office/drawing/2010/main" xmlns:p14="http://schemas.microsoft.com/office/powerpoint/2010/main" xmlns:a16="http://schemas.microsoft.com/office/drawing/2014/main" xmlns="" w="9525">
                   <a:solidFill>
                     <a:srgbClr val="000000"/>
                   </a:solidFill>
@@ -33630,7 +33630,7 @@
             </a:ln>
             <a:extLst>
               <a:ext uri="{91240B29-F687-4f45-9708-019B960494DF}">
-                <a14:hiddenLine xmlns="" xmlns:a16="http://schemas.microsoft.com/office/drawing/2014/main" xmlns:p14="http://schemas.microsoft.com/office/powerpoint/2010/main" xmlns:a14="http://schemas.microsoft.com/office/drawing/2010/main" w="9525">
+                <a14:hiddenLine xmlns:a14="http://schemas.microsoft.com/office/drawing/2010/main" xmlns:p14="http://schemas.microsoft.com/office/powerpoint/2010/main" xmlns:a16="http://schemas.microsoft.com/office/drawing/2014/main" xmlns="" w="9525">
                   <a:solidFill>
                     <a:srgbClr val="000000"/>
                   </a:solidFill>
@@ -35120,7 +35120,7 @@
           <a:noFill/>
           <a:extLst>
             <a:ext uri="{909E8E84-426E-40dd-AFC4-6F175D3DCCD1}">
-              <a14:hiddenFill xmlns="" xmlns:a16="http://schemas.microsoft.com/office/drawing/2014/main" xmlns:a14="http://schemas.microsoft.com/office/drawing/2010/main" xmlns:p14="http://schemas.microsoft.com/office/powerpoint/2010/main">
+              <a14:hiddenFill xmlns:p14="http://schemas.microsoft.com/office/powerpoint/2010/main" xmlns:a14="http://schemas.microsoft.com/office/drawing/2010/main" xmlns:a16="http://schemas.microsoft.com/office/drawing/2014/main" xmlns="">
                 <a:solidFill>
                   <a:srgbClr val="FFFFFF"/>
                 </a:solidFill>
@@ -35211,7 +35211,7 @@
             </a:ln>
             <a:extLst>
               <a:ext uri="{91240B29-F687-4f45-9708-019B960494DF}">
-                <a14:hiddenLine xmlns="" xmlns:a16="http://schemas.microsoft.com/office/drawing/2014/main" xmlns:a14="http://schemas.microsoft.com/office/drawing/2010/main" xmlns:p14="http://schemas.microsoft.com/office/powerpoint/2010/main" w="9525">
+                <a14:hiddenLine xmlns:p14="http://schemas.microsoft.com/office/powerpoint/2010/main" xmlns:a14="http://schemas.microsoft.com/office/drawing/2010/main" xmlns:a16="http://schemas.microsoft.com/office/drawing/2014/main" xmlns="" w="9525">
                   <a:solidFill>
                     <a:srgbClr val="000000"/>
                   </a:solidFill>
@@ -35316,7 +35316,7 @@
             </a:ln>
             <a:extLst>
               <a:ext uri="{91240B29-F687-4f45-9708-019B960494DF}">
-                <a14:hiddenLine xmlns="" xmlns:a16="http://schemas.microsoft.com/office/drawing/2014/main" xmlns:a14="http://schemas.microsoft.com/office/drawing/2010/main" xmlns:p14="http://schemas.microsoft.com/office/powerpoint/2010/main" w="9525">
+                <a14:hiddenLine xmlns:p14="http://schemas.microsoft.com/office/powerpoint/2010/main" xmlns:a14="http://schemas.microsoft.com/office/drawing/2010/main" xmlns:a16="http://schemas.microsoft.com/office/drawing/2014/main" xmlns="" w="9525">
                   <a:solidFill>
                     <a:srgbClr val="000000"/>
                   </a:solidFill>
@@ -35421,7 +35421,7 @@
             </a:ln>
             <a:extLst>
               <a:ext uri="{91240B29-F687-4f45-9708-019B960494DF}">
-                <a14:hiddenLine xmlns="" xmlns:a16="http://schemas.microsoft.com/office/drawing/2014/main" xmlns:a14="http://schemas.microsoft.com/office/drawing/2010/main" xmlns:p14="http://schemas.microsoft.com/office/powerpoint/2010/main" w="9525">
+                <a14:hiddenLine xmlns:p14="http://schemas.microsoft.com/office/powerpoint/2010/main" xmlns:a14="http://schemas.microsoft.com/office/drawing/2010/main" xmlns:a16="http://schemas.microsoft.com/office/drawing/2014/main" xmlns="" w="9525">
                   <a:solidFill>
                     <a:srgbClr val="000000"/>
                   </a:solidFill>
@@ -35470,7 +35470,7 @@
             </a:ln>
             <a:extLst>
               <a:ext uri="{91240B29-F687-4f45-9708-019B960494DF}">
-                <a14:hiddenLine xmlns="" xmlns:a16="http://schemas.microsoft.com/office/drawing/2014/main" xmlns:a14="http://schemas.microsoft.com/office/drawing/2010/main" xmlns:p14="http://schemas.microsoft.com/office/powerpoint/2010/main" w="9525">
+                <a14:hiddenLine xmlns:p14="http://schemas.microsoft.com/office/powerpoint/2010/main" xmlns:a14="http://schemas.microsoft.com/office/drawing/2010/main" xmlns:a16="http://schemas.microsoft.com/office/drawing/2014/main" xmlns="" w="9525">
                   <a:solidFill>
                     <a:srgbClr val="000000"/>
                   </a:solidFill>
@@ -35575,7 +35575,7 @@
             </a:ln>
             <a:extLst>
               <a:ext uri="{91240B29-F687-4f45-9708-019B960494DF}">
-                <a14:hiddenLine xmlns="" xmlns:a16="http://schemas.microsoft.com/office/drawing/2014/main" xmlns:a14="http://schemas.microsoft.com/office/drawing/2010/main" xmlns:p14="http://schemas.microsoft.com/office/powerpoint/2010/main" w="9525">
+                <a14:hiddenLine xmlns:p14="http://schemas.microsoft.com/office/powerpoint/2010/main" xmlns:a14="http://schemas.microsoft.com/office/drawing/2010/main" xmlns:a16="http://schemas.microsoft.com/office/drawing/2014/main" xmlns="" w="9525">
                   <a:solidFill>
                     <a:srgbClr val="000000"/>
                   </a:solidFill>
@@ -35652,7 +35652,7 @@
             </a:ln>
             <a:extLst>
               <a:ext uri="{91240B29-F687-4f45-9708-019B960494DF}">
-                <a14:hiddenLine xmlns="" xmlns:a16="http://schemas.microsoft.com/office/drawing/2014/main" xmlns:a14="http://schemas.microsoft.com/office/drawing/2010/main" xmlns:p14="http://schemas.microsoft.com/office/powerpoint/2010/main" w="9525">
+                <a14:hiddenLine xmlns:p14="http://schemas.microsoft.com/office/powerpoint/2010/main" xmlns:a14="http://schemas.microsoft.com/office/drawing/2010/main" xmlns:a16="http://schemas.microsoft.com/office/drawing/2014/main" xmlns="" w="9525">
                   <a:solidFill>
                     <a:srgbClr val="000000"/>
                   </a:solidFill>
@@ -35729,7 +35729,7 @@
             </a:ln>
             <a:extLst>
               <a:ext uri="{91240B29-F687-4f45-9708-019B960494DF}">
-                <a14:hiddenLine xmlns="" xmlns:a16="http://schemas.microsoft.com/office/drawing/2014/main" xmlns:a14="http://schemas.microsoft.com/office/drawing/2010/main" xmlns:p14="http://schemas.microsoft.com/office/powerpoint/2010/main" w="9525">
+                <a14:hiddenLine xmlns:p14="http://schemas.microsoft.com/office/powerpoint/2010/main" xmlns:a14="http://schemas.microsoft.com/office/drawing/2010/main" xmlns:a16="http://schemas.microsoft.com/office/drawing/2014/main" xmlns="" w="9525">
                   <a:solidFill>
                     <a:srgbClr val="000000"/>
                   </a:solidFill>
@@ -35834,7 +35834,7 @@
             </a:ln>
             <a:extLst>
               <a:ext uri="{91240B29-F687-4f45-9708-019B960494DF}">
-                <a14:hiddenLine xmlns="" xmlns:a16="http://schemas.microsoft.com/office/drawing/2014/main" xmlns:a14="http://schemas.microsoft.com/office/drawing/2010/main" xmlns:p14="http://schemas.microsoft.com/office/powerpoint/2010/main" w="9525">
+                <a14:hiddenLine xmlns:p14="http://schemas.microsoft.com/office/powerpoint/2010/main" xmlns:a14="http://schemas.microsoft.com/office/drawing/2010/main" xmlns:a16="http://schemas.microsoft.com/office/drawing/2014/main" xmlns="" w="9525">
                   <a:solidFill>
                     <a:srgbClr val="000000"/>
                   </a:solidFill>
@@ -35911,7 +35911,7 @@
             </a:ln>
             <a:extLst>
               <a:ext uri="{91240B29-F687-4f45-9708-019B960494DF}">
-                <a14:hiddenLine xmlns="" xmlns:a16="http://schemas.microsoft.com/office/drawing/2014/main" xmlns:a14="http://schemas.microsoft.com/office/drawing/2010/main" xmlns:p14="http://schemas.microsoft.com/office/powerpoint/2010/main" w="9525">
+                <a14:hiddenLine xmlns:p14="http://schemas.microsoft.com/office/powerpoint/2010/main" xmlns:a14="http://schemas.microsoft.com/office/drawing/2010/main" xmlns:a16="http://schemas.microsoft.com/office/drawing/2014/main" xmlns="" w="9525">
                   <a:solidFill>
                     <a:srgbClr val="000000"/>
                   </a:solidFill>
@@ -35988,7 +35988,7 @@
             </a:ln>
             <a:extLst>
               <a:ext uri="{91240B29-F687-4f45-9708-019B960494DF}">
-                <a14:hiddenLine xmlns="" xmlns:a16="http://schemas.microsoft.com/office/drawing/2014/main" xmlns:a14="http://schemas.microsoft.com/office/drawing/2010/main" xmlns:p14="http://schemas.microsoft.com/office/powerpoint/2010/main" w="9525">
+                <a14:hiddenLine xmlns:p14="http://schemas.microsoft.com/office/powerpoint/2010/main" xmlns:a14="http://schemas.microsoft.com/office/drawing/2010/main" xmlns:a16="http://schemas.microsoft.com/office/drawing/2014/main" xmlns="" w="9525">
                   <a:solidFill>
                     <a:srgbClr val="000000"/>
                   </a:solidFill>
@@ -36093,7 +36093,7 @@
             </a:ln>
             <a:extLst>
               <a:ext uri="{91240B29-F687-4f45-9708-019B960494DF}">
-                <a14:hiddenLine xmlns="" xmlns:a16="http://schemas.microsoft.com/office/drawing/2014/main" xmlns:a14="http://schemas.microsoft.com/office/drawing/2010/main" xmlns:p14="http://schemas.microsoft.com/office/powerpoint/2010/main" w="9525">
+                <a14:hiddenLine xmlns:p14="http://schemas.microsoft.com/office/powerpoint/2010/main" xmlns:a14="http://schemas.microsoft.com/office/drawing/2010/main" xmlns:a16="http://schemas.microsoft.com/office/drawing/2014/main" xmlns="" w="9525">
                   <a:solidFill>
                     <a:srgbClr val="000000"/>
                   </a:solidFill>
@@ -36198,7 +36198,7 @@
             </a:ln>
             <a:extLst>
               <a:ext uri="{91240B29-F687-4f45-9708-019B960494DF}">
-                <a14:hiddenLine xmlns="" xmlns:a16="http://schemas.microsoft.com/office/drawing/2014/main" xmlns:a14="http://schemas.microsoft.com/office/drawing/2010/main" xmlns:p14="http://schemas.microsoft.com/office/powerpoint/2010/main" w="9525">
+                <a14:hiddenLine xmlns:p14="http://schemas.microsoft.com/office/powerpoint/2010/main" xmlns:a14="http://schemas.microsoft.com/office/drawing/2010/main" xmlns:a16="http://schemas.microsoft.com/office/drawing/2014/main" xmlns="" w="9525">
                   <a:solidFill>
                     <a:srgbClr val="000000"/>
                   </a:solidFill>
@@ -36275,7 +36275,7 @@
             </a:ln>
             <a:extLst>
               <a:ext uri="{91240B29-F687-4f45-9708-019B960494DF}">
-                <a14:hiddenLine xmlns="" xmlns:a16="http://schemas.microsoft.com/office/drawing/2014/main" xmlns:a14="http://schemas.microsoft.com/office/drawing/2010/main" xmlns:p14="http://schemas.microsoft.com/office/powerpoint/2010/main" w="9525">
+                <a14:hiddenLine xmlns:p14="http://schemas.microsoft.com/office/powerpoint/2010/main" xmlns:a14="http://schemas.microsoft.com/office/drawing/2010/main" xmlns:a16="http://schemas.microsoft.com/office/drawing/2014/main" xmlns="" w="9525">
                   <a:solidFill>
                     <a:srgbClr val="000000"/>
                   </a:solidFill>
@@ -36400,7 +36400,7 @@
             </a:ln>
             <a:extLst>
               <a:ext uri="{91240B29-F687-4f45-9708-019B960494DF}">
-                <a14:hiddenLine xmlns="" xmlns:a16="http://schemas.microsoft.com/office/drawing/2014/main" xmlns:a14="http://schemas.microsoft.com/office/drawing/2010/main" xmlns:p14="http://schemas.microsoft.com/office/powerpoint/2010/main" w="9525">
+                <a14:hiddenLine xmlns:p14="http://schemas.microsoft.com/office/powerpoint/2010/main" xmlns:a14="http://schemas.microsoft.com/office/drawing/2010/main" xmlns:a16="http://schemas.microsoft.com/office/drawing/2014/main" xmlns="" w="9525">
                   <a:solidFill>
                     <a:srgbClr val="000000"/>
                   </a:solidFill>
@@ -36477,7 +36477,7 @@
             </a:ln>
             <a:extLst>
               <a:ext uri="{91240B29-F687-4f45-9708-019B960494DF}">
-                <a14:hiddenLine xmlns="" xmlns:a16="http://schemas.microsoft.com/office/drawing/2014/main" xmlns:a14="http://schemas.microsoft.com/office/drawing/2010/main" xmlns:p14="http://schemas.microsoft.com/office/powerpoint/2010/main" w="9525">
+                <a14:hiddenLine xmlns:p14="http://schemas.microsoft.com/office/powerpoint/2010/main" xmlns:a14="http://schemas.microsoft.com/office/drawing/2010/main" xmlns:a16="http://schemas.microsoft.com/office/drawing/2014/main" xmlns="" w="9525">
                   <a:solidFill>
                     <a:srgbClr val="000000"/>
                   </a:solidFill>
@@ -36582,7 +36582,7 @@
             </a:ln>
             <a:extLst>
               <a:ext uri="{91240B29-F687-4f45-9708-019B960494DF}">
-                <a14:hiddenLine xmlns="" xmlns:a16="http://schemas.microsoft.com/office/drawing/2014/main" xmlns:a14="http://schemas.microsoft.com/office/drawing/2010/main" xmlns:p14="http://schemas.microsoft.com/office/powerpoint/2010/main" w="9525">
+                <a14:hiddenLine xmlns:p14="http://schemas.microsoft.com/office/powerpoint/2010/main" xmlns:a14="http://schemas.microsoft.com/office/drawing/2010/main" xmlns:a16="http://schemas.microsoft.com/office/drawing/2014/main" xmlns="" w="9525">
                   <a:solidFill>
                     <a:srgbClr val="000000"/>
                   </a:solidFill>
@@ -36687,7 +36687,7 @@
             </a:ln>
             <a:extLst>
               <a:ext uri="{91240B29-F687-4f45-9708-019B960494DF}">
-                <a14:hiddenLine xmlns="" xmlns:a16="http://schemas.microsoft.com/office/drawing/2014/main" xmlns:a14="http://schemas.microsoft.com/office/drawing/2010/main" xmlns:p14="http://schemas.microsoft.com/office/powerpoint/2010/main" w="9525">
+                <a14:hiddenLine xmlns:p14="http://schemas.microsoft.com/office/powerpoint/2010/main" xmlns:a14="http://schemas.microsoft.com/office/drawing/2010/main" xmlns:a16="http://schemas.microsoft.com/office/drawing/2014/main" xmlns="" w="9525">
                   <a:solidFill>
                     <a:srgbClr val="000000"/>
                   </a:solidFill>
@@ -36764,7 +36764,7 @@
             </a:ln>
             <a:extLst>
               <a:ext uri="{91240B29-F687-4f45-9708-019B960494DF}">
-                <a14:hiddenLine xmlns="" xmlns:a16="http://schemas.microsoft.com/office/drawing/2014/main" xmlns:a14="http://schemas.microsoft.com/office/drawing/2010/main" xmlns:p14="http://schemas.microsoft.com/office/powerpoint/2010/main" w="9525">
+                <a14:hiddenLine xmlns:p14="http://schemas.microsoft.com/office/powerpoint/2010/main" xmlns:a14="http://schemas.microsoft.com/office/drawing/2010/main" xmlns:a16="http://schemas.microsoft.com/office/drawing/2014/main" xmlns="" w="9525">
                   <a:solidFill>
                     <a:srgbClr val="000000"/>
                   </a:solidFill>
@@ -36869,7 +36869,7 @@
             </a:ln>
             <a:extLst>
               <a:ext uri="{91240B29-F687-4f45-9708-019B960494DF}">
-                <a14:hiddenLine xmlns="" xmlns:a16="http://schemas.microsoft.com/office/drawing/2014/main" xmlns:a14="http://schemas.microsoft.com/office/drawing/2010/main" xmlns:p14="http://schemas.microsoft.com/office/powerpoint/2010/main" w="9525">
+                <a14:hiddenLine xmlns:p14="http://schemas.microsoft.com/office/powerpoint/2010/main" xmlns:a14="http://schemas.microsoft.com/office/drawing/2010/main" xmlns:a16="http://schemas.microsoft.com/office/drawing/2014/main" xmlns="" w="9525">
                   <a:solidFill>
                     <a:srgbClr val="000000"/>
                   </a:solidFill>
@@ -36974,7 +36974,7 @@
             </a:ln>
             <a:extLst>
               <a:ext uri="{91240B29-F687-4f45-9708-019B960494DF}">
-                <a14:hiddenLine xmlns="" xmlns:a16="http://schemas.microsoft.com/office/drawing/2014/main" xmlns:a14="http://schemas.microsoft.com/office/drawing/2010/main" xmlns:p14="http://schemas.microsoft.com/office/powerpoint/2010/main" w="9525">
+                <a14:hiddenLine xmlns:p14="http://schemas.microsoft.com/office/powerpoint/2010/main" xmlns:a14="http://schemas.microsoft.com/office/drawing/2010/main" xmlns:a16="http://schemas.microsoft.com/office/drawing/2014/main" xmlns="" w="9525">
                   <a:solidFill>
                     <a:srgbClr val="000000"/>
                   </a:solidFill>
@@ -37045,7 +37045,7 @@
             </a:ln>
             <a:extLst>
               <a:ext uri="{91240B29-F687-4f45-9708-019B960494DF}">
-                <a14:hiddenLine xmlns="" xmlns:a16="http://schemas.microsoft.com/office/drawing/2014/main" xmlns:a14="http://schemas.microsoft.com/office/drawing/2010/main" xmlns:p14="http://schemas.microsoft.com/office/powerpoint/2010/main" w="9525">
+                <a14:hiddenLine xmlns:p14="http://schemas.microsoft.com/office/powerpoint/2010/main" xmlns:a14="http://schemas.microsoft.com/office/drawing/2010/main" xmlns:a16="http://schemas.microsoft.com/office/drawing/2014/main" xmlns="" w="9525">
                   <a:solidFill>
                     <a:srgbClr val="000000"/>
                   </a:solidFill>
@@ -37150,7 +37150,7 @@
             </a:ln>
             <a:extLst>
               <a:ext uri="{91240B29-F687-4f45-9708-019B960494DF}">
-                <a14:hiddenLine xmlns="" xmlns:a16="http://schemas.microsoft.com/office/drawing/2014/main" xmlns:a14="http://schemas.microsoft.com/office/drawing/2010/main" xmlns:p14="http://schemas.microsoft.com/office/powerpoint/2010/main" w="9525">
+                <a14:hiddenLine xmlns:p14="http://schemas.microsoft.com/office/powerpoint/2010/main" xmlns:a14="http://schemas.microsoft.com/office/drawing/2010/main" xmlns:a16="http://schemas.microsoft.com/office/drawing/2014/main" xmlns="" w="9525">
                   <a:solidFill>
                     <a:srgbClr val="000000"/>
                   </a:solidFill>
@@ -37221,7 +37221,7 @@
             </a:ln>
             <a:extLst>
               <a:ext uri="{91240B29-F687-4f45-9708-019B960494DF}">
-                <a14:hiddenLine xmlns="" xmlns:a16="http://schemas.microsoft.com/office/drawing/2014/main" xmlns:a14="http://schemas.microsoft.com/office/drawing/2010/main" xmlns:p14="http://schemas.microsoft.com/office/powerpoint/2010/main" w="9525">
+                <a14:hiddenLine xmlns:p14="http://schemas.microsoft.com/office/powerpoint/2010/main" xmlns:a14="http://schemas.microsoft.com/office/drawing/2010/main" xmlns:a16="http://schemas.microsoft.com/office/drawing/2014/main" xmlns="" w="9525">
                   <a:solidFill>
                     <a:srgbClr val="000000"/>
                   </a:solidFill>
@@ -37326,7 +37326,7 @@
             </a:ln>
             <a:extLst>
               <a:ext uri="{91240B29-F687-4f45-9708-019B960494DF}">
-                <a14:hiddenLine xmlns="" xmlns:a16="http://schemas.microsoft.com/office/drawing/2014/main" xmlns:a14="http://schemas.microsoft.com/office/drawing/2010/main" xmlns:p14="http://schemas.microsoft.com/office/powerpoint/2010/main" w="9525">
+                <a14:hiddenLine xmlns:p14="http://schemas.microsoft.com/office/powerpoint/2010/main" xmlns:a14="http://schemas.microsoft.com/office/drawing/2010/main" xmlns:a16="http://schemas.microsoft.com/office/drawing/2014/main" xmlns="" w="9525">
                   <a:solidFill>
                     <a:srgbClr val="000000"/>
                   </a:solidFill>
@@ -37409,7 +37409,7 @@
             </a:ln>
             <a:extLst>
               <a:ext uri="{91240B29-F687-4f45-9708-019B960494DF}">
-                <a14:hiddenLine xmlns="" xmlns:a16="http://schemas.microsoft.com/office/drawing/2014/main" xmlns:a14="http://schemas.microsoft.com/office/drawing/2010/main" xmlns:p14="http://schemas.microsoft.com/office/powerpoint/2010/main" w="9525">
+                <a14:hiddenLine xmlns:p14="http://schemas.microsoft.com/office/powerpoint/2010/main" xmlns:a14="http://schemas.microsoft.com/office/drawing/2010/main" xmlns:a16="http://schemas.microsoft.com/office/drawing/2014/main" xmlns="" w="9525">
                   <a:solidFill>
                     <a:srgbClr val="000000"/>
                   </a:solidFill>
@@ -37514,7 +37514,7 @@
             </a:ln>
             <a:extLst>
               <a:ext uri="{91240B29-F687-4f45-9708-019B960494DF}">
-                <a14:hiddenLine xmlns="" xmlns:a16="http://schemas.microsoft.com/office/drawing/2014/main" xmlns:a14="http://schemas.microsoft.com/office/drawing/2010/main" xmlns:p14="http://schemas.microsoft.com/office/powerpoint/2010/main" w="9525">
+                <a14:hiddenLine xmlns:p14="http://schemas.microsoft.com/office/powerpoint/2010/main" xmlns:a14="http://schemas.microsoft.com/office/drawing/2010/main" xmlns:a16="http://schemas.microsoft.com/office/drawing/2014/main" xmlns="" w="9525">
                   <a:solidFill>
                     <a:srgbClr val="000000"/>
                   </a:solidFill>
@@ -37597,7 +37597,7 @@
             </a:ln>
             <a:extLst>
               <a:ext uri="{91240B29-F687-4f45-9708-019B960494DF}">
-                <a14:hiddenLine xmlns="" xmlns:a16="http://schemas.microsoft.com/office/drawing/2014/main" xmlns:a14="http://schemas.microsoft.com/office/drawing/2010/main" xmlns:p14="http://schemas.microsoft.com/office/powerpoint/2010/main" w="9525">
+                <a14:hiddenLine xmlns:p14="http://schemas.microsoft.com/office/powerpoint/2010/main" xmlns:a14="http://schemas.microsoft.com/office/drawing/2010/main" xmlns:a16="http://schemas.microsoft.com/office/drawing/2014/main" xmlns="" w="9525">
                   <a:solidFill>
                     <a:srgbClr val="000000"/>
                   </a:solidFill>
@@ -37702,7 +37702,7 @@
             </a:ln>
             <a:extLst>
               <a:ext uri="{91240B29-F687-4f45-9708-019B960494DF}">
-                <a14:hiddenLine xmlns="" xmlns:a16="http://schemas.microsoft.com/office/drawing/2014/main" xmlns:a14="http://schemas.microsoft.com/office/drawing/2010/main" xmlns:p14="http://schemas.microsoft.com/office/powerpoint/2010/main" w="9525">
+                <a14:hiddenLine xmlns:p14="http://schemas.microsoft.com/office/powerpoint/2010/main" xmlns:a14="http://schemas.microsoft.com/office/drawing/2010/main" xmlns:a16="http://schemas.microsoft.com/office/drawing/2014/main" xmlns="" w="9525">
                   <a:solidFill>
                     <a:srgbClr val="000000"/>
                   </a:solidFill>
@@ -37751,7 +37751,7 @@
             </a:ln>
             <a:extLst>
               <a:ext uri="{91240B29-F687-4f45-9708-019B960494DF}">
-                <a14:hiddenLine xmlns="" xmlns:a16="http://schemas.microsoft.com/office/drawing/2014/main" xmlns:a14="http://schemas.microsoft.com/office/drawing/2010/main" xmlns:p14="http://schemas.microsoft.com/office/powerpoint/2010/main" w="9525">
+                <a14:hiddenLine xmlns:p14="http://schemas.microsoft.com/office/powerpoint/2010/main" xmlns:a14="http://schemas.microsoft.com/office/drawing/2010/main" xmlns:a16="http://schemas.microsoft.com/office/drawing/2014/main" xmlns="" w="9525">
                   <a:solidFill>
                     <a:srgbClr val="000000"/>
                   </a:solidFill>
@@ -37856,7 +37856,7 @@
             </a:ln>
             <a:extLst>
               <a:ext uri="{91240B29-F687-4f45-9708-019B960494DF}">
-                <a14:hiddenLine xmlns="" xmlns:a16="http://schemas.microsoft.com/office/drawing/2014/main" xmlns:a14="http://schemas.microsoft.com/office/drawing/2010/main" xmlns:p14="http://schemas.microsoft.com/office/powerpoint/2010/main" w="9525">
+                <a14:hiddenLine xmlns:p14="http://schemas.microsoft.com/office/powerpoint/2010/main" xmlns:a14="http://schemas.microsoft.com/office/drawing/2010/main" xmlns:a16="http://schemas.microsoft.com/office/drawing/2014/main" xmlns="" w="9525">
                   <a:solidFill>
                     <a:srgbClr val="000000"/>
                   </a:solidFill>
@@ -37933,7 +37933,7 @@
             </a:ln>
             <a:extLst>
               <a:ext uri="{91240B29-F687-4f45-9708-019B960494DF}">
-                <a14:hiddenLine xmlns="" xmlns:a16="http://schemas.microsoft.com/office/drawing/2014/main" xmlns:a14="http://schemas.microsoft.com/office/drawing/2010/main" xmlns:p14="http://schemas.microsoft.com/office/powerpoint/2010/main" w="9525">
+                <a14:hiddenLine xmlns:p14="http://schemas.microsoft.com/office/powerpoint/2010/main" xmlns:a14="http://schemas.microsoft.com/office/drawing/2010/main" xmlns:a16="http://schemas.microsoft.com/office/drawing/2014/main" xmlns="" w="9525">
                   <a:solidFill>
                     <a:srgbClr val="000000"/>
                   </a:solidFill>
@@ -38010,7 +38010,7 @@
             </a:ln>
             <a:extLst>
               <a:ext uri="{91240B29-F687-4f45-9708-019B960494DF}">
-                <a14:hiddenLine xmlns="" xmlns:a16="http://schemas.microsoft.com/office/drawing/2014/main" xmlns:a14="http://schemas.microsoft.com/office/drawing/2010/main" xmlns:p14="http://schemas.microsoft.com/office/powerpoint/2010/main" w="9525">
+                <a14:hiddenLine xmlns:p14="http://schemas.microsoft.com/office/powerpoint/2010/main" xmlns:a14="http://schemas.microsoft.com/office/drawing/2010/main" xmlns:a16="http://schemas.microsoft.com/office/drawing/2014/main" xmlns="" w="9525">
                   <a:solidFill>
                     <a:srgbClr val="000000"/>
                   </a:solidFill>
@@ -38115,7 +38115,7 @@
             </a:ln>
             <a:extLst>
               <a:ext uri="{91240B29-F687-4f45-9708-019B960494DF}">
-                <a14:hiddenLine xmlns="" xmlns:a16="http://schemas.microsoft.com/office/drawing/2014/main" xmlns:a14="http://schemas.microsoft.com/office/drawing/2010/main" xmlns:p14="http://schemas.microsoft.com/office/powerpoint/2010/main" w="9525">
+                <a14:hiddenLine xmlns:p14="http://schemas.microsoft.com/office/powerpoint/2010/main" xmlns:a14="http://schemas.microsoft.com/office/drawing/2010/main" xmlns:a16="http://schemas.microsoft.com/office/drawing/2014/main" xmlns="" w="9525">
                   <a:solidFill>
                     <a:srgbClr val="000000"/>
                   </a:solidFill>
@@ -38198,7 +38198,7 @@
             </a:ln>
             <a:extLst>
               <a:ext uri="{91240B29-F687-4f45-9708-019B960494DF}">
-                <a14:hiddenLine xmlns="" xmlns:a16="http://schemas.microsoft.com/office/drawing/2014/main" xmlns:a14="http://schemas.microsoft.com/office/drawing/2010/main" xmlns:p14="http://schemas.microsoft.com/office/powerpoint/2010/main" w="9525">
+                <a14:hiddenLine xmlns:p14="http://schemas.microsoft.com/office/powerpoint/2010/main" xmlns:a14="http://schemas.microsoft.com/office/drawing/2010/main" xmlns:a16="http://schemas.microsoft.com/office/drawing/2014/main" xmlns="" w="9525">
                   <a:solidFill>
                     <a:srgbClr val="000000"/>
                   </a:solidFill>
@@ -38275,7 +38275,7 @@
             </a:ln>
             <a:extLst>
               <a:ext uri="{91240B29-F687-4f45-9708-019B960494DF}">
-                <a14:hiddenLine xmlns="" xmlns:a16="http://schemas.microsoft.com/office/drawing/2014/main" xmlns:a14="http://schemas.microsoft.com/office/drawing/2010/main" xmlns:p14="http://schemas.microsoft.com/office/powerpoint/2010/main" w="9525">
+                <a14:hiddenLine xmlns:p14="http://schemas.microsoft.com/office/powerpoint/2010/main" xmlns:a14="http://schemas.microsoft.com/office/drawing/2010/main" xmlns:a16="http://schemas.microsoft.com/office/drawing/2014/main" xmlns="" w="9525">
                   <a:solidFill>
                     <a:srgbClr val="000000"/>
                   </a:solidFill>
@@ -38380,7 +38380,7 @@
             </a:ln>
             <a:extLst>
               <a:ext uri="{91240B29-F687-4f45-9708-019B960494DF}">
-                <a14:hiddenLine xmlns="" xmlns:a16="http://schemas.microsoft.com/office/drawing/2014/main" xmlns:a14="http://schemas.microsoft.com/office/drawing/2010/main" xmlns:p14="http://schemas.microsoft.com/office/powerpoint/2010/main" w="9525">
+                <a14:hiddenLine xmlns:p14="http://schemas.microsoft.com/office/powerpoint/2010/main" xmlns:a14="http://schemas.microsoft.com/office/drawing/2010/main" xmlns:a16="http://schemas.microsoft.com/office/drawing/2014/main" xmlns="" w="9525">
                   <a:solidFill>
                     <a:srgbClr val="000000"/>
                   </a:solidFill>
@@ -38457,7 +38457,7 @@
             </a:ln>
             <a:extLst>
               <a:ext uri="{91240B29-F687-4f45-9708-019B960494DF}">
-                <a14:hiddenLine xmlns="" xmlns:a16="http://schemas.microsoft.com/office/drawing/2014/main" xmlns:a14="http://schemas.microsoft.com/office/drawing/2010/main" xmlns:p14="http://schemas.microsoft.com/office/powerpoint/2010/main" w="9525">
+                <a14:hiddenLine xmlns:p14="http://schemas.microsoft.com/office/powerpoint/2010/main" xmlns:a14="http://schemas.microsoft.com/office/drawing/2010/main" xmlns:a16="http://schemas.microsoft.com/office/drawing/2014/main" xmlns="" w="9525">
                   <a:solidFill>
                     <a:srgbClr val="000000"/>
                   </a:solidFill>
@@ -38562,7 +38562,7 @@
             </a:ln>
             <a:extLst>
               <a:ext uri="{91240B29-F687-4f45-9708-019B960494DF}">
-                <a14:hiddenLine xmlns="" xmlns:a16="http://schemas.microsoft.com/office/drawing/2014/main" xmlns:a14="http://schemas.microsoft.com/office/drawing/2010/main" xmlns:p14="http://schemas.microsoft.com/office/powerpoint/2010/main" w="9525">
+                <a14:hiddenLine xmlns:p14="http://schemas.microsoft.com/office/powerpoint/2010/main" xmlns:a14="http://schemas.microsoft.com/office/drawing/2010/main" xmlns:a16="http://schemas.microsoft.com/office/drawing/2014/main" xmlns="" w="9525">
                   <a:solidFill>
                     <a:srgbClr val="000000"/>
                   </a:solidFill>
@@ -38639,7 +38639,7 @@
             </a:ln>
             <a:extLst>
               <a:ext uri="{91240B29-F687-4f45-9708-019B960494DF}">
-                <a14:hiddenLine xmlns="" xmlns:a16="http://schemas.microsoft.com/office/drawing/2014/main" xmlns:a14="http://schemas.microsoft.com/office/drawing/2010/main" xmlns:p14="http://schemas.microsoft.com/office/powerpoint/2010/main" w="9525">
+                <a14:hiddenLine xmlns:p14="http://schemas.microsoft.com/office/powerpoint/2010/main" xmlns:a14="http://schemas.microsoft.com/office/drawing/2010/main" xmlns:a16="http://schemas.microsoft.com/office/drawing/2014/main" xmlns="" w="9525">
                   <a:solidFill>
                     <a:srgbClr val="000000"/>
                   </a:solidFill>
@@ -38744,7 +38744,7 @@
             </a:ln>
             <a:extLst>
               <a:ext uri="{91240B29-F687-4f45-9708-019B960494DF}">
-                <a14:hiddenLine xmlns="" xmlns:a16="http://schemas.microsoft.com/office/drawing/2014/main" xmlns:a14="http://schemas.microsoft.com/office/drawing/2010/main" xmlns:p14="http://schemas.microsoft.com/office/powerpoint/2010/main" w="9525">
+                <a14:hiddenLine xmlns:p14="http://schemas.microsoft.com/office/powerpoint/2010/main" xmlns:a14="http://schemas.microsoft.com/office/drawing/2010/main" xmlns:a16="http://schemas.microsoft.com/office/drawing/2014/main" xmlns="" w="9525">
                   <a:solidFill>
                     <a:srgbClr val="000000"/>
                   </a:solidFill>
@@ -38793,7 +38793,7 @@
             </a:ln>
             <a:extLst>
               <a:ext uri="{91240B29-F687-4f45-9708-019B960494DF}">
-                <a14:hiddenLine xmlns="" xmlns:a16="http://schemas.microsoft.com/office/drawing/2014/main" xmlns:a14="http://schemas.microsoft.com/office/drawing/2010/main" xmlns:p14="http://schemas.microsoft.com/office/powerpoint/2010/main" w="9525">
+                <a14:hiddenLine xmlns:p14="http://schemas.microsoft.com/office/powerpoint/2010/main" xmlns:a14="http://schemas.microsoft.com/office/drawing/2010/main" xmlns:a16="http://schemas.microsoft.com/office/drawing/2014/main" xmlns="" w="9525">
                   <a:solidFill>
                     <a:srgbClr val="000000"/>
                   </a:solidFill>
@@ -38873,7 +38873,7 @@
             </a:ln>
             <a:extLst>
               <a:ext uri="{91240B29-F687-4f45-9708-019B960494DF}">
-                <a14:hiddenLine xmlns="" xmlns:a16="http://schemas.microsoft.com/office/drawing/2014/main" xmlns:a14="http://schemas.microsoft.com/office/drawing/2010/main" xmlns:p14="http://schemas.microsoft.com/office/powerpoint/2010/main" w="9525">
+                <a14:hiddenLine xmlns:p14="http://schemas.microsoft.com/office/powerpoint/2010/main" xmlns:a14="http://schemas.microsoft.com/office/drawing/2010/main" xmlns:a16="http://schemas.microsoft.com/office/drawing/2014/main" xmlns="" w="9525">
                   <a:solidFill>
                     <a:srgbClr val="000000"/>
                   </a:solidFill>
@@ -38978,7 +38978,7 @@
             </a:ln>
             <a:extLst>
               <a:ext uri="{91240B29-F687-4f45-9708-019B960494DF}">
-                <a14:hiddenLine xmlns="" xmlns:a16="http://schemas.microsoft.com/office/drawing/2014/main" xmlns:a14="http://schemas.microsoft.com/office/drawing/2010/main" xmlns:p14="http://schemas.microsoft.com/office/powerpoint/2010/main" w="9525">
+                <a14:hiddenLine xmlns:p14="http://schemas.microsoft.com/office/powerpoint/2010/main" xmlns:a14="http://schemas.microsoft.com/office/drawing/2010/main" xmlns:a16="http://schemas.microsoft.com/office/drawing/2014/main" xmlns="" w="9525">
                   <a:solidFill>
                     <a:srgbClr val="000000"/>
                   </a:solidFill>
@@ -39055,7 +39055,7 @@
             </a:ln>
             <a:extLst>
               <a:ext uri="{91240B29-F687-4f45-9708-019B960494DF}">
-                <a14:hiddenLine xmlns="" xmlns:a16="http://schemas.microsoft.com/office/drawing/2014/main" xmlns:a14="http://schemas.microsoft.com/office/drawing/2010/main" xmlns:p14="http://schemas.microsoft.com/office/powerpoint/2010/main" w="9525">
+                <a14:hiddenLine xmlns:p14="http://schemas.microsoft.com/office/powerpoint/2010/main" xmlns:a14="http://schemas.microsoft.com/office/drawing/2010/main" xmlns:a16="http://schemas.microsoft.com/office/drawing/2014/main" xmlns="" w="9525">
                   <a:solidFill>
                     <a:srgbClr val="000000"/>
                   </a:solidFill>
@@ -39160,7 +39160,7 @@
             </a:ln>
             <a:extLst>
               <a:ext uri="{91240B29-F687-4f45-9708-019B960494DF}">
-                <a14:hiddenLine xmlns="" xmlns:a16="http://schemas.microsoft.com/office/drawing/2014/main" xmlns:a14="http://schemas.microsoft.com/office/drawing/2010/main" xmlns:p14="http://schemas.microsoft.com/office/powerpoint/2010/main" w="9525">
+                <a14:hiddenLine xmlns:p14="http://schemas.microsoft.com/office/powerpoint/2010/main" xmlns:a14="http://schemas.microsoft.com/office/drawing/2010/main" xmlns:a16="http://schemas.microsoft.com/office/drawing/2014/main" xmlns="" w="9525">
                   <a:solidFill>
                     <a:srgbClr val="000000"/>
                   </a:solidFill>
@@ -39265,7 +39265,7 @@
             </a:ln>
             <a:extLst>
               <a:ext uri="{91240B29-F687-4f45-9708-019B960494DF}">
-                <a14:hiddenLine xmlns="" xmlns:a16="http://schemas.microsoft.com/office/drawing/2014/main" xmlns:a14="http://schemas.microsoft.com/office/drawing/2010/main" xmlns:p14="http://schemas.microsoft.com/office/powerpoint/2010/main" w="9525">
+                <a14:hiddenLine xmlns:p14="http://schemas.microsoft.com/office/powerpoint/2010/main" xmlns:a14="http://schemas.microsoft.com/office/drawing/2010/main" xmlns:a16="http://schemas.microsoft.com/office/drawing/2014/main" xmlns="" w="9525">
                   <a:solidFill>
                     <a:srgbClr val="000000"/>
                   </a:solidFill>
@@ -39345,7 +39345,7 @@
             </a:ln>
             <a:extLst>
               <a:ext uri="{91240B29-F687-4f45-9708-019B960494DF}">
-                <a14:hiddenLine xmlns="" xmlns:a16="http://schemas.microsoft.com/office/drawing/2014/main" xmlns:a14="http://schemas.microsoft.com/office/drawing/2010/main" xmlns:p14="http://schemas.microsoft.com/office/powerpoint/2010/main" w="9525">
+                <a14:hiddenLine xmlns:p14="http://schemas.microsoft.com/office/powerpoint/2010/main" xmlns:a14="http://schemas.microsoft.com/office/drawing/2010/main" xmlns:a16="http://schemas.microsoft.com/office/drawing/2014/main" xmlns="" w="9525">
                   <a:solidFill>
                     <a:srgbClr val="000000"/>
                   </a:solidFill>
@@ -39422,7 +39422,7 @@
             </a:ln>
             <a:extLst>
               <a:ext uri="{91240B29-F687-4f45-9708-019B960494DF}">
-                <a14:hiddenLine xmlns="" xmlns:a16="http://schemas.microsoft.com/office/drawing/2014/main" xmlns:a14="http://schemas.microsoft.com/office/drawing/2010/main" xmlns:p14="http://schemas.microsoft.com/office/powerpoint/2010/main" w="9525">
+                <a14:hiddenLine xmlns:p14="http://schemas.microsoft.com/office/powerpoint/2010/main" xmlns:a14="http://schemas.microsoft.com/office/drawing/2010/main" xmlns:a16="http://schemas.microsoft.com/office/drawing/2014/main" xmlns="" w="9525">
                   <a:solidFill>
                     <a:srgbClr val="000000"/>
                   </a:solidFill>
@@ -39527,7 +39527,7 @@
             </a:ln>
             <a:extLst>
               <a:ext uri="{91240B29-F687-4f45-9708-019B960494DF}">
-                <a14:hiddenLine xmlns="" xmlns:a16="http://schemas.microsoft.com/office/drawing/2014/main" xmlns:a14="http://schemas.microsoft.com/office/drawing/2010/main" xmlns:p14="http://schemas.microsoft.com/office/powerpoint/2010/main" w="9525">
+                <a14:hiddenLine xmlns:p14="http://schemas.microsoft.com/office/powerpoint/2010/main" xmlns:a14="http://schemas.microsoft.com/office/drawing/2010/main" xmlns:a16="http://schemas.microsoft.com/office/drawing/2014/main" xmlns="" w="9525">
                   <a:solidFill>
                     <a:srgbClr val="000000"/>
                   </a:solidFill>
@@ -39632,7 +39632,7 @@
             </a:ln>
             <a:extLst>
               <a:ext uri="{91240B29-F687-4f45-9708-019B960494DF}">
-                <a14:hiddenLine xmlns="" xmlns:a16="http://schemas.microsoft.com/office/drawing/2014/main" xmlns:a14="http://schemas.microsoft.com/office/drawing/2010/main" xmlns:p14="http://schemas.microsoft.com/office/powerpoint/2010/main" w="9525">
+                <a14:hiddenLine xmlns:p14="http://schemas.microsoft.com/office/powerpoint/2010/main" xmlns:a14="http://schemas.microsoft.com/office/drawing/2010/main" xmlns:a16="http://schemas.microsoft.com/office/drawing/2014/main" xmlns="" w="9525">
                   <a:solidFill>
                     <a:srgbClr val="000000"/>
                   </a:solidFill>
@@ -39709,7 +39709,7 @@
             </a:ln>
             <a:extLst>
               <a:ext uri="{91240B29-F687-4f45-9708-019B960494DF}">
-                <a14:hiddenLine xmlns="" xmlns:a16="http://schemas.microsoft.com/office/drawing/2014/main" xmlns:a14="http://schemas.microsoft.com/office/drawing/2010/main" xmlns:p14="http://schemas.microsoft.com/office/powerpoint/2010/main" w="9525">
+                <a14:hiddenLine xmlns:p14="http://schemas.microsoft.com/office/powerpoint/2010/main" xmlns:a14="http://schemas.microsoft.com/office/drawing/2010/main" xmlns:a16="http://schemas.microsoft.com/office/drawing/2014/main" xmlns="" w="9525">
                   <a:solidFill>
                     <a:srgbClr val="000000"/>
                   </a:solidFill>
@@ -39844,7 +39844,7 @@
             </a:ln>
             <a:extLst>
               <a:ext uri="{91240B29-F687-4f45-9708-019B960494DF}">
-                <a14:hiddenLine xmlns="" xmlns:a16="http://schemas.microsoft.com/office/drawing/2014/main" xmlns:a14="http://schemas.microsoft.com/office/drawing/2010/main" xmlns:p14="http://schemas.microsoft.com/office/powerpoint/2010/main" w="9525">
+                <a14:hiddenLine xmlns:p14="http://schemas.microsoft.com/office/powerpoint/2010/main" xmlns:a14="http://schemas.microsoft.com/office/drawing/2010/main" xmlns:a16="http://schemas.microsoft.com/office/drawing/2014/main" xmlns="" w="9525">
                   <a:solidFill>
                     <a:srgbClr val="000000"/>
                   </a:solidFill>
@@ -39927,7 +39927,7 @@
             </a:ln>
             <a:extLst>
               <a:ext uri="{91240B29-F687-4f45-9708-019B960494DF}">
-                <a14:hiddenLine xmlns="" xmlns:a16="http://schemas.microsoft.com/office/drawing/2014/main" xmlns:a14="http://schemas.microsoft.com/office/drawing/2010/main" xmlns:p14="http://schemas.microsoft.com/office/powerpoint/2010/main" w="9525">
+                <a14:hiddenLine xmlns:p14="http://schemas.microsoft.com/office/powerpoint/2010/main" xmlns:a14="http://schemas.microsoft.com/office/drawing/2010/main" xmlns:a16="http://schemas.microsoft.com/office/drawing/2014/main" xmlns="" w="9525">
                   <a:solidFill>
                     <a:srgbClr val="000000"/>
                   </a:solidFill>
@@ -40032,7 +40032,7 @@
             </a:ln>
             <a:extLst>
               <a:ext uri="{91240B29-F687-4f45-9708-019B960494DF}">
-                <a14:hiddenLine xmlns="" xmlns:a16="http://schemas.microsoft.com/office/drawing/2014/main" xmlns:a14="http://schemas.microsoft.com/office/drawing/2010/main" xmlns:p14="http://schemas.microsoft.com/office/powerpoint/2010/main" w="9525">
+                <a14:hiddenLine xmlns:p14="http://schemas.microsoft.com/office/powerpoint/2010/main" xmlns:a14="http://schemas.microsoft.com/office/drawing/2010/main" xmlns:a16="http://schemas.microsoft.com/office/drawing/2014/main" xmlns="" w="9525">
                   <a:solidFill>
                     <a:srgbClr val="000000"/>
                   </a:solidFill>
@@ -40253,7 +40253,7 @@
             </a:ln>
             <a:extLst>
               <a:ext uri="{91240B29-F687-4f45-9708-019B960494DF}">
-                <a14:hiddenLine xmlns="" xmlns:a16="http://schemas.microsoft.com/office/drawing/2014/main" xmlns:a14="http://schemas.microsoft.com/office/drawing/2010/main" xmlns:p14="http://schemas.microsoft.com/office/powerpoint/2010/main" w="9525">
+                <a14:hiddenLine xmlns:p14="http://schemas.microsoft.com/office/powerpoint/2010/main" xmlns:a14="http://schemas.microsoft.com/office/drawing/2010/main" xmlns:a16="http://schemas.microsoft.com/office/drawing/2014/main" xmlns="" w="9525">
                   <a:solidFill>
                     <a:srgbClr val="000000"/>
                   </a:solidFill>
@@ -40383,7 +40383,7 @@
             </a:ln>
             <a:extLst>
               <a:ext uri="{91240B29-F687-4f45-9708-019B960494DF}">
-                <a14:hiddenLine xmlns="" xmlns:a16="http://schemas.microsoft.com/office/drawing/2014/main" xmlns:a14="http://schemas.microsoft.com/office/drawing/2010/main" xmlns:p14="http://schemas.microsoft.com/office/powerpoint/2010/main" w="9525">
+                <a14:hiddenLine xmlns:p14="http://schemas.microsoft.com/office/powerpoint/2010/main" xmlns:a14="http://schemas.microsoft.com/office/drawing/2010/main" xmlns:a16="http://schemas.microsoft.com/office/drawing/2014/main" xmlns="" w="9525">
                   <a:solidFill>
                     <a:srgbClr val="000000"/>
                   </a:solidFill>
@@ -40488,7 +40488,7 @@
             </a:ln>
             <a:extLst>
               <a:ext uri="{91240B29-F687-4f45-9708-019B960494DF}">
-                <a14:hiddenLine xmlns="" xmlns:a16="http://schemas.microsoft.com/office/drawing/2014/main" xmlns:a14="http://schemas.microsoft.com/office/drawing/2010/main" xmlns:p14="http://schemas.microsoft.com/office/powerpoint/2010/main" w="9525">
+                <a14:hiddenLine xmlns:p14="http://schemas.microsoft.com/office/powerpoint/2010/main" xmlns:a14="http://schemas.microsoft.com/office/drawing/2010/main" xmlns:a16="http://schemas.microsoft.com/office/drawing/2014/main" xmlns="" w="9525">
                   <a:solidFill>
                     <a:srgbClr val="000000"/>
                   </a:solidFill>
@@ -40568,7 +40568,7 @@
             </a:ln>
             <a:extLst>
               <a:ext uri="{91240B29-F687-4f45-9708-019B960494DF}">
-                <a14:hiddenLine xmlns="" xmlns:a16="http://schemas.microsoft.com/office/drawing/2014/main" xmlns:a14="http://schemas.microsoft.com/office/drawing/2010/main" xmlns:p14="http://schemas.microsoft.com/office/powerpoint/2010/main" w="9525">
+                <a14:hiddenLine xmlns:p14="http://schemas.microsoft.com/office/powerpoint/2010/main" xmlns:a14="http://schemas.microsoft.com/office/drawing/2010/main" xmlns:a16="http://schemas.microsoft.com/office/drawing/2014/main" xmlns="" w="9525">
                   <a:solidFill>
                     <a:srgbClr val="000000"/>
                   </a:solidFill>
@@ -40673,7 +40673,7 @@
             </a:ln>
             <a:extLst>
               <a:ext uri="{91240B29-F687-4f45-9708-019B960494DF}">
-                <a14:hiddenLine xmlns="" xmlns:a16="http://schemas.microsoft.com/office/drawing/2014/main" xmlns:a14="http://schemas.microsoft.com/office/drawing/2010/main" xmlns:p14="http://schemas.microsoft.com/office/powerpoint/2010/main" w="9525">
+                <a14:hiddenLine xmlns:p14="http://schemas.microsoft.com/office/powerpoint/2010/main" xmlns:a14="http://schemas.microsoft.com/office/drawing/2010/main" xmlns:a16="http://schemas.microsoft.com/office/drawing/2014/main" xmlns="" w="9525">
                   <a:solidFill>
                     <a:srgbClr val="000000"/>
                   </a:solidFill>
@@ -40756,7 +40756,7 @@
             </a:ln>
             <a:extLst>
               <a:ext uri="{91240B29-F687-4f45-9708-019B960494DF}">
-                <a14:hiddenLine xmlns="" xmlns:a16="http://schemas.microsoft.com/office/drawing/2014/main" xmlns:a14="http://schemas.microsoft.com/office/drawing/2010/main" xmlns:p14="http://schemas.microsoft.com/office/powerpoint/2010/main" w="9525">
+                <a14:hiddenLine xmlns:p14="http://schemas.microsoft.com/office/powerpoint/2010/main" xmlns:a14="http://schemas.microsoft.com/office/drawing/2010/main" xmlns:a16="http://schemas.microsoft.com/office/drawing/2014/main" xmlns="" w="9525">
                   <a:solidFill>
                     <a:srgbClr val="000000"/>
                   </a:solidFill>
@@ -40861,7 +40861,7 @@
             </a:ln>
             <a:extLst>
               <a:ext uri="{91240B29-F687-4f45-9708-019B960494DF}">
-                <a14:hiddenLine xmlns="" xmlns:a16="http://schemas.microsoft.com/office/drawing/2014/main" xmlns:a14="http://schemas.microsoft.com/office/drawing/2010/main" xmlns:p14="http://schemas.microsoft.com/office/powerpoint/2010/main" w="9525">
+                <a14:hiddenLine xmlns:p14="http://schemas.microsoft.com/office/powerpoint/2010/main" xmlns:a14="http://schemas.microsoft.com/office/drawing/2010/main" xmlns:a16="http://schemas.microsoft.com/office/drawing/2014/main" xmlns="" w="9525">
                   <a:solidFill>
                     <a:srgbClr val="000000"/>
                   </a:solidFill>
@@ -40944,7 +40944,7 @@
             </a:ln>
             <a:extLst>
               <a:ext uri="{91240B29-F687-4f45-9708-019B960494DF}">
-                <a14:hiddenLine xmlns="" xmlns:a16="http://schemas.microsoft.com/office/drawing/2014/main" xmlns:a14="http://schemas.microsoft.com/office/drawing/2010/main" xmlns:p14="http://schemas.microsoft.com/office/powerpoint/2010/main" w="9525">
+                <a14:hiddenLine xmlns:p14="http://schemas.microsoft.com/office/powerpoint/2010/main" xmlns:a14="http://schemas.microsoft.com/office/drawing/2010/main" xmlns:a16="http://schemas.microsoft.com/office/drawing/2014/main" xmlns="" w="9525">
                   <a:solidFill>
                     <a:srgbClr val="000000"/>
                   </a:solidFill>
@@ -41049,7 +41049,7 @@
             </a:ln>
             <a:extLst>
               <a:ext uri="{91240B29-F687-4f45-9708-019B960494DF}">
-                <a14:hiddenLine xmlns="" xmlns:a16="http://schemas.microsoft.com/office/drawing/2014/main" xmlns:a14="http://schemas.microsoft.com/office/drawing/2010/main" xmlns:p14="http://schemas.microsoft.com/office/powerpoint/2010/main" w="9525">
+                <a14:hiddenLine xmlns:p14="http://schemas.microsoft.com/office/powerpoint/2010/main" xmlns:a14="http://schemas.microsoft.com/office/drawing/2010/main" xmlns:a16="http://schemas.microsoft.com/office/drawing/2014/main" xmlns="" w="9525">
                   <a:solidFill>
                     <a:srgbClr val="000000"/>
                   </a:solidFill>
@@ -41098,7 +41098,7 @@
             </a:ln>
             <a:extLst>
               <a:ext uri="{91240B29-F687-4f45-9708-019B960494DF}">
-                <a14:hiddenLine xmlns="" xmlns:a16="http://schemas.microsoft.com/office/drawing/2014/main" xmlns:a14="http://schemas.microsoft.com/office/drawing/2010/main" xmlns:p14="http://schemas.microsoft.com/office/powerpoint/2010/main" w="9525">
+                <a14:hiddenLine xmlns:p14="http://schemas.microsoft.com/office/powerpoint/2010/main" xmlns:a14="http://schemas.microsoft.com/office/drawing/2010/main" xmlns:a16="http://schemas.microsoft.com/office/drawing/2014/main" xmlns="" w="9525">
                   <a:solidFill>
                     <a:srgbClr val="000000"/>
                   </a:solidFill>
@@ -41301,6 +41301,85 @@
   <p:clrMapOvr>
     <a:masterClrMapping/>
   </p:clrMapOvr>
+  <p:timing>
+    <p:tnLst>
+      <p:par>
+        <p:cTn id="1" dur="indefinite" restart="never" nodeType="tmRoot">
+          <p:childTnLst>
+            <p:seq concurrent="1" nextAc="seek">
+              <p:cTn id="2" dur="indefinite" nodeType="mainSeq">
+                <p:childTnLst>
+                  <p:par>
+                    <p:cTn id="3" fill="hold">
+                      <p:stCondLst>
+                        <p:cond delay="indefinite"/>
+                      </p:stCondLst>
+                      <p:childTnLst>
+                        <p:par>
+                          <p:cTn id="4" fill="hold">
+                            <p:stCondLst>
+                              <p:cond delay="0"/>
+                            </p:stCondLst>
+                            <p:childTnLst>
+                              <p:par>
+                                <p:cTn id="5" presetID="1" presetClass="entr" presetSubtype="0" fill="hold" nodeType="clickEffect">
+                                  <p:stCondLst>
+                                    <p:cond delay="0"/>
+                                  </p:stCondLst>
+                                  <p:childTnLst>
+                                    <p:set>
+                                      <p:cBhvr>
+                                        <p:cTn id="6" dur="1" fill="hold">
+                                          <p:stCondLst>
+                                            <p:cond delay="0"/>
+                                          </p:stCondLst>
+                                        </p:cTn>
+                                        <p:tgtEl>
+                                          <p:spTgt spid="3">
+                                            <p:txEl>
+                                              <p:pRg st="7" end="7"/>
+                                            </p:txEl>
+                                          </p:spTgt>
+                                        </p:tgtEl>
+                                        <p:attrNameLst>
+                                          <p:attrName>style.visibility</p:attrName>
+                                        </p:attrNameLst>
+                                      </p:cBhvr>
+                                      <p:to>
+                                        <p:strVal val="visible"/>
+                                      </p:to>
+                                    </p:set>
+                                  </p:childTnLst>
+                                </p:cTn>
+                              </p:par>
+                            </p:childTnLst>
+                          </p:cTn>
+                        </p:par>
+                      </p:childTnLst>
+                    </p:cTn>
+                  </p:par>
+                </p:childTnLst>
+              </p:cTn>
+              <p:prevCondLst>
+                <p:cond evt="onPrev" delay="0">
+                  <p:tgtEl>
+                    <p:sldTgt/>
+                  </p:tgtEl>
+                </p:cond>
+              </p:prevCondLst>
+              <p:nextCondLst>
+                <p:cond evt="onNext" delay="0">
+                  <p:tgtEl>
+                    <p:sldTgt/>
+                  </p:tgtEl>
+                </p:cond>
+              </p:nextCondLst>
+            </p:seq>
+          </p:childTnLst>
+        </p:cTn>
+      </p:par>
+    </p:tnLst>
+  </p:timing>
 </p:sld>
 </file>
 
